--- a/Presentation.pptx
+++ b/Presentation.pptx
@@ -5,20 +5,21 @@
     <p:sldMasterId id="2147483648" r:id="rId1"/>
   </p:sldMasterIdLst>
   <p:notesMasterIdLst>
-    <p:notesMasterId r:id="rId10"/>
+    <p:notesMasterId r:id="rId11"/>
   </p:notesMasterIdLst>
   <p:handoutMasterIdLst>
-    <p:handoutMasterId r:id="rId11"/>
+    <p:handoutMasterId r:id="rId12"/>
   </p:handoutMasterIdLst>
   <p:sldIdLst>
     <p:sldId id="2962" r:id="rId2"/>
     <p:sldId id="2817" r:id="rId3"/>
-    <p:sldId id="2963" r:id="rId4"/>
-    <p:sldId id="2959" r:id="rId5"/>
-    <p:sldId id="2819" r:id="rId6"/>
-    <p:sldId id="2776" r:id="rId7"/>
-    <p:sldId id="2948" r:id="rId8"/>
-    <p:sldId id="2964" r:id="rId9"/>
+    <p:sldId id="2819" r:id="rId4"/>
+    <p:sldId id="2965" r:id="rId5"/>
+    <p:sldId id="2963" r:id="rId6"/>
+    <p:sldId id="2959" r:id="rId7"/>
+    <p:sldId id="2776" r:id="rId8"/>
+    <p:sldId id="2948" r:id="rId9"/>
+    <p:sldId id="2964" r:id="rId10"/>
   </p:sldIdLst>
   <p:sldSz cx="24377650" cy="13716000"/>
   <p:notesSz cx="6858000" cy="9144000"/>
@@ -210,7 +211,7 @@
           <a:p>
             <a:fld id="{1617D310-0C4F-4B4C-B025-B4A6F8DB9521}" type="datetimeFigureOut">
               <a:rPr lang="en-US" smtClean="0"/>
-              <a:t>9/29/2018</a:t>
+              <a:t>9/30/2018</a:t>
             </a:fld>
             <a:endParaRPr lang="en-US"/>
           </a:p>
@@ -380,7 +381,7 @@
             <a:fld id="{EFC10EE1-B198-C942-8235-326C972CBB30}" type="datetimeFigureOut">
               <a:rPr lang="en-US" smtClean="0"/>
               <a:pPr/>
-              <a:t>9/29/2018</a:t>
+              <a:t>9/30/2018</a:t>
             </a:fld>
             <a:endParaRPr lang="en-US" dirty="0"/>
           </a:p>
@@ -900,7 +901,7 @@
     </p:spTree>
     <p:extLst>
       <p:ext uri="{BB962C8B-B14F-4D97-AF65-F5344CB8AC3E}">
-        <p14:creationId xmlns:p14="http://schemas.microsoft.com/office/powerpoint/2010/main" val="4129295276"/>
+        <p14:creationId xmlns:p14="http://schemas.microsoft.com/office/powerpoint/2010/main" val="68273783"/>
       </p:ext>
     </p:extLst>
   </p:cSld>
@@ -985,7 +986,7 @@
     </p:spTree>
     <p:extLst>
       <p:ext uri="{BB962C8B-B14F-4D97-AF65-F5344CB8AC3E}">
-        <p14:creationId xmlns:p14="http://schemas.microsoft.com/office/powerpoint/2010/main" val="1602194966"/>
+        <p14:creationId xmlns:p14="http://schemas.microsoft.com/office/powerpoint/2010/main" val="1243124621"/>
       </p:ext>
     </p:extLst>
   </p:cSld>
@@ -1070,7 +1071,7 @@
     </p:spTree>
     <p:extLst>
       <p:ext uri="{BB962C8B-B14F-4D97-AF65-F5344CB8AC3E}">
-        <p14:creationId xmlns:p14="http://schemas.microsoft.com/office/powerpoint/2010/main" val="68273783"/>
+        <p14:creationId xmlns:p14="http://schemas.microsoft.com/office/powerpoint/2010/main" val="4129295276"/>
       </p:ext>
     </p:extLst>
   </p:cSld>
@@ -1081,6 +1082,91 @@
 </file>
 
 <file path=ppt/notesSlides/notesSlide6.xml><?xml version="1.0" encoding="utf-8"?>
+<p:notes xmlns:a="http://schemas.openxmlformats.org/drawingml/2006/main" xmlns:r="http://schemas.openxmlformats.org/officeDocument/2006/relationships" xmlns:p="http://schemas.openxmlformats.org/presentationml/2006/main">
+  <p:cSld>
+    <p:spTree>
+      <p:nvGrpSpPr>
+        <p:cNvPr id="1" name=""/>
+        <p:cNvGrpSpPr/>
+        <p:nvPr/>
+      </p:nvGrpSpPr>
+      <p:grpSpPr>
+        <a:xfrm>
+          <a:off x="0" y="0"/>
+          <a:ext cx="0" cy="0"/>
+          <a:chOff x="0" y="0"/>
+          <a:chExt cx="0" cy="0"/>
+        </a:xfrm>
+      </p:grpSpPr>
+      <p:sp>
+        <p:nvSpPr>
+          <p:cNvPr id="2" name="Slide Image Placeholder 1"/>
+          <p:cNvSpPr>
+            <a:spLocks noGrp="1" noRot="1" noChangeAspect="1"/>
+          </p:cNvSpPr>
+          <p:nvPr>
+            <p:ph type="sldImg"/>
+          </p:nvPr>
+        </p:nvSpPr>
+        <p:spPr/>
+      </p:sp>
+      <p:sp>
+        <p:nvSpPr>
+          <p:cNvPr id="3" name="Notes Placeholder 2"/>
+          <p:cNvSpPr>
+            <a:spLocks noGrp="1"/>
+          </p:cNvSpPr>
+          <p:nvPr>
+            <p:ph type="body" idx="1"/>
+          </p:nvPr>
+        </p:nvSpPr>
+        <p:spPr/>
+        <p:txBody>
+          <a:bodyPr/>
+          <a:lstStyle/>
+          <a:p>
+            <a:endParaRPr lang="en-US" dirty="0"/>
+          </a:p>
+        </p:txBody>
+      </p:sp>
+      <p:sp>
+        <p:nvSpPr>
+          <p:cNvPr id="4" name="Slide Number Placeholder 3"/>
+          <p:cNvSpPr>
+            <a:spLocks noGrp="1"/>
+          </p:cNvSpPr>
+          <p:nvPr>
+            <p:ph type="sldNum" sz="quarter" idx="5"/>
+          </p:nvPr>
+        </p:nvSpPr>
+        <p:spPr/>
+        <p:txBody>
+          <a:bodyPr/>
+          <a:lstStyle/>
+          <a:p>
+            <a:fld id="{006BE02D-20C0-F840-AFAC-BEA99C74FDC2}" type="slidenum">
+              <a:rPr lang="en-US" smtClean="0"/>
+              <a:pPr/>
+              <a:t>6</a:t>
+            </a:fld>
+            <a:endParaRPr lang="en-US" dirty="0"/>
+          </a:p>
+        </p:txBody>
+      </p:sp>
+    </p:spTree>
+    <p:extLst>
+      <p:ext uri="{BB962C8B-B14F-4D97-AF65-F5344CB8AC3E}">
+        <p14:creationId xmlns:p14="http://schemas.microsoft.com/office/powerpoint/2010/main" val="1602194966"/>
+      </p:ext>
+    </p:extLst>
+  </p:cSld>
+  <p:clrMapOvr>
+    <a:masterClrMapping/>
+  </p:clrMapOvr>
+</p:notes>
+</file>
+
+<file path=ppt/notesSlides/notesSlide7.xml><?xml version="1.0" encoding="utf-8"?>
 <p:notes xmlns:a="http://schemas.openxmlformats.org/drawingml/2006/main" xmlns:r="http://schemas.openxmlformats.org/officeDocument/2006/relationships" xmlns:p="http://schemas.openxmlformats.org/presentationml/2006/main">
   <p:cSld>
     <p:spTree>
@@ -1146,7 +1232,7 @@
             <a:fld id="{006BE02D-20C0-F840-AFAC-BEA99C74FDC2}" type="slidenum">
               <a:rPr lang="en-US" smtClean="0"/>
               <a:pPr/>
-              <a:t>6</a:t>
+              <a:t>7</a:t>
             </a:fld>
             <a:endParaRPr lang="en-US" dirty="0"/>
           </a:p>
@@ -1156,91 +1242,6 @@
     <p:extLst>
       <p:ext uri="{BB962C8B-B14F-4D97-AF65-F5344CB8AC3E}">
         <p14:creationId xmlns:p14="http://schemas.microsoft.com/office/powerpoint/2010/main" val="70568555"/>
-      </p:ext>
-    </p:extLst>
-  </p:cSld>
-  <p:clrMapOvr>
-    <a:masterClrMapping/>
-  </p:clrMapOvr>
-</p:notes>
-</file>
-
-<file path=ppt/notesSlides/notesSlide7.xml><?xml version="1.0" encoding="utf-8"?>
-<p:notes xmlns:a="http://schemas.openxmlformats.org/drawingml/2006/main" xmlns:r="http://schemas.openxmlformats.org/officeDocument/2006/relationships" xmlns:p="http://schemas.openxmlformats.org/presentationml/2006/main">
-  <p:cSld>
-    <p:spTree>
-      <p:nvGrpSpPr>
-        <p:cNvPr id="1" name=""/>
-        <p:cNvGrpSpPr/>
-        <p:nvPr/>
-      </p:nvGrpSpPr>
-      <p:grpSpPr>
-        <a:xfrm>
-          <a:off x="0" y="0"/>
-          <a:ext cx="0" cy="0"/>
-          <a:chOff x="0" y="0"/>
-          <a:chExt cx="0" cy="0"/>
-        </a:xfrm>
-      </p:grpSpPr>
-      <p:sp>
-        <p:nvSpPr>
-          <p:cNvPr id="2" name="Slide Image Placeholder 1"/>
-          <p:cNvSpPr>
-            <a:spLocks noGrp="1" noRot="1" noChangeAspect="1"/>
-          </p:cNvSpPr>
-          <p:nvPr>
-            <p:ph type="sldImg"/>
-          </p:nvPr>
-        </p:nvSpPr>
-        <p:spPr/>
-      </p:sp>
-      <p:sp>
-        <p:nvSpPr>
-          <p:cNvPr id="3" name="Notes Placeholder 2"/>
-          <p:cNvSpPr>
-            <a:spLocks noGrp="1"/>
-          </p:cNvSpPr>
-          <p:nvPr>
-            <p:ph type="body" idx="1"/>
-          </p:nvPr>
-        </p:nvSpPr>
-        <p:spPr/>
-        <p:txBody>
-          <a:bodyPr/>
-          <a:lstStyle/>
-          <a:p>
-            <a:endParaRPr lang="en-US" dirty="0"/>
-          </a:p>
-        </p:txBody>
-      </p:sp>
-      <p:sp>
-        <p:nvSpPr>
-          <p:cNvPr id="4" name="Slide Number Placeholder 3"/>
-          <p:cNvSpPr>
-            <a:spLocks noGrp="1"/>
-          </p:cNvSpPr>
-          <p:nvPr>
-            <p:ph type="sldNum" sz="quarter" idx="5"/>
-          </p:nvPr>
-        </p:nvSpPr>
-        <p:spPr/>
-        <p:txBody>
-          <a:bodyPr/>
-          <a:lstStyle/>
-          <a:p>
-            <a:fld id="{006BE02D-20C0-F840-AFAC-BEA99C74FDC2}" type="slidenum">
-              <a:rPr lang="en-US" smtClean="0"/>
-              <a:pPr/>
-              <a:t>7</a:t>
-            </a:fld>
-            <a:endParaRPr lang="en-US" dirty="0"/>
-          </a:p>
-        </p:txBody>
-      </p:sp>
-    </p:spTree>
-    <p:extLst>
-      <p:ext uri="{BB962C8B-B14F-4D97-AF65-F5344CB8AC3E}">
-        <p14:creationId xmlns:p14="http://schemas.microsoft.com/office/powerpoint/2010/main" val="2587941398"/>
       </p:ext>
     </p:extLst>
   </p:cSld>
@@ -1317,6 +1318,91 @@
               <a:rPr lang="en-US" smtClean="0"/>
               <a:pPr/>
               <a:t>8</a:t>
+            </a:fld>
+            <a:endParaRPr lang="en-US" dirty="0"/>
+          </a:p>
+        </p:txBody>
+      </p:sp>
+    </p:spTree>
+    <p:extLst>
+      <p:ext uri="{BB962C8B-B14F-4D97-AF65-F5344CB8AC3E}">
+        <p14:creationId xmlns:p14="http://schemas.microsoft.com/office/powerpoint/2010/main" val="2587941398"/>
+      </p:ext>
+    </p:extLst>
+  </p:cSld>
+  <p:clrMapOvr>
+    <a:masterClrMapping/>
+  </p:clrMapOvr>
+</p:notes>
+</file>
+
+<file path=ppt/notesSlides/notesSlide9.xml><?xml version="1.0" encoding="utf-8"?>
+<p:notes xmlns:a="http://schemas.openxmlformats.org/drawingml/2006/main" xmlns:r="http://schemas.openxmlformats.org/officeDocument/2006/relationships" xmlns:p="http://schemas.openxmlformats.org/presentationml/2006/main">
+  <p:cSld>
+    <p:spTree>
+      <p:nvGrpSpPr>
+        <p:cNvPr id="1" name=""/>
+        <p:cNvGrpSpPr/>
+        <p:nvPr/>
+      </p:nvGrpSpPr>
+      <p:grpSpPr>
+        <a:xfrm>
+          <a:off x="0" y="0"/>
+          <a:ext cx="0" cy="0"/>
+          <a:chOff x="0" y="0"/>
+          <a:chExt cx="0" cy="0"/>
+        </a:xfrm>
+      </p:grpSpPr>
+      <p:sp>
+        <p:nvSpPr>
+          <p:cNvPr id="2" name="Slide Image Placeholder 1"/>
+          <p:cNvSpPr>
+            <a:spLocks noGrp="1" noRot="1" noChangeAspect="1"/>
+          </p:cNvSpPr>
+          <p:nvPr>
+            <p:ph type="sldImg"/>
+          </p:nvPr>
+        </p:nvSpPr>
+        <p:spPr/>
+      </p:sp>
+      <p:sp>
+        <p:nvSpPr>
+          <p:cNvPr id="3" name="Notes Placeholder 2"/>
+          <p:cNvSpPr>
+            <a:spLocks noGrp="1"/>
+          </p:cNvSpPr>
+          <p:nvPr>
+            <p:ph type="body" idx="1"/>
+          </p:nvPr>
+        </p:nvSpPr>
+        <p:spPr/>
+        <p:txBody>
+          <a:bodyPr/>
+          <a:lstStyle/>
+          <a:p>
+            <a:endParaRPr lang="en-US" dirty="0"/>
+          </a:p>
+        </p:txBody>
+      </p:sp>
+      <p:sp>
+        <p:nvSpPr>
+          <p:cNvPr id="4" name="Slide Number Placeholder 3"/>
+          <p:cNvSpPr>
+            <a:spLocks noGrp="1"/>
+          </p:cNvSpPr>
+          <p:nvPr>
+            <p:ph type="sldNum" sz="quarter" idx="5"/>
+          </p:nvPr>
+        </p:nvSpPr>
+        <p:spPr/>
+        <p:txBody>
+          <a:bodyPr/>
+          <a:lstStyle/>
+          <a:p>
+            <a:fld id="{006BE02D-20C0-F840-AFAC-BEA99C74FDC2}" type="slidenum">
+              <a:rPr lang="en-US" smtClean="0"/>
+              <a:pPr/>
+              <a:t>9</a:t>
             </a:fld>
             <a:endParaRPr lang="en-US" dirty="0"/>
           </a:p>
@@ -2170,7 +2256,7 @@
         </p:nvSpPr>
         <p:spPr>
           <a:xfrm>
-            <a:off x="4102289" y="8091857"/>
+            <a:off x="4035956" y="8474271"/>
             <a:ext cx="4392549" cy="584775"/>
           </a:xfrm>
           <a:prstGeom prst="rect">
@@ -2225,7 +2311,7 @@
         <p:spPr>
           <a:xfrm>
             <a:off x="2720348" y="6364319"/>
-            <a:ext cx="6940552" cy="1289199"/>
+            <a:ext cx="6940552" cy="1704697"/>
           </a:xfrm>
           <a:prstGeom prst="rect">
             <a:avLst/>
@@ -2249,7 +2335,7 @@
                 <a:ea typeface="Montserrat Light" charset="0"/>
                 <a:cs typeface="Montserrat Light" charset="0"/>
               </a:rPr>
-              <a:t>With the recent explosion in fake and politically motivated news it is of paramount importance that individuals analyze sources.</a:t>
+              <a:t>With the recent explosion in fake and politically motivated news it is of paramount importance that individuals analyze their sources of information.</a:t>
             </a:r>
           </a:p>
         </p:txBody>
@@ -2625,7 +2711,7 @@
           <a:effectLst/>
           <a:extLst>
             <a:ext uri="{C572A759-6A51-4108-AA02-DFA0A04FC94B}">
-              <ma14:wrappingTextBoxFlag xmlns:ma14="http://schemas.microsoft.com/office/mac/drawingml/2011/main" xmlns="" val="1"/>
+              <ma14:wrappingTextBoxFlag xmlns="" xmlns:ma14="http://schemas.microsoft.com/office/mac/drawingml/2011/main" val="1"/>
             </a:ext>
           </a:extLst>
         </p:spPr>
@@ -2683,7 +2769,7 @@
           <a:effectLst/>
           <a:extLst>
             <a:ext uri="{C572A759-6A51-4108-AA02-DFA0A04FC94B}">
-              <ma14:wrappingTextBoxFlag xmlns:ma14="http://schemas.microsoft.com/office/mac/drawingml/2011/main" xmlns="" val="1"/>
+              <ma14:wrappingTextBoxFlag xmlns="" xmlns:ma14="http://schemas.microsoft.com/office/mac/drawingml/2011/main" val="1"/>
             </a:ext>
           </a:extLst>
         </p:spPr>
@@ -2742,7 +2828,7 @@
           <a:effectLst/>
           <a:extLst>
             <a:ext uri="{C572A759-6A51-4108-AA02-DFA0A04FC94B}">
-              <ma14:wrappingTextBoxFlag xmlns:ma14="http://schemas.microsoft.com/office/mac/drawingml/2011/main" xmlns="" val="1"/>
+              <ma14:wrappingTextBoxFlag xmlns="" xmlns:ma14="http://schemas.microsoft.com/office/mac/drawingml/2011/main" val="1"/>
             </a:ext>
           </a:extLst>
         </p:spPr>
@@ -2801,7 +2887,7 @@
           <a:effectLst/>
           <a:extLst>
             <a:ext uri="{C572A759-6A51-4108-AA02-DFA0A04FC94B}">
-              <ma14:wrappingTextBoxFlag xmlns:ma14="http://schemas.microsoft.com/office/mac/drawingml/2011/main" xmlns="" val="1"/>
+              <ma14:wrappingTextBoxFlag xmlns="" xmlns:ma14="http://schemas.microsoft.com/office/mac/drawingml/2011/main" val="1"/>
             </a:ext>
           </a:extLst>
         </p:spPr>
@@ -3414,14 +3500,14 @@
       </p:grpSpPr>
       <p:sp>
         <p:nvSpPr>
-          <p:cNvPr id="5" name="TextBox 4"/>
+          <p:cNvPr id="21" name="TextBox 20"/>
           <p:cNvSpPr txBox="1"/>
           <p:nvPr/>
         </p:nvSpPr>
         <p:spPr>
           <a:xfrm>
-            <a:off x="6827009" y="1847206"/>
-            <a:ext cx="10723631" cy="1107996"/>
+            <a:off x="5520301" y="1390006"/>
+            <a:ext cx="13366160" cy="1107996"/>
           </a:xfrm>
           <a:prstGeom prst="rect">
             <a:avLst/>
@@ -3429,7 +3515,7 @@
           <a:noFill/>
         </p:spPr>
         <p:txBody>
-          <a:bodyPr wrap="square" rtlCol="0">
+          <a:bodyPr wrap="none" rtlCol="0">
             <a:spAutoFit/>
           </a:bodyPr>
           <a:lstStyle/>
@@ -3444,7 +3530,7 @@
                 <a:ea typeface="Montserrat" charset="0"/>
                 <a:cs typeface="Montserrat" charset="0"/>
               </a:rPr>
-              <a:t>BULLETED LIST TEXT</a:t>
+              <a:t>PARAMETER IMPORTANCE</a:t>
             </a:r>
             <a:endParaRPr lang="en-US" sz="9600" spc="600" dirty="0">
               <a:solidFill>
@@ -3459,14 +3545,658 @@
       </p:sp>
       <p:sp>
         <p:nvSpPr>
-          <p:cNvPr id="8" name="TextBox 7"/>
+          <p:cNvPr id="6" name="Freeform 5"/>
+          <p:cNvSpPr/>
+          <p:nvPr/>
+        </p:nvSpPr>
+        <p:spPr>
+          <a:xfrm>
+            <a:off x="16916283" y="4361215"/>
+            <a:ext cx="3466495" cy="2496785"/>
+          </a:xfrm>
+          <a:custGeom>
+            <a:avLst/>
+            <a:gdLst>
+              <a:gd name="connsiteX0" fmla="*/ 0 w 3774188"/>
+              <a:gd name="connsiteY0" fmla="*/ 2718404 h 2718404"/>
+              <a:gd name="connsiteX1" fmla="*/ 1887089 w 3774188"/>
+              <a:gd name="connsiteY1" fmla="*/ 0 h 2718404"/>
+              <a:gd name="connsiteX2" fmla="*/ 1887099 w 3774188"/>
+              <a:gd name="connsiteY2" fmla="*/ 0 h 2718404"/>
+              <a:gd name="connsiteX3" fmla="*/ 3774188 w 3774188"/>
+              <a:gd name="connsiteY3" fmla="*/ 2718404 h 2718404"/>
+              <a:gd name="connsiteX4" fmla="*/ 0 w 3774188"/>
+              <a:gd name="connsiteY4" fmla="*/ 2718404 h 2718404"/>
+            </a:gdLst>
+            <a:ahLst/>
+            <a:cxnLst>
+              <a:cxn ang="0">
+                <a:pos x="connsiteX0" y="connsiteY0"/>
+              </a:cxn>
+              <a:cxn ang="0">
+                <a:pos x="connsiteX1" y="connsiteY1"/>
+              </a:cxn>
+              <a:cxn ang="0">
+                <a:pos x="connsiteX2" y="connsiteY2"/>
+              </a:cxn>
+              <a:cxn ang="0">
+                <a:pos x="connsiteX3" y="connsiteY3"/>
+              </a:cxn>
+              <a:cxn ang="0">
+                <a:pos x="connsiteX4" y="connsiteY4"/>
+              </a:cxn>
+            </a:cxnLst>
+            <a:rect l="l" t="t" r="r" b="b"/>
+            <a:pathLst>
+              <a:path w="3774188" h="2718404">
+                <a:moveTo>
+                  <a:pt x="0" y="2718404"/>
+                </a:moveTo>
+                <a:lnTo>
+                  <a:pt x="1887089" y="0"/>
+                </a:lnTo>
+                <a:lnTo>
+                  <a:pt x="1887099" y="0"/>
+                </a:lnTo>
+                <a:lnTo>
+                  <a:pt x="3774188" y="2718404"/>
+                </a:lnTo>
+                <a:lnTo>
+                  <a:pt x="0" y="2718404"/>
+                </a:lnTo>
+                <a:close/>
+              </a:path>
+            </a:pathLst>
+          </a:custGeom>
+          <a:solidFill>
+            <a:schemeClr val="accent1"/>
+          </a:solidFill>
+          <a:ln w="6350">
+            <a:solidFill>
+              <a:schemeClr val="bg1"/>
+            </a:solidFill>
+          </a:ln>
+        </p:spPr>
+        <p:style>
+          <a:lnRef idx="2">
+            <a:scrgbClr r="0" g="0" b="0"/>
+          </a:lnRef>
+          <a:fillRef idx="1">
+            <a:scrgbClr r="0" g="0" b="0"/>
+          </a:fillRef>
+          <a:effectRef idx="0">
+            <a:schemeClr val="dk2">
+              <a:hueOff val="0"/>
+              <a:satOff val="0"/>
+              <a:lumOff val="0"/>
+              <a:alphaOff val="0"/>
+            </a:schemeClr>
+          </a:effectRef>
+          <a:fontRef idx="minor">
+            <a:schemeClr val="lt1"/>
+          </a:fontRef>
+        </p:style>
+        <p:txBody>
+          <a:bodyPr spcFirstLastPara="0" vert="horz" wrap="square" lIns="15240" tIns="457200" rIns="15240" bIns="91440" numCol="1" spcCol="1270" anchor="b" anchorCtr="0">
+            <a:noAutofit/>
+          </a:bodyPr>
+          <a:lstStyle/>
+          <a:p>
+            <a:pPr lvl="0" algn="ctr" defTabSz="533400">
+              <a:lnSpc>
+                <a:spcPct val="90000"/>
+              </a:lnSpc>
+              <a:spcBef>
+                <a:spcPct val="0"/>
+              </a:spcBef>
+              <a:spcAft>
+                <a:spcPct val="35000"/>
+              </a:spcAft>
+            </a:pPr>
+            <a:endParaRPr lang="en-US" sz="1200" kern="1200" dirty="0">
+              <a:solidFill>
+                <a:srgbClr val="FFFFFF"/>
+              </a:solidFill>
+            </a:endParaRPr>
+          </a:p>
+        </p:txBody>
+      </p:sp>
+      <p:sp>
+        <p:nvSpPr>
+          <p:cNvPr id="7" name="Freeform 6"/>
+          <p:cNvSpPr/>
+          <p:nvPr/>
+        </p:nvSpPr>
+        <p:spPr>
+          <a:xfrm>
+            <a:off x="15818986" y="6858000"/>
+            <a:ext cx="5661092" cy="1580684"/>
+          </a:xfrm>
+          <a:custGeom>
+            <a:avLst/>
+            <a:gdLst>
+              <a:gd name="connsiteX0" fmla="*/ 0 w 6163581"/>
+              <a:gd name="connsiteY0" fmla="*/ 1720988 h 1720988"/>
+              <a:gd name="connsiteX1" fmla="*/ 1194693 w 6163581"/>
+              <a:gd name="connsiteY1" fmla="*/ 0 h 1720988"/>
+              <a:gd name="connsiteX2" fmla="*/ 4968888 w 6163581"/>
+              <a:gd name="connsiteY2" fmla="*/ 0 h 1720988"/>
+              <a:gd name="connsiteX3" fmla="*/ 6163581 w 6163581"/>
+              <a:gd name="connsiteY3" fmla="*/ 1720988 h 1720988"/>
+              <a:gd name="connsiteX4" fmla="*/ 0 w 6163581"/>
+              <a:gd name="connsiteY4" fmla="*/ 1720988 h 1720988"/>
+            </a:gdLst>
+            <a:ahLst/>
+            <a:cxnLst>
+              <a:cxn ang="0">
+                <a:pos x="connsiteX0" y="connsiteY0"/>
+              </a:cxn>
+              <a:cxn ang="0">
+                <a:pos x="connsiteX1" y="connsiteY1"/>
+              </a:cxn>
+              <a:cxn ang="0">
+                <a:pos x="connsiteX2" y="connsiteY2"/>
+              </a:cxn>
+              <a:cxn ang="0">
+                <a:pos x="connsiteX3" y="connsiteY3"/>
+              </a:cxn>
+              <a:cxn ang="0">
+                <a:pos x="connsiteX4" y="connsiteY4"/>
+              </a:cxn>
+            </a:cxnLst>
+            <a:rect l="l" t="t" r="r" b="b"/>
+            <a:pathLst>
+              <a:path w="6163581" h="1720988">
+                <a:moveTo>
+                  <a:pt x="0" y="1720988"/>
+                </a:moveTo>
+                <a:lnTo>
+                  <a:pt x="1194693" y="0"/>
+                </a:lnTo>
+                <a:lnTo>
+                  <a:pt x="4968888" y="0"/>
+                </a:lnTo>
+                <a:lnTo>
+                  <a:pt x="6163581" y="1720988"/>
+                </a:lnTo>
+                <a:lnTo>
+                  <a:pt x="0" y="1720988"/>
+                </a:lnTo>
+                <a:close/>
+              </a:path>
+            </a:pathLst>
+          </a:custGeom>
+          <a:solidFill>
+            <a:schemeClr val="accent2"/>
+          </a:solidFill>
+          <a:ln w="6350">
+            <a:solidFill>
+              <a:schemeClr val="bg1"/>
+            </a:solidFill>
+          </a:ln>
+        </p:spPr>
+        <p:style>
+          <a:lnRef idx="2">
+            <a:scrgbClr r="0" g="0" b="0"/>
+          </a:lnRef>
+          <a:fillRef idx="1">
+            <a:scrgbClr r="0" g="0" b="0"/>
+          </a:fillRef>
+          <a:effectRef idx="0">
+            <a:schemeClr val="dk2">
+              <a:hueOff val="0"/>
+              <a:satOff val="0"/>
+              <a:lumOff val="0"/>
+              <a:alphaOff val="0"/>
+            </a:schemeClr>
+          </a:effectRef>
+          <a:fontRef idx="minor">
+            <a:schemeClr val="lt1"/>
+          </a:fontRef>
+        </p:style>
+        <p:txBody>
+          <a:bodyPr spcFirstLastPara="0" vert="horz" wrap="square" lIns="1093867" tIns="15240" rIns="1093867" bIns="91440" numCol="1" spcCol="1270" anchor="b" anchorCtr="0">
+            <a:noAutofit/>
+          </a:bodyPr>
+          <a:lstStyle/>
+          <a:p>
+            <a:pPr lvl="0" algn="ctr" defTabSz="533400">
+              <a:lnSpc>
+                <a:spcPct val="90000"/>
+              </a:lnSpc>
+              <a:spcBef>
+                <a:spcPct val="0"/>
+              </a:spcBef>
+              <a:spcAft>
+                <a:spcPct val="35000"/>
+              </a:spcAft>
+            </a:pPr>
+            <a:endParaRPr lang="en-US" sz="1200" kern="1200" dirty="0">
+              <a:solidFill>
+                <a:srgbClr val="FFFFFF"/>
+              </a:solidFill>
+            </a:endParaRPr>
+          </a:p>
+        </p:txBody>
+      </p:sp>
+      <p:sp>
+        <p:nvSpPr>
+          <p:cNvPr id="8" name="Freeform 7"/>
+          <p:cNvSpPr/>
+          <p:nvPr/>
+        </p:nvSpPr>
+        <p:spPr>
+          <a:xfrm>
+            <a:off x="14721688" y="8438684"/>
+            <a:ext cx="7855687" cy="1580684"/>
+          </a:xfrm>
+          <a:custGeom>
+            <a:avLst/>
+            <a:gdLst>
+              <a:gd name="connsiteX0" fmla="*/ 0 w 8552973"/>
+              <a:gd name="connsiteY0" fmla="*/ 1720988 h 1720988"/>
+              <a:gd name="connsiteX1" fmla="*/ 1194693 w 8552973"/>
+              <a:gd name="connsiteY1" fmla="*/ 0 h 1720988"/>
+              <a:gd name="connsiteX2" fmla="*/ 7358280 w 8552973"/>
+              <a:gd name="connsiteY2" fmla="*/ 0 h 1720988"/>
+              <a:gd name="connsiteX3" fmla="*/ 8552973 w 8552973"/>
+              <a:gd name="connsiteY3" fmla="*/ 1720988 h 1720988"/>
+              <a:gd name="connsiteX4" fmla="*/ 0 w 8552973"/>
+              <a:gd name="connsiteY4" fmla="*/ 1720988 h 1720988"/>
+            </a:gdLst>
+            <a:ahLst/>
+            <a:cxnLst>
+              <a:cxn ang="0">
+                <a:pos x="connsiteX0" y="connsiteY0"/>
+              </a:cxn>
+              <a:cxn ang="0">
+                <a:pos x="connsiteX1" y="connsiteY1"/>
+              </a:cxn>
+              <a:cxn ang="0">
+                <a:pos x="connsiteX2" y="connsiteY2"/>
+              </a:cxn>
+              <a:cxn ang="0">
+                <a:pos x="connsiteX3" y="connsiteY3"/>
+              </a:cxn>
+              <a:cxn ang="0">
+                <a:pos x="connsiteX4" y="connsiteY4"/>
+              </a:cxn>
+            </a:cxnLst>
+            <a:rect l="l" t="t" r="r" b="b"/>
+            <a:pathLst>
+              <a:path w="8552973" h="1720988">
+                <a:moveTo>
+                  <a:pt x="0" y="1720988"/>
+                </a:moveTo>
+                <a:lnTo>
+                  <a:pt x="1194693" y="0"/>
+                </a:lnTo>
+                <a:lnTo>
+                  <a:pt x="7358280" y="0"/>
+                </a:lnTo>
+                <a:lnTo>
+                  <a:pt x="8552973" y="1720988"/>
+                </a:lnTo>
+                <a:lnTo>
+                  <a:pt x="0" y="1720988"/>
+                </a:lnTo>
+                <a:close/>
+              </a:path>
+            </a:pathLst>
+          </a:custGeom>
+          <a:solidFill>
+            <a:schemeClr val="accent3"/>
+          </a:solidFill>
+          <a:ln w="6350">
+            <a:solidFill>
+              <a:schemeClr val="bg1"/>
+            </a:solidFill>
+          </a:ln>
+        </p:spPr>
+        <p:style>
+          <a:lnRef idx="2">
+            <a:scrgbClr r="0" g="0" b="0"/>
+          </a:lnRef>
+          <a:fillRef idx="1">
+            <a:scrgbClr r="0" g="0" b="0"/>
+          </a:fillRef>
+          <a:effectRef idx="0">
+            <a:schemeClr val="dk2">
+              <a:hueOff val="0"/>
+              <a:satOff val="0"/>
+              <a:lumOff val="0"/>
+              <a:alphaOff val="0"/>
+            </a:schemeClr>
+          </a:effectRef>
+          <a:fontRef idx="minor">
+            <a:schemeClr val="lt1"/>
+          </a:fontRef>
+        </p:style>
+        <p:txBody>
+          <a:bodyPr spcFirstLastPara="0" vert="horz" wrap="square" lIns="1512010" tIns="15240" rIns="1512011" bIns="91440" numCol="1" spcCol="1270" anchor="b" anchorCtr="0">
+            <a:noAutofit/>
+          </a:bodyPr>
+          <a:lstStyle/>
+          <a:p>
+            <a:pPr lvl="0" algn="ctr" defTabSz="533400">
+              <a:lnSpc>
+                <a:spcPct val="90000"/>
+              </a:lnSpc>
+              <a:spcBef>
+                <a:spcPct val="0"/>
+              </a:spcBef>
+              <a:spcAft>
+                <a:spcPct val="35000"/>
+              </a:spcAft>
+            </a:pPr>
+            <a:endParaRPr lang="en-US" sz="1200" kern="1200" dirty="0">
+              <a:solidFill>
+                <a:srgbClr val="FFFFFF"/>
+              </a:solidFill>
+            </a:endParaRPr>
+          </a:p>
+        </p:txBody>
+      </p:sp>
+      <p:sp>
+        <p:nvSpPr>
+          <p:cNvPr id="12" name="Freeform 11"/>
+          <p:cNvSpPr/>
+          <p:nvPr/>
+        </p:nvSpPr>
+        <p:spPr>
+          <a:xfrm>
+            <a:off x="13624390" y="10019368"/>
+            <a:ext cx="10050284" cy="1580684"/>
+          </a:xfrm>
+          <a:custGeom>
+            <a:avLst/>
+            <a:gdLst>
+              <a:gd name="connsiteX0" fmla="*/ 0 w 10942366"/>
+              <a:gd name="connsiteY0" fmla="*/ 1720988 h 1720988"/>
+              <a:gd name="connsiteX1" fmla="*/ 1194693 w 10942366"/>
+              <a:gd name="connsiteY1" fmla="*/ 0 h 1720988"/>
+              <a:gd name="connsiteX2" fmla="*/ 9747673 w 10942366"/>
+              <a:gd name="connsiteY2" fmla="*/ 0 h 1720988"/>
+              <a:gd name="connsiteX3" fmla="*/ 10942366 w 10942366"/>
+              <a:gd name="connsiteY3" fmla="*/ 1720988 h 1720988"/>
+              <a:gd name="connsiteX4" fmla="*/ 0 w 10942366"/>
+              <a:gd name="connsiteY4" fmla="*/ 1720988 h 1720988"/>
+            </a:gdLst>
+            <a:ahLst/>
+            <a:cxnLst>
+              <a:cxn ang="0">
+                <a:pos x="connsiteX0" y="connsiteY0"/>
+              </a:cxn>
+              <a:cxn ang="0">
+                <a:pos x="connsiteX1" y="connsiteY1"/>
+              </a:cxn>
+              <a:cxn ang="0">
+                <a:pos x="connsiteX2" y="connsiteY2"/>
+              </a:cxn>
+              <a:cxn ang="0">
+                <a:pos x="connsiteX3" y="connsiteY3"/>
+              </a:cxn>
+              <a:cxn ang="0">
+                <a:pos x="connsiteX4" y="connsiteY4"/>
+              </a:cxn>
+            </a:cxnLst>
+            <a:rect l="l" t="t" r="r" b="b"/>
+            <a:pathLst>
+              <a:path w="10942366" h="1720988">
+                <a:moveTo>
+                  <a:pt x="0" y="1720988"/>
+                </a:moveTo>
+                <a:lnTo>
+                  <a:pt x="1194693" y="0"/>
+                </a:lnTo>
+                <a:lnTo>
+                  <a:pt x="9747673" y="0"/>
+                </a:lnTo>
+                <a:lnTo>
+                  <a:pt x="10942366" y="1720988"/>
+                </a:lnTo>
+                <a:lnTo>
+                  <a:pt x="0" y="1720988"/>
+                </a:lnTo>
+                <a:close/>
+              </a:path>
+            </a:pathLst>
+          </a:custGeom>
+          <a:solidFill>
+            <a:schemeClr val="accent4"/>
+          </a:solidFill>
+          <a:ln w="6350">
+            <a:solidFill>
+              <a:schemeClr val="bg1"/>
+            </a:solidFill>
+          </a:ln>
+        </p:spPr>
+        <p:style>
+          <a:lnRef idx="2">
+            <a:scrgbClr r="0" g="0" b="0"/>
+          </a:lnRef>
+          <a:fillRef idx="1">
+            <a:scrgbClr r="0" g="0" b="0"/>
+          </a:fillRef>
+          <a:effectRef idx="0">
+            <a:schemeClr val="dk2">
+              <a:hueOff val="0"/>
+              <a:satOff val="0"/>
+              <a:lumOff val="0"/>
+              <a:alphaOff val="0"/>
+            </a:schemeClr>
+          </a:effectRef>
+          <a:fontRef idx="minor">
+            <a:schemeClr val="lt1"/>
+          </a:fontRef>
+        </p:style>
+        <p:txBody>
+          <a:bodyPr spcFirstLastPara="0" vert="horz" wrap="square" lIns="1930154" tIns="15240" rIns="1930155" bIns="91440" numCol="1" spcCol="1270" anchor="b" anchorCtr="0">
+            <a:noAutofit/>
+          </a:bodyPr>
+          <a:lstStyle/>
+          <a:p>
+            <a:pPr lvl="0" algn="ctr" defTabSz="533400">
+              <a:lnSpc>
+                <a:spcPct val="90000"/>
+              </a:lnSpc>
+              <a:spcBef>
+                <a:spcPct val="0"/>
+              </a:spcBef>
+              <a:spcAft>
+                <a:spcPct val="35000"/>
+              </a:spcAft>
+            </a:pPr>
+            <a:endParaRPr lang="en-US" sz="1200" kern="1200" dirty="0">
+              <a:solidFill>
+                <a:srgbClr val="FFFFFF"/>
+              </a:solidFill>
+            </a:endParaRPr>
+          </a:p>
+        </p:txBody>
+      </p:sp>
+      <p:sp>
+        <p:nvSpPr>
+          <p:cNvPr id="57" name="TextBox 56"/>
           <p:cNvSpPr txBox="1"/>
           <p:nvPr/>
         </p:nvSpPr>
         <p:spPr>
           <a:xfrm>
-            <a:off x="9054877" y="1387068"/>
-            <a:ext cx="6267894" cy="338554"/>
+            <a:off x="17119303" y="5569703"/>
+            <a:ext cx="3060453" cy="584775"/>
+          </a:xfrm>
+          <a:prstGeom prst="rect">
+            <a:avLst/>
+          </a:prstGeom>
+          <a:solidFill>
+            <a:schemeClr val="tx2"/>
+          </a:solidFill>
+        </p:spPr>
+        <p:txBody>
+          <a:bodyPr wrap="none" rtlCol="0">
+            <a:spAutoFit/>
+          </a:bodyPr>
+          <a:lstStyle/>
+          <a:p>
+            <a:pPr algn="ctr"/>
+            <a:r>
+              <a:rPr lang="en-US" sz="3200" spc="600" dirty="0">
+                <a:solidFill>
+                  <a:schemeClr val="bg1"/>
+                </a:solidFill>
+                <a:latin typeface="Montserrat" charset="0"/>
+                <a:ea typeface="Montserrat" charset="0"/>
+                <a:cs typeface="Montserrat" charset="0"/>
+              </a:rPr>
+              <a:t>Sentiment</a:t>
+            </a:r>
+          </a:p>
+        </p:txBody>
+      </p:sp>
+      <p:sp>
+        <p:nvSpPr>
+          <p:cNvPr id="58" name="TextBox 57"/>
+          <p:cNvSpPr txBox="1"/>
+          <p:nvPr/>
+        </p:nvSpPr>
+        <p:spPr>
+          <a:xfrm>
+            <a:off x="16955795" y="7269134"/>
+            <a:ext cx="3387467" cy="584775"/>
+          </a:xfrm>
+          <a:prstGeom prst="rect">
+            <a:avLst/>
+          </a:prstGeom>
+          <a:noFill/>
+        </p:spPr>
+        <p:txBody>
+          <a:bodyPr wrap="none" rtlCol="0">
+            <a:spAutoFit/>
+          </a:bodyPr>
+          <a:lstStyle/>
+          <a:p>
+            <a:pPr algn="ctr"/>
+            <a:r>
+              <a:rPr lang="en-US" sz="3200" spc="600" dirty="0">
+                <a:solidFill>
+                  <a:schemeClr val="bg1"/>
+                </a:solidFill>
+                <a:latin typeface="Montserrat" charset="0"/>
+                <a:ea typeface="Montserrat" charset="0"/>
+                <a:cs typeface="Montserrat" charset="0"/>
+              </a:rPr>
+              <a:t>Publication</a:t>
+            </a:r>
+          </a:p>
+        </p:txBody>
+      </p:sp>
+      <p:sp>
+        <p:nvSpPr>
+          <p:cNvPr id="59" name="TextBox 58"/>
+          <p:cNvSpPr txBox="1"/>
+          <p:nvPr/>
+        </p:nvSpPr>
+        <p:spPr>
+          <a:xfrm>
+            <a:off x="15691003" y="8818054"/>
+            <a:ext cx="5654113" cy="584775"/>
+          </a:xfrm>
+          <a:prstGeom prst="rect">
+            <a:avLst/>
+          </a:prstGeom>
+          <a:noFill/>
+        </p:spPr>
+        <p:txBody>
+          <a:bodyPr wrap="none" rtlCol="0">
+            <a:spAutoFit/>
+          </a:bodyPr>
+          <a:lstStyle/>
+          <a:p>
+            <a:pPr algn="ctr"/>
+            <a:r>
+              <a:rPr lang="en-US" sz="3200" spc="600" dirty="0">
+                <a:solidFill>
+                  <a:schemeClr val="bg1"/>
+                </a:solidFill>
+                <a:latin typeface="Montserrat" charset="0"/>
+                <a:ea typeface="Montserrat" charset="0"/>
+                <a:cs typeface="Montserrat" charset="0"/>
+              </a:rPr>
+              <a:t>Emotion Magnitude</a:t>
+            </a:r>
+            <a:endParaRPr lang="en-US" sz="4800" spc="600" dirty="0">
+              <a:solidFill>
+                <a:schemeClr val="bg1"/>
+              </a:solidFill>
+              <a:latin typeface="Montserrat" charset="0"/>
+              <a:ea typeface="Montserrat" charset="0"/>
+              <a:cs typeface="Montserrat" charset="0"/>
+            </a:endParaRPr>
+          </a:p>
+        </p:txBody>
+      </p:sp>
+      <p:sp>
+        <p:nvSpPr>
+          <p:cNvPr id="60" name="TextBox 59"/>
+          <p:cNvSpPr txBox="1"/>
+          <p:nvPr/>
+        </p:nvSpPr>
+        <p:spPr>
+          <a:xfrm>
+            <a:off x="15973933" y="10398738"/>
+            <a:ext cx="5088252" cy="584775"/>
+          </a:xfrm>
+          <a:prstGeom prst="rect">
+            <a:avLst/>
+          </a:prstGeom>
+          <a:noFill/>
+        </p:spPr>
+        <p:txBody>
+          <a:bodyPr wrap="none" rtlCol="0">
+            <a:spAutoFit/>
+          </a:bodyPr>
+          <a:lstStyle/>
+          <a:p>
+            <a:pPr algn="ctr"/>
+            <a:r>
+              <a:rPr lang="en-US" sz="3200" spc="600" dirty="0">
+                <a:solidFill>
+                  <a:schemeClr val="bg1"/>
+                </a:solidFill>
+                <a:latin typeface="Montserrat" charset="0"/>
+                <a:ea typeface="Montserrat" charset="0"/>
+                <a:cs typeface="Montserrat" charset="0"/>
+              </a:rPr>
+              <a:t>Keyword N-grams</a:t>
+            </a:r>
+            <a:endParaRPr lang="en-US" sz="4800" spc="600" dirty="0">
+              <a:solidFill>
+                <a:schemeClr val="bg1"/>
+              </a:solidFill>
+              <a:latin typeface="Montserrat" charset="0"/>
+              <a:ea typeface="Montserrat" charset="0"/>
+              <a:cs typeface="Montserrat" charset="0"/>
+            </a:endParaRPr>
+          </a:p>
+        </p:txBody>
+      </p:sp>
+      <p:sp>
+        <p:nvSpPr>
+          <p:cNvPr id="46" name="TextBox 45">
+            <a:extLst>
+              <a:ext uri="{FF2B5EF4-FFF2-40B4-BE49-F238E27FC236}">
+                <a16:creationId xmlns:a16="http://schemas.microsoft.com/office/drawing/2014/main" id="{CC6E6892-BA8C-4CCE-90FE-1F90EC1A269D}"/>
+              </a:ext>
+            </a:extLst>
+          </p:cNvPr>
+          <p:cNvSpPr txBox="1"/>
+          <p:nvPr/>
+        </p:nvSpPr>
+        <p:spPr>
+          <a:xfrm>
+            <a:off x="1211504" y="4455388"/>
+            <a:ext cx="13744016" cy="6154249"/>
           </a:xfrm>
           <a:prstGeom prst="rect">
             <a:avLst/>
@@ -3479,9 +4209,13 @@
           </a:bodyPr>
           <a:lstStyle/>
           <a:p>
-            <a:pPr algn="ctr"/>
+            <a:pPr algn="ctr">
+              <a:lnSpc>
+                <a:spcPct val="200000"/>
+              </a:lnSpc>
+            </a:pPr>
             <a:r>
-              <a:rPr lang="en-US" sz="1600" spc="1200" dirty="0">
+              <a:rPr lang="en-US" sz="2000" b="1" spc="300" dirty="0">
                 <a:solidFill>
                   <a:schemeClr val="tx2"/>
                 </a:solidFill>
@@ -3489,822 +4223,228 @@
                 <a:ea typeface="Montserrat" charset="0"/>
                 <a:cs typeface="Montserrat" charset="0"/>
               </a:rPr>
-              <a:t>YOU CAN WRITE HERE</a:t>
+              <a:t>TOOLS USED:</a:t>
             </a:r>
           </a:p>
-        </p:txBody>
-      </p:sp>
-      <p:grpSp>
-        <p:nvGrpSpPr>
-          <p:cNvPr id="2" name="Group 1"/>
-          <p:cNvGrpSpPr/>
-          <p:nvPr/>
-        </p:nvGrpSpPr>
-        <p:grpSpPr>
-          <a:xfrm>
-            <a:off x="3695892" y="4309397"/>
-            <a:ext cx="17072722" cy="1747923"/>
-            <a:chOff x="3276792" y="4309397"/>
-            <a:chExt cx="17072722" cy="1747923"/>
-          </a:xfrm>
-        </p:grpSpPr>
-        <p:sp>
-          <p:nvSpPr>
-            <p:cNvPr id="9" name="TextBox 8"/>
-            <p:cNvSpPr txBox="1"/>
-            <p:nvPr/>
-          </p:nvSpPr>
-          <p:spPr>
-            <a:xfrm>
-              <a:off x="4103022" y="5041657"/>
-              <a:ext cx="16246492" cy="1015663"/>
-            </a:xfrm>
-            <a:prstGeom prst="rect">
-              <a:avLst/>
-            </a:prstGeom>
-            <a:noFill/>
-          </p:spPr>
-          <p:txBody>
-            <a:bodyPr wrap="square" rtlCol="0">
-              <a:spAutoFit/>
-            </a:bodyPr>
-            <a:lstStyle/>
-            <a:p>
-              <a:pPr algn="just">
-                <a:lnSpc>
-                  <a:spcPct val="150000"/>
-                </a:lnSpc>
-              </a:pPr>
-              <a:r>
-                <a:rPr lang="en-US" sz="2000" dirty="0">
-                  <a:latin typeface="Montserrat Light" charset="0"/>
-                  <a:ea typeface="Montserrat Light" charset="0"/>
-                  <a:cs typeface="Montserrat Light" charset="0"/>
-                </a:rPr>
-                <a:t>A company is an association or collection of individuals, whether natural persons, legal persons, or a mixture of both. Company members share a common purpose and unite in order to focus their various talents and organize their collectively available skills</a:t>
-              </a:r>
-            </a:p>
-          </p:txBody>
-        </p:sp>
-        <p:sp>
-          <p:nvSpPr>
-            <p:cNvPr id="6" name="TextBox 5"/>
-            <p:cNvSpPr txBox="1"/>
-            <p:nvPr/>
-          </p:nvSpPr>
-          <p:spPr>
-            <a:xfrm>
-              <a:off x="4103022" y="4309397"/>
-              <a:ext cx="5000087" cy="584775"/>
-            </a:xfrm>
-            <a:prstGeom prst="rect">
-              <a:avLst/>
-            </a:prstGeom>
-            <a:noFill/>
-          </p:spPr>
-          <p:txBody>
-            <a:bodyPr wrap="none" rtlCol="0">
-              <a:spAutoFit/>
-            </a:bodyPr>
-            <a:lstStyle/>
-            <a:p>
-              <a:r>
-                <a:rPr lang="en-US" sz="3200" spc="600" dirty="0">
-                  <a:solidFill>
-                    <a:schemeClr val="tx2"/>
-                  </a:solidFill>
-                  <a:latin typeface="Montserrat" charset="0"/>
-                  <a:ea typeface="Montserrat" charset="0"/>
-                  <a:cs typeface="Montserrat" charset="0"/>
-                </a:rPr>
-                <a:t>YOUR TITLE HERE</a:t>
-              </a:r>
-              <a:endParaRPr lang="en-US" sz="4800" spc="600" dirty="0">
+          <a:p>
+            <a:pPr marL="285750" indent="-285750">
+              <a:lnSpc>
+                <a:spcPct val="200000"/>
+              </a:lnSpc>
+              <a:buFontTx/>
+              <a:buChar char="-"/>
+            </a:pPr>
+            <a:r>
+              <a:rPr lang="en-US" sz="2000" b="1" spc="300" dirty="0" err="1">
                 <a:solidFill>
                   <a:schemeClr val="tx2"/>
                 </a:solidFill>
                 <a:latin typeface="Montserrat" charset="0"/>
                 <a:ea typeface="Montserrat" charset="0"/>
                 <a:cs typeface="Montserrat" charset="0"/>
-              </a:endParaRPr>
-            </a:p>
-          </p:txBody>
-        </p:sp>
-        <p:sp>
-          <p:nvSpPr>
-            <p:cNvPr id="7" name="Shape 2906"/>
-            <p:cNvSpPr/>
-            <p:nvPr/>
-          </p:nvSpPr>
-          <p:spPr>
-            <a:xfrm>
-              <a:off x="3276792" y="4322456"/>
-              <a:ext cx="558655" cy="558655"/>
-            </a:xfrm>
-            <a:custGeom>
-              <a:avLst/>
-              <a:gdLst/>
-              <a:ahLst/>
-              <a:cxnLst>
-                <a:cxn ang="0">
-                  <a:pos x="wd2" y="hd2"/>
-                </a:cxn>
-                <a:cxn ang="5400000">
-                  <a:pos x="wd2" y="hd2"/>
-                </a:cxn>
-                <a:cxn ang="10800000">
-                  <a:pos x="wd2" y="hd2"/>
-                </a:cxn>
-                <a:cxn ang="16200000">
-                  <a:pos x="wd2" y="hd2"/>
-                </a:cxn>
-              </a:cxnLst>
-              <a:rect l="0" t="0" r="r" b="b"/>
-              <a:pathLst>
-                <a:path w="21600" h="21600" extrusionOk="0">
-                  <a:moveTo>
-                    <a:pt x="10800" y="20618"/>
-                  </a:moveTo>
-                  <a:cubicBezTo>
-                    <a:pt x="5377" y="20618"/>
-                    <a:pt x="982" y="16223"/>
-                    <a:pt x="982" y="10800"/>
-                  </a:cubicBezTo>
-                  <a:cubicBezTo>
-                    <a:pt x="982" y="5378"/>
-                    <a:pt x="5377" y="982"/>
-                    <a:pt x="10800" y="982"/>
-                  </a:cubicBezTo>
-                  <a:cubicBezTo>
-                    <a:pt x="16223" y="982"/>
-                    <a:pt x="20618" y="5378"/>
-                    <a:pt x="20618" y="10800"/>
-                  </a:cubicBezTo>
-                  <a:cubicBezTo>
-                    <a:pt x="20618" y="16223"/>
-                    <a:pt x="16223" y="20618"/>
-                    <a:pt x="10800" y="20618"/>
-                  </a:cubicBezTo>
-                  <a:moveTo>
-                    <a:pt x="10800" y="0"/>
-                  </a:moveTo>
-                  <a:cubicBezTo>
-                    <a:pt x="4836" y="0"/>
-                    <a:pt x="0" y="4835"/>
-                    <a:pt x="0" y="10800"/>
-                  </a:cubicBezTo>
-                  <a:cubicBezTo>
-                    <a:pt x="0" y="16765"/>
-                    <a:pt x="4836" y="21600"/>
-                    <a:pt x="10800" y="21600"/>
-                  </a:cubicBezTo>
-                  <a:cubicBezTo>
-                    <a:pt x="16764" y="21600"/>
-                    <a:pt x="21600" y="16765"/>
-                    <a:pt x="21600" y="10800"/>
-                  </a:cubicBezTo>
-                  <a:cubicBezTo>
-                    <a:pt x="21600" y="4835"/>
-                    <a:pt x="16764" y="0"/>
-                    <a:pt x="10800" y="0"/>
-                  </a:cubicBezTo>
-                  <a:moveTo>
-                    <a:pt x="9674" y="5053"/>
-                  </a:moveTo>
-                  <a:cubicBezTo>
-                    <a:pt x="9585" y="4964"/>
-                    <a:pt x="9463" y="4909"/>
-                    <a:pt x="9327" y="4909"/>
-                  </a:cubicBezTo>
-                  <a:cubicBezTo>
-                    <a:pt x="9056" y="4909"/>
-                    <a:pt x="8836" y="5129"/>
-                    <a:pt x="8836" y="5400"/>
-                  </a:cubicBezTo>
-                  <a:cubicBezTo>
-                    <a:pt x="8836" y="5536"/>
-                    <a:pt x="8891" y="5658"/>
-                    <a:pt x="8980" y="5747"/>
-                  </a:cubicBezTo>
-                  <a:lnTo>
-                    <a:pt x="13574" y="10800"/>
-                  </a:lnTo>
-                  <a:lnTo>
-                    <a:pt x="8980" y="15853"/>
-                  </a:lnTo>
-                  <a:cubicBezTo>
-                    <a:pt x="8891" y="15942"/>
-                    <a:pt x="8836" y="16065"/>
-                    <a:pt x="8836" y="16200"/>
-                  </a:cubicBezTo>
-                  <a:cubicBezTo>
-                    <a:pt x="8836" y="16471"/>
-                    <a:pt x="9056" y="16691"/>
-                    <a:pt x="9327" y="16691"/>
-                  </a:cubicBezTo>
-                  <a:cubicBezTo>
-                    <a:pt x="9463" y="16691"/>
-                    <a:pt x="9585" y="16636"/>
-                    <a:pt x="9674" y="16547"/>
-                  </a:cubicBezTo>
-                  <a:lnTo>
-                    <a:pt x="14583" y="11147"/>
-                  </a:lnTo>
-                  <a:cubicBezTo>
-                    <a:pt x="14672" y="11058"/>
-                    <a:pt x="14727" y="10936"/>
-                    <a:pt x="14727" y="10800"/>
-                  </a:cubicBezTo>
-                  <a:cubicBezTo>
-                    <a:pt x="14727" y="10665"/>
-                    <a:pt x="14672" y="10542"/>
-                    <a:pt x="14583" y="10453"/>
-                  </a:cubicBezTo>
-                  <a:cubicBezTo>
-                    <a:pt x="14583" y="10453"/>
-                    <a:pt x="9674" y="5053"/>
-                    <a:pt x="9674" y="5053"/>
-                  </a:cubicBezTo>
-                  <a:close/>
-                </a:path>
-              </a:pathLst>
-            </a:custGeom>
-            <a:solidFill>
-              <a:schemeClr val="tx2"/>
-            </a:solidFill>
-            <a:ln w="12700">
-              <a:miter lim="400000"/>
-            </a:ln>
-          </p:spPr>
-          <p:txBody>
-            <a:bodyPr lIns="38090" tIns="38090" rIns="38090" bIns="38090" anchor="ctr"/>
-            <a:lstStyle/>
-            <a:p>
-              <a:pPr defTabSz="457063">
-                <a:defRPr sz="3000" cap="none">
-                  <a:solidFill>
-                    <a:srgbClr val="FFFFFF"/>
-                  </a:solidFill>
-                  <a:effectLst>
-                    <a:outerShdw blurRad="38100" dist="12700" dir="5400000" rotWithShape="0">
-                      <a:srgbClr val="000000">
-                        <a:alpha val="50000"/>
-                      </a:srgbClr>
-                    </a:outerShdw>
-                  </a:effectLst>
-                  <a:latin typeface="Gill Sans"/>
-                  <a:ea typeface="Gill Sans"/>
-                  <a:cs typeface="Gill Sans"/>
-                  <a:sym typeface="Gill Sans"/>
-                </a:defRPr>
-              </a:pPr>
-              <a:endParaRPr sz="2999"/>
-            </a:p>
-          </p:txBody>
-        </p:sp>
-      </p:grpSp>
-      <p:grpSp>
-        <p:nvGrpSpPr>
-          <p:cNvPr id="10" name="Group 9"/>
-          <p:cNvGrpSpPr/>
-          <p:nvPr/>
-        </p:nvGrpSpPr>
-        <p:grpSpPr>
-          <a:xfrm>
-            <a:off x="3695892" y="6858000"/>
-            <a:ext cx="17072722" cy="1747923"/>
-            <a:chOff x="3276792" y="4309397"/>
-            <a:chExt cx="17072722" cy="1747923"/>
-          </a:xfrm>
-        </p:grpSpPr>
-        <p:sp>
-          <p:nvSpPr>
-            <p:cNvPr id="11" name="TextBox 10"/>
-            <p:cNvSpPr txBox="1"/>
-            <p:nvPr/>
-          </p:nvSpPr>
-          <p:spPr>
-            <a:xfrm>
-              <a:off x="4103022" y="5041657"/>
-              <a:ext cx="16246492" cy="1015663"/>
-            </a:xfrm>
-            <a:prstGeom prst="rect">
-              <a:avLst/>
-            </a:prstGeom>
-            <a:noFill/>
-          </p:spPr>
-          <p:txBody>
-            <a:bodyPr wrap="square" rtlCol="0">
-              <a:spAutoFit/>
-            </a:bodyPr>
-            <a:lstStyle/>
-            <a:p>
-              <a:pPr algn="just">
-                <a:lnSpc>
-                  <a:spcPct val="150000"/>
-                </a:lnSpc>
-              </a:pPr>
-              <a:r>
-                <a:rPr lang="en-US" sz="2000" dirty="0">
-                  <a:latin typeface="Montserrat Light" charset="0"/>
-                  <a:ea typeface="Montserrat Light" charset="0"/>
-                  <a:cs typeface="Montserrat Light" charset="0"/>
-                </a:rPr>
-                <a:t>A company is an association or collection of individuals, whether natural persons, legal persons, or a mixture of both. Company members share a common purpose and unite in order to focus their various talents and organize their collectively available skills</a:t>
-              </a:r>
-            </a:p>
-          </p:txBody>
-        </p:sp>
-        <p:sp>
-          <p:nvSpPr>
-            <p:cNvPr id="12" name="TextBox 11"/>
-            <p:cNvSpPr txBox="1"/>
-            <p:nvPr/>
-          </p:nvSpPr>
-          <p:spPr>
-            <a:xfrm>
-              <a:off x="4103022" y="4309397"/>
-              <a:ext cx="5000087" cy="584775"/>
-            </a:xfrm>
-            <a:prstGeom prst="rect">
-              <a:avLst/>
-            </a:prstGeom>
-            <a:noFill/>
-          </p:spPr>
-          <p:txBody>
-            <a:bodyPr wrap="none" rtlCol="0">
-              <a:spAutoFit/>
-            </a:bodyPr>
-            <a:lstStyle/>
-            <a:p>
-              <a:r>
-                <a:rPr lang="en-US" sz="3200" spc="600" dirty="0">
-                  <a:solidFill>
-                    <a:schemeClr val="tx2"/>
-                  </a:solidFill>
-                  <a:latin typeface="Montserrat" charset="0"/>
-                  <a:ea typeface="Montserrat" charset="0"/>
-                  <a:cs typeface="Montserrat" charset="0"/>
-                </a:rPr>
-                <a:t>YOUR TITLE HERE</a:t>
-              </a:r>
-              <a:endParaRPr lang="en-US" sz="4800" spc="600" dirty="0">
+              </a:rPr>
+              <a:t>Jupyter</a:t>
+            </a:r>
+            <a:r>
+              <a:rPr lang="en-US" sz="2000" b="1" spc="300" dirty="0">
                 <a:solidFill>
                   <a:schemeClr val="tx2"/>
                 </a:solidFill>
                 <a:latin typeface="Montserrat" charset="0"/>
                 <a:ea typeface="Montserrat" charset="0"/>
                 <a:cs typeface="Montserrat" charset="0"/>
-              </a:endParaRPr>
-            </a:p>
-          </p:txBody>
-        </p:sp>
-        <p:sp>
-          <p:nvSpPr>
-            <p:cNvPr id="13" name="Shape 2906"/>
-            <p:cNvSpPr/>
-            <p:nvPr/>
-          </p:nvSpPr>
-          <p:spPr>
-            <a:xfrm>
-              <a:off x="3276792" y="4322456"/>
-              <a:ext cx="558655" cy="558655"/>
-            </a:xfrm>
-            <a:custGeom>
-              <a:avLst/>
-              <a:gdLst/>
-              <a:ahLst/>
-              <a:cxnLst>
-                <a:cxn ang="0">
-                  <a:pos x="wd2" y="hd2"/>
-                </a:cxn>
-                <a:cxn ang="5400000">
-                  <a:pos x="wd2" y="hd2"/>
-                </a:cxn>
-                <a:cxn ang="10800000">
-                  <a:pos x="wd2" y="hd2"/>
-                </a:cxn>
-                <a:cxn ang="16200000">
-                  <a:pos x="wd2" y="hd2"/>
-                </a:cxn>
-              </a:cxnLst>
-              <a:rect l="0" t="0" r="r" b="b"/>
-              <a:pathLst>
-                <a:path w="21600" h="21600" extrusionOk="0">
-                  <a:moveTo>
-                    <a:pt x="10800" y="20618"/>
-                  </a:moveTo>
-                  <a:cubicBezTo>
-                    <a:pt x="5377" y="20618"/>
-                    <a:pt x="982" y="16223"/>
-                    <a:pt x="982" y="10800"/>
-                  </a:cubicBezTo>
-                  <a:cubicBezTo>
-                    <a:pt x="982" y="5378"/>
-                    <a:pt x="5377" y="982"/>
-                    <a:pt x="10800" y="982"/>
-                  </a:cubicBezTo>
-                  <a:cubicBezTo>
-                    <a:pt x="16223" y="982"/>
-                    <a:pt x="20618" y="5378"/>
-                    <a:pt x="20618" y="10800"/>
-                  </a:cubicBezTo>
-                  <a:cubicBezTo>
-                    <a:pt x="20618" y="16223"/>
-                    <a:pt x="16223" y="20618"/>
-                    <a:pt x="10800" y="20618"/>
-                  </a:cubicBezTo>
-                  <a:moveTo>
-                    <a:pt x="10800" y="0"/>
-                  </a:moveTo>
-                  <a:cubicBezTo>
-                    <a:pt x="4836" y="0"/>
-                    <a:pt x="0" y="4835"/>
-                    <a:pt x="0" y="10800"/>
-                  </a:cubicBezTo>
-                  <a:cubicBezTo>
-                    <a:pt x="0" y="16765"/>
-                    <a:pt x="4836" y="21600"/>
-                    <a:pt x="10800" y="21600"/>
-                  </a:cubicBezTo>
-                  <a:cubicBezTo>
-                    <a:pt x="16764" y="21600"/>
-                    <a:pt x="21600" y="16765"/>
-                    <a:pt x="21600" y="10800"/>
-                  </a:cubicBezTo>
-                  <a:cubicBezTo>
-                    <a:pt x="21600" y="4835"/>
-                    <a:pt x="16764" y="0"/>
-                    <a:pt x="10800" y="0"/>
-                  </a:cubicBezTo>
-                  <a:moveTo>
-                    <a:pt x="9674" y="5053"/>
-                  </a:moveTo>
-                  <a:cubicBezTo>
-                    <a:pt x="9585" y="4964"/>
-                    <a:pt x="9463" y="4909"/>
-                    <a:pt x="9327" y="4909"/>
-                  </a:cubicBezTo>
-                  <a:cubicBezTo>
-                    <a:pt x="9056" y="4909"/>
-                    <a:pt x="8836" y="5129"/>
-                    <a:pt x="8836" y="5400"/>
-                  </a:cubicBezTo>
-                  <a:cubicBezTo>
-                    <a:pt x="8836" y="5536"/>
-                    <a:pt x="8891" y="5658"/>
-                    <a:pt x="8980" y="5747"/>
-                  </a:cubicBezTo>
-                  <a:lnTo>
-                    <a:pt x="13574" y="10800"/>
-                  </a:lnTo>
-                  <a:lnTo>
-                    <a:pt x="8980" y="15853"/>
-                  </a:lnTo>
-                  <a:cubicBezTo>
-                    <a:pt x="8891" y="15942"/>
-                    <a:pt x="8836" y="16065"/>
-                    <a:pt x="8836" y="16200"/>
-                  </a:cubicBezTo>
-                  <a:cubicBezTo>
-                    <a:pt x="8836" y="16471"/>
-                    <a:pt x="9056" y="16691"/>
-                    <a:pt x="9327" y="16691"/>
-                  </a:cubicBezTo>
-                  <a:cubicBezTo>
-                    <a:pt x="9463" y="16691"/>
-                    <a:pt x="9585" y="16636"/>
-                    <a:pt x="9674" y="16547"/>
-                  </a:cubicBezTo>
-                  <a:lnTo>
-                    <a:pt x="14583" y="11147"/>
-                  </a:lnTo>
-                  <a:cubicBezTo>
-                    <a:pt x="14672" y="11058"/>
-                    <a:pt x="14727" y="10936"/>
-                    <a:pt x="14727" y="10800"/>
-                  </a:cubicBezTo>
-                  <a:cubicBezTo>
-                    <a:pt x="14727" y="10665"/>
-                    <a:pt x="14672" y="10542"/>
-                    <a:pt x="14583" y="10453"/>
-                  </a:cubicBezTo>
-                  <a:cubicBezTo>
-                    <a:pt x="14583" y="10453"/>
-                    <a:pt x="9674" y="5053"/>
-                    <a:pt x="9674" y="5053"/>
-                  </a:cubicBezTo>
-                  <a:close/>
-                </a:path>
-              </a:pathLst>
-            </a:custGeom>
-            <a:solidFill>
-              <a:schemeClr val="tx2"/>
-            </a:solidFill>
-            <a:ln w="12700">
-              <a:miter lim="400000"/>
-            </a:ln>
-          </p:spPr>
-          <p:txBody>
-            <a:bodyPr lIns="38090" tIns="38090" rIns="38090" bIns="38090" anchor="ctr"/>
-            <a:lstStyle/>
-            <a:p>
-              <a:pPr defTabSz="457063">
-                <a:defRPr sz="3000" cap="none">
-                  <a:solidFill>
-                    <a:srgbClr val="FFFFFF"/>
-                  </a:solidFill>
-                  <a:effectLst>
-                    <a:outerShdw blurRad="38100" dist="12700" dir="5400000" rotWithShape="0">
-                      <a:srgbClr val="000000">
-                        <a:alpha val="50000"/>
-                      </a:srgbClr>
-                    </a:outerShdw>
-                  </a:effectLst>
-                  <a:latin typeface="Gill Sans"/>
-                  <a:ea typeface="Gill Sans"/>
-                  <a:cs typeface="Gill Sans"/>
-                  <a:sym typeface="Gill Sans"/>
-                </a:defRPr>
-              </a:pPr>
-              <a:endParaRPr sz="2999"/>
-            </a:p>
-          </p:txBody>
-        </p:sp>
-      </p:grpSp>
-      <p:grpSp>
-        <p:nvGrpSpPr>
-          <p:cNvPr id="14" name="Group 13"/>
-          <p:cNvGrpSpPr/>
-          <p:nvPr/>
-        </p:nvGrpSpPr>
-        <p:grpSpPr>
-          <a:xfrm>
-            <a:off x="3695892" y="9432723"/>
-            <a:ext cx="17072722" cy="1747923"/>
-            <a:chOff x="3276792" y="4309397"/>
-            <a:chExt cx="17072722" cy="1747923"/>
-          </a:xfrm>
-        </p:grpSpPr>
-        <p:sp>
-          <p:nvSpPr>
-            <p:cNvPr id="15" name="TextBox 14"/>
-            <p:cNvSpPr txBox="1"/>
-            <p:nvPr/>
-          </p:nvSpPr>
-          <p:spPr>
-            <a:xfrm>
-              <a:off x="4103022" y="5041657"/>
-              <a:ext cx="16246492" cy="1015663"/>
-            </a:xfrm>
-            <a:prstGeom prst="rect">
-              <a:avLst/>
-            </a:prstGeom>
-            <a:noFill/>
-          </p:spPr>
-          <p:txBody>
-            <a:bodyPr wrap="square" rtlCol="0">
-              <a:spAutoFit/>
-            </a:bodyPr>
-            <a:lstStyle/>
-            <a:p>
-              <a:pPr algn="just">
-                <a:lnSpc>
-                  <a:spcPct val="150000"/>
-                </a:lnSpc>
-              </a:pPr>
-              <a:r>
-                <a:rPr lang="en-US" sz="2000" dirty="0">
-                  <a:latin typeface="Montserrat Light" charset="0"/>
-                  <a:ea typeface="Montserrat Light" charset="0"/>
-                  <a:cs typeface="Montserrat Light" charset="0"/>
-                </a:rPr>
-                <a:t>A company is an association or collection of individuals, whether natural persons, legal persons, or a mixture of both. Company members share a common purpose and unite in order to focus their various talents and organize their collectively available skills</a:t>
-              </a:r>
-            </a:p>
-          </p:txBody>
-        </p:sp>
-        <p:sp>
-          <p:nvSpPr>
-            <p:cNvPr id="16" name="TextBox 15"/>
-            <p:cNvSpPr txBox="1"/>
-            <p:nvPr/>
-          </p:nvSpPr>
-          <p:spPr>
-            <a:xfrm>
-              <a:off x="4103022" y="4309397"/>
-              <a:ext cx="5000087" cy="584775"/>
-            </a:xfrm>
-            <a:prstGeom prst="rect">
-              <a:avLst/>
-            </a:prstGeom>
-            <a:noFill/>
-          </p:spPr>
-          <p:txBody>
-            <a:bodyPr wrap="none" rtlCol="0">
-              <a:spAutoFit/>
-            </a:bodyPr>
-            <a:lstStyle/>
-            <a:p>
-              <a:r>
-                <a:rPr lang="en-US" sz="3200" spc="600" dirty="0">
-                  <a:solidFill>
-                    <a:schemeClr val="tx2"/>
-                  </a:solidFill>
-                  <a:latin typeface="Montserrat" charset="0"/>
-                  <a:ea typeface="Montserrat" charset="0"/>
-                  <a:cs typeface="Montserrat" charset="0"/>
-                </a:rPr>
-                <a:t>YOUR TITLE HERE</a:t>
-              </a:r>
-              <a:endParaRPr lang="en-US" sz="4800" spc="600" dirty="0">
+              </a:rPr>
+              <a:t> Notebook (prototyping)</a:t>
+            </a:r>
+          </a:p>
+          <a:p>
+            <a:pPr marL="285750" indent="-285750">
+              <a:lnSpc>
+                <a:spcPct val="200000"/>
+              </a:lnSpc>
+              <a:buFontTx/>
+              <a:buChar char="-"/>
+            </a:pPr>
+            <a:r>
+              <a:rPr lang="en-US" sz="2000" b="1" spc="300" dirty="0">
                 <a:solidFill>
                   <a:schemeClr val="tx2"/>
                 </a:solidFill>
                 <a:latin typeface="Montserrat" charset="0"/>
                 <a:ea typeface="Montserrat" charset="0"/>
                 <a:cs typeface="Montserrat" charset="0"/>
-              </a:endParaRPr>
-            </a:p>
-          </p:txBody>
-        </p:sp>
-        <p:sp>
-          <p:nvSpPr>
-            <p:cNvPr id="17" name="Shape 2906"/>
-            <p:cNvSpPr/>
-            <p:nvPr/>
-          </p:nvSpPr>
-          <p:spPr>
-            <a:xfrm>
-              <a:off x="3276792" y="4322456"/>
-              <a:ext cx="558655" cy="558655"/>
-            </a:xfrm>
-            <a:custGeom>
-              <a:avLst/>
-              <a:gdLst/>
-              <a:ahLst/>
-              <a:cxnLst>
-                <a:cxn ang="0">
-                  <a:pos x="wd2" y="hd2"/>
-                </a:cxn>
-                <a:cxn ang="5400000">
-                  <a:pos x="wd2" y="hd2"/>
-                </a:cxn>
-                <a:cxn ang="10800000">
-                  <a:pos x="wd2" y="hd2"/>
-                </a:cxn>
-                <a:cxn ang="16200000">
-                  <a:pos x="wd2" y="hd2"/>
-                </a:cxn>
-              </a:cxnLst>
-              <a:rect l="0" t="0" r="r" b="b"/>
-              <a:pathLst>
-                <a:path w="21600" h="21600" extrusionOk="0">
-                  <a:moveTo>
-                    <a:pt x="10800" y="20618"/>
-                  </a:moveTo>
-                  <a:cubicBezTo>
-                    <a:pt x="5377" y="20618"/>
-                    <a:pt x="982" y="16223"/>
-                    <a:pt x="982" y="10800"/>
-                  </a:cubicBezTo>
-                  <a:cubicBezTo>
-                    <a:pt x="982" y="5378"/>
-                    <a:pt x="5377" y="982"/>
-                    <a:pt x="10800" y="982"/>
-                  </a:cubicBezTo>
-                  <a:cubicBezTo>
-                    <a:pt x="16223" y="982"/>
-                    <a:pt x="20618" y="5378"/>
-                    <a:pt x="20618" y="10800"/>
-                  </a:cubicBezTo>
-                  <a:cubicBezTo>
-                    <a:pt x="20618" y="16223"/>
-                    <a:pt x="16223" y="20618"/>
-                    <a:pt x="10800" y="20618"/>
-                  </a:cubicBezTo>
-                  <a:moveTo>
-                    <a:pt x="10800" y="0"/>
-                  </a:moveTo>
-                  <a:cubicBezTo>
-                    <a:pt x="4836" y="0"/>
-                    <a:pt x="0" y="4835"/>
-                    <a:pt x="0" y="10800"/>
-                  </a:cubicBezTo>
-                  <a:cubicBezTo>
-                    <a:pt x="0" y="16765"/>
-                    <a:pt x="4836" y="21600"/>
-                    <a:pt x="10800" y="21600"/>
-                  </a:cubicBezTo>
-                  <a:cubicBezTo>
-                    <a:pt x="16764" y="21600"/>
-                    <a:pt x="21600" y="16765"/>
-                    <a:pt x="21600" y="10800"/>
-                  </a:cubicBezTo>
-                  <a:cubicBezTo>
-                    <a:pt x="21600" y="4835"/>
-                    <a:pt x="16764" y="0"/>
-                    <a:pt x="10800" y="0"/>
-                  </a:cubicBezTo>
-                  <a:moveTo>
-                    <a:pt x="9674" y="5053"/>
-                  </a:moveTo>
-                  <a:cubicBezTo>
-                    <a:pt x="9585" y="4964"/>
-                    <a:pt x="9463" y="4909"/>
-                    <a:pt x="9327" y="4909"/>
-                  </a:cubicBezTo>
-                  <a:cubicBezTo>
-                    <a:pt x="9056" y="4909"/>
-                    <a:pt x="8836" y="5129"/>
-                    <a:pt x="8836" y="5400"/>
-                  </a:cubicBezTo>
-                  <a:cubicBezTo>
-                    <a:pt x="8836" y="5536"/>
-                    <a:pt x="8891" y="5658"/>
-                    <a:pt x="8980" y="5747"/>
-                  </a:cubicBezTo>
-                  <a:lnTo>
-                    <a:pt x="13574" y="10800"/>
-                  </a:lnTo>
-                  <a:lnTo>
-                    <a:pt x="8980" y="15853"/>
-                  </a:lnTo>
-                  <a:cubicBezTo>
-                    <a:pt x="8891" y="15942"/>
-                    <a:pt x="8836" y="16065"/>
-                    <a:pt x="8836" y="16200"/>
-                  </a:cubicBezTo>
-                  <a:cubicBezTo>
-                    <a:pt x="8836" y="16471"/>
-                    <a:pt x="9056" y="16691"/>
-                    <a:pt x="9327" y="16691"/>
-                  </a:cubicBezTo>
-                  <a:cubicBezTo>
-                    <a:pt x="9463" y="16691"/>
-                    <a:pt x="9585" y="16636"/>
-                    <a:pt x="9674" y="16547"/>
-                  </a:cubicBezTo>
-                  <a:lnTo>
-                    <a:pt x="14583" y="11147"/>
-                  </a:lnTo>
-                  <a:cubicBezTo>
-                    <a:pt x="14672" y="11058"/>
-                    <a:pt x="14727" y="10936"/>
-                    <a:pt x="14727" y="10800"/>
-                  </a:cubicBezTo>
-                  <a:cubicBezTo>
-                    <a:pt x="14727" y="10665"/>
-                    <a:pt x="14672" y="10542"/>
-                    <a:pt x="14583" y="10453"/>
-                  </a:cubicBezTo>
-                  <a:cubicBezTo>
-                    <a:pt x="14583" y="10453"/>
-                    <a:pt x="9674" y="5053"/>
-                    <a:pt x="9674" y="5053"/>
-                  </a:cubicBezTo>
-                  <a:close/>
-                </a:path>
-              </a:pathLst>
-            </a:custGeom>
-            <a:solidFill>
-              <a:schemeClr val="tx2"/>
-            </a:solidFill>
-            <a:ln w="12700">
-              <a:miter lim="400000"/>
-            </a:ln>
-          </p:spPr>
-          <p:txBody>
-            <a:bodyPr lIns="38090" tIns="38090" rIns="38090" bIns="38090" anchor="ctr"/>
-            <a:lstStyle/>
-            <a:p>
-              <a:pPr defTabSz="457063">
-                <a:defRPr sz="3000" cap="none">
-                  <a:solidFill>
-                    <a:srgbClr val="FFFFFF"/>
-                  </a:solidFill>
-                  <a:effectLst>
-                    <a:outerShdw blurRad="38100" dist="12700" dir="5400000" rotWithShape="0">
-                      <a:srgbClr val="000000">
-                        <a:alpha val="50000"/>
-                      </a:srgbClr>
-                    </a:outerShdw>
-                  </a:effectLst>
-                  <a:latin typeface="Gill Sans"/>
-                  <a:ea typeface="Gill Sans"/>
-                  <a:cs typeface="Gill Sans"/>
-                  <a:sym typeface="Gill Sans"/>
-                </a:defRPr>
-              </a:pPr>
-              <a:endParaRPr sz="2999"/>
-            </a:p>
-          </p:txBody>
-        </p:sp>
-      </p:grpSp>
+              </a:rPr>
+              <a:t>NLTK (n-grams)</a:t>
+            </a:r>
+          </a:p>
+          <a:p>
+            <a:pPr marL="285750" indent="-285750">
+              <a:lnSpc>
+                <a:spcPct val="200000"/>
+              </a:lnSpc>
+              <a:buFontTx/>
+              <a:buChar char="-"/>
+            </a:pPr>
+            <a:r>
+              <a:rPr lang="en-US" sz="2000" b="1" spc="300" dirty="0">
+                <a:solidFill>
+                  <a:schemeClr val="tx2"/>
+                </a:solidFill>
+                <a:latin typeface="Montserrat" charset="0"/>
+                <a:ea typeface="Montserrat" charset="0"/>
+                <a:cs typeface="Montserrat" charset="0"/>
+              </a:rPr>
+              <a:t>Newspaper3k (data scraping)</a:t>
+            </a:r>
+          </a:p>
+          <a:p>
+            <a:pPr marL="285750" indent="-285750">
+              <a:lnSpc>
+                <a:spcPct val="200000"/>
+              </a:lnSpc>
+              <a:buFontTx/>
+              <a:buChar char="-"/>
+            </a:pPr>
+            <a:r>
+              <a:rPr lang="en-US" sz="2000" b="1" spc="300" dirty="0">
+                <a:solidFill>
+                  <a:schemeClr val="tx2"/>
+                </a:solidFill>
+                <a:latin typeface="Montserrat" charset="0"/>
+                <a:ea typeface="Montserrat" charset="0"/>
+                <a:cs typeface="Montserrat" charset="0"/>
+              </a:rPr>
+              <a:t>Pandas (Data Wrangling)</a:t>
+            </a:r>
+          </a:p>
+          <a:p>
+            <a:pPr marL="285750" indent="-285750">
+              <a:lnSpc>
+                <a:spcPct val="200000"/>
+              </a:lnSpc>
+              <a:buFontTx/>
+              <a:buChar char="-"/>
+            </a:pPr>
+            <a:r>
+              <a:rPr lang="en-US" sz="2000" b="1" spc="300" dirty="0">
+                <a:solidFill>
+                  <a:schemeClr val="tx2"/>
+                </a:solidFill>
+                <a:latin typeface="Montserrat" charset="0"/>
+                <a:ea typeface="Montserrat" charset="0"/>
+                <a:cs typeface="Montserrat" charset="0"/>
+              </a:rPr>
+              <a:t>NodeJS / </a:t>
+            </a:r>
+            <a:r>
+              <a:rPr lang="en-US" sz="2000" b="1" spc="300" dirty="0" err="1">
+                <a:solidFill>
+                  <a:schemeClr val="tx2"/>
+                </a:solidFill>
+                <a:latin typeface="Montserrat" charset="0"/>
+                <a:ea typeface="Montserrat" charset="0"/>
+                <a:cs typeface="Montserrat" charset="0"/>
+              </a:rPr>
+              <a:t>ExpressJS</a:t>
+            </a:r>
+            <a:r>
+              <a:rPr lang="en-US" sz="2000" b="1" spc="300" dirty="0">
+                <a:solidFill>
+                  <a:schemeClr val="tx2"/>
+                </a:solidFill>
+                <a:latin typeface="Montserrat" charset="0"/>
+                <a:ea typeface="Montserrat" charset="0"/>
+                <a:cs typeface="Montserrat" charset="0"/>
+              </a:rPr>
+              <a:t> (front end)</a:t>
+            </a:r>
+          </a:p>
+          <a:p>
+            <a:pPr marL="285750" indent="-285750">
+              <a:lnSpc>
+                <a:spcPct val="200000"/>
+              </a:lnSpc>
+              <a:buFontTx/>
+              <a:buChar char="-"/>
+            </a:pPr>
+            <a:r>
+              <a:rPr lang="en-US" sz="2000" b="1" spc="300" dirty="0">
+                <a:solidFill>
+                  <a:schemeClr val="tx2"/>
+                </a:solidFill>
+                <a:latin typeface="Montserrat" charset="0"/>
+                <a:ea typeface="Montserrat" charset="0"/>
+                <a:cs typeface="Montserrat" charset="0"/>
+              </a:rPr>
+              <a:t>Google App Engine (website Hosting)</a:t>
+            </a:r>
+          </a:p>
+          <a:p>
+            <a:pPr marL="285750" indent="-285750">
+              <a:lnSpc>
+                <a:spcPct val="200000"/>
+              </a:lnSpc>
+              <a:buFontTx/>
+              <a:buChar char="-"/>
+            </a:pPr>
+            <a:r>
+              <a:rPr lang="en-US" sz="2000" b="1" spc="300" dirty="0">
+                <a:solidFill>
+                  <a:schemeClr val="tx2"/>
+                </a:solidFill>
+                <a:latin typeface="Montserrat" charset="0"/>
+                <a:ea typeface="Montserrat" charset="0"/>
+                <a:cs typeface="Montserrat" charset="0"/>
+              </a:rPr>
+              <a:t>Google Cloud Functions (cloud based Python code)</a:t>
+            </a:r>
+          </a:p>
+          <a:p>
+            <a:pPr marL="285750" indent="-285750">
+              <a:lnSpc>
+                <a:spcPct val="200000"/>
+              </a:lnSpc>
+              <a:buFontTx/>
+              <a:buChar char="-"/>
+            </a:pPr>
+            <a:r>
+              <a:rPr lang="en-US" sz="2000" b="1" spc="300" dirty="0">
+                <a:solidFill>
+                  <a:schemeClr val="tx2"/>
+                </a:solidFill>
+                <a:latin typeface="Montserrat" charset="0"/>
+                <a:ea typeface="Montserrat" charset="0"/>
+                <a:cs typeface="Montserrat" charset="0"/>
+              </a:rPr>
+              <a:t>Google Cloud Language (sentiment analysis)</a:t>
+            </a:r>
+          </a:p>
+          <a:p>
+            <a:pPr marL="285750" indent="-285750">
+              <a:lnSpc>
+                <a:spcPct val="200000"/>
+              </a:lnSpc>
+              <a:buFontTx/>
+              <a:buChar char="-"/>
+            </a:pPr>
+            <a:r>
+              <a:rPr lang="en-US" sz="2000" b="1" spc="300" dirty="0">
+                <a:solidFill>
+                  <a:schemeClr val="tx2"/>
+                </a:solidFill>
+                <a:latin typeface="Montserrat" charset="0"/>
+                <a:ea typeface="Montserrat" charset="0"/>
+                <a:cs typeface="Montserrat" charset="0"/>
+              </a:rPr>
+              <a:t>GGPlot2 (Visualizations)</a:t>
+            </a:r>
+          </a:p>
+        </p:txBody>
+      </p:sp>
     </p:spTree>
     <p:extLst>
       <p:ext uri="{BB962C8B-B14F-4D97-AF65-F5344CB8AC3E}">
-        <p14:creationId xmlns:p14="http://schemas.microsoft.com/office/powerpoint/2010/main" val="2805349551"/>
+        <p14:creationId xmlns:p14="http://schemas.microsoft.com/office/powerpoint/2010/main" val="891029449"/>
       </p:ext>
     </p:extLst>
   </p:cSld>
@@ -4331,1813 +4471,6 @@
           <a:chExt cx="0" cy="0"/>
         </a:xfrm>
       </p:grpSpPr>
-      <p:grpSp>
-        <p:nvGrpSpPr>
-          <p:cNvPr id="6" name="Group 5"/>
-          <p:cNvGrpSpPr/>
-          <p:nvPr/>
-        </p:nvGrpSpPr>
-        <p:grpSpPr>
-          <a:xfrm>
-            <a:off x="2749953" y="2705523"/>
-            <a:ext cx="18877743" cy="8351846"/>
-            <a:chOff x="2749953" y="2130309"/>
-            <a:chExt cx="18877743" cy="8351846"/>
-          </a:xfrm>
-        </p:grpSpPr>
-        <p:sp>
-          <p:nvSpPr>
-            <p:cNvPr id="11" name="TextBox 10"/>
-            <p:cNvSpPr txBox="1"/>
-            <p:nvPr/>
-          </p:nvSpPr>
-          <p:spPr>
-            <a:xfrm>
-              <a:off x="2876953" y="4027064"/>
-              <a:ext cx="4796139" cy="1411669"/>
-            </a:xfrm>
-            <a:prstGeom prst="rect">
-              <a:avLst/>
-            </a:prstGeom>
-            <a:noFill/>
-          </p:spPr>
-          <p:txBody>
-            <a:bodyPr wrap="square" rtlCol="0">
-              <a:spAutoFit/>
-            </a:bodyPr>
-            <a:lstStyle/>
-            <a:p>
-              <a:pPr algn="ctr">
-                <a:lnSpc>
-                  <a:spcPct val="150000"/>
-                </a:lnSpc>
-              </a:pPr>
-              <a:r>
-                <a:rPr lang="en-US" sz="2000" dirty="0">
-                  <a:latin typeface="Montserrat Light" charset="0"/>
-                  <a:ea typeface="Montserrat Light" charset="0"/>
-                  <a:cs typeface="Montserrat Light" charset="0"/>
-                </a:rPr>
-                <a:t>A company is an association or collection of individuals, whether natural persons, legal persons, or a</a:t>
-              </a:r>
-            </a:p>
-          </p:txBody>
-        </p:sp>
-        <p:sp>
-          <p:nvSpPr>
-            <p:cNvPr id="14" name="TextBox 13"/>
-            <p:cNvSpPr txBox="1"/>
-            <p:nvPr/>
-          </p:nvSpPr>
-          <p:spPr>
-            <a:xfrm>
-              <a:off x="2749953" y="3294804"/>
-              <a:ext cx="5054589" cy="584775"/>
-            </a:xfrm>
-            <a:prstGeom prst="rect">
-              <a:avLst/>
-            </a:prstGeom>
-            <a:noFill/>
-          </p:spPr>
-          <p:txBody>
-            <a:bodyPr wrap="none" rtlCol="0">
-              <a:spAutoFit/>
-            </a:bodyPr>
-            <a:lstStyle/>
-            <a:p>
-              <a:pPr algn="ctr"/>
-              <a:r>
-                <a:rPr lang="en-US" sz="3200" b="1" spc="600" dirty="0">
-                  <a:solidFill>
-                    <a:schemeClr val="tx2"/>
-                  </a:solidFill>
-                  <a:latin typeface="Montserrat" charset="0"/>
-                  <a:ea typeface="Montserrat" charset="0"/>
-                  <a:cs typeface="Montserrat" charset="0"/>
-                </a:rPr>
-                <a:t>YOUR TITLE HERE</a:t>
-              </a:r>
-              <a:endParaRPr lang="en-US" sz="4800" b="1" spc="600" dirty="0">
-                <a:solidFill>
-                  <a:schemeClr val="tx2"/>
-                </a:solidFill>
-                <a:latin typeface="Montserrat" charset="0"/>
-                <a:ea typeface="Montserrat" charset="0"/>
-                <a:cs typeface="Montserrat" charset="0"/>
-              </a:endParaRPr>
-            </a:p>
-          </p:txBody>
-        </p:sp>
-        <p:sp>
-          <p:nvSpPr>
-            <p:cNvPr id="15" name="TextBox 14"/>
-            <p:cNvSpPr txBox="1"/>
-            <p:nvPr/>
-          </p:nvSpPr>
-          <p:spPr>
-            <a:xfrm>
-              <a:off x="9725030" y="4027064"/>
-              <a:ext cx="4796139" cy="1411669"/>
-            </a:xfrm>
-            <a:prstGeom prst="rect">
-              <a:avLst/>
-            </a:prstGeom>
-            <a:noFill/>
-          </p:spPr>
-          <p:txBody>
-            <a:bodyPr wrap="square" rtlCol="0">
-              <a:spAutoFit/>
-            </a:bodyPr>
-            <a:lstStyle/>
-            <a:p>
-              <a:pPr algn="ctr">
-                <a:lnSpc>
-                  <a:spcPct val="150000"/>
-                </a:lnSpc>
-              </a:pPr>
-              <a:r>
-                <a:rPr lang="en-US" sz="2000" dirty="0">
-                  <a:latin typeface="Montserrat Light" charset="0"/>
-                  <a:ea typeface="Montserrat Light" charset="0"/>
-                  <a:cs typeface="Montserrat Light" charset="0"/>
-                </a:rPr>
-                <a:t>A company is an association or collection of individuals, whether natural persons, legal persons, or a</a:t>
-              </a:r>
-            </a:p>
-          </p:txBody>
-        </p:sp>
-        <p:sp>
-          <p:nvSpPr>
-            <p:cNvPr id="16" name="TextBox 15"/>
-            <p:cNvSpPr txBox="1"/>
-            <p:nvPr/>
-          </p:nvSpPr>
-          <p:spPr>
-            <a:xfrm>
-              <a:off x="9623430" y="3294804"/>
-              <a:ext cx="5054589" cy="584775"/>
-            </a:xfrm>
-            <a:prstGeom prst="rect">
-              <a:avLst/>
-            </a:prstGeom>
-            <a:noFill/>
-          </p:spPr>
-          <p:txBody>
-            <a:bodyPr wrap="none" rtlCol="0">
-              <a:spAutoFit/>
-            </a:bodyPr>
-            <a:lstStyle/>
-            <a:p>
-              <a:pPr algn="ctr"/>
-              <a:r>
-                <a:rPr lang="en-US" sz="3200" b="1" spc="600" dirty="0">
-                  <a:solidFill>
-                    <a:schemeClr val="tx2"/>
-                  </a:solidFill>
-                  <a:latin typeface="Montserrat" charset="0"/>
-                  <a:ea typeface="Montserrat" charset="0"/>
-                  <a:cs typeface="Montserrat" charset="0"/>
-                </a:rPr>
-                <a:t>YOUR TITLE HERE</a:t>
-              </a:r>
-              <a:endParaRPr lang="en-US" sz="4800" b="1" spc="600" dirty="0">
-                <a:solidFill>
-                  <a:schemeClr val="tx2"/>
-                </a:solidFill>
-                <a:latin typeface="Montserrat" charset="0"/>
-                <a:ea typeface="Montserrat" charset="0"/>
-                <a:cs typeface="Montserrat" charset="0"/>
-              </a:endParaRPr>
-            </a:p>
-          </p:txBody>
-        </p:sp>
-        <p:sp>
-          <p:nvSpPr>
-            <p:cNvPr id="17" name="TextBox 16"/>
-            <p:cNvSpPr txBox="1"/>
-            <p:nvPr/>
-          </p:nvSpPr>
-          <p:spPr>
-            <a:xfrm>
-              <a:off x="16674707" y="4027064"/>
-              <a:ext cx="4796139" cy="1411669"/>
-            </a:xfrm>
-            <a:prstGeom prst="rect">
-              <a:avLst/>
-            </a:prstGeom>
-            <a:noFill/>
-          </p:spPr>
-          <p:txBody>
-            <a:bodyPr wrap="square" rtlCol="0">
-              <a:spAutoFit/>
-            </a:bodyPr>
-            <a:lstStyle/>
-            <a:p>
-              <a:pPr algn="ctr">
-                <a:lnSpc>
-                  <a:spcPct val="150000"/>
-                </a:lnSpc>
-              </a:pPr>
-              <a:r>
-                <a:rPr lang="en-US" sz="2000" dirty="0">
-                  <a:latin typeface="Montserrat Light" charset="0"/>
-                  <a:ea typeface="Montserrat Light" charset="0"/>
-                  <a:cs typeface="Montserrat Light" charset="0"/>
-                </a:rPr>
-                <a:t>A company is an association or collection of individuals, whether natural persons, legal persons, or a</a:t>
-              </a:r>
-            </a:p>
-          </p:txBody>
-        </p:sp>
-        <p:sp>
-          <p:nvSpPr>
-            <p:cNvPr id="21" name="TextBox 20"/>
-            <p:cNvSpPr txBox="1"/>
-            <p:nvPr/>
-          </p:nvSpPr>
-          <p:spPr>
-            <a:xfrm>
-              <a:off x="16573107" y="3294804"/>
-              <a:ext cx="5054589" cy="584775"/>
-            </a:xfrm>
-            <a:prstGeom prst="rect">
-              <a:avLst/>
-            </a:prstGeom>
-            <a:noFill/>
-          </p:spPr>
-          <p:txBody>
-            <a:bodyPr wrap="none" rtlCol="0">
-              <a:spAutoFit/>
-            </a:bodyPr>
-            <a:lstStyle/>
-            <a:p>
-              <a:pPr algn="ctr"/>
-              <a:r>
-                <a:rPr lang="en-US" sz="3200" b="1" spc="600" dirty="0">
-                  <a:solidFill>
-                    <a:schemeClr val="tx2"/>
-                  </a:solidFill>
-                  <a:latin typeface="Montserrat" charset="0"/>
-                  <a:ea typeface="Montserrat" charset="0"/>
-                  <a:cs typeface="Montserrat" charset="0"/>
-                </a:rPr>
-                <a:t>YOUR TITLE HERE</a:t>
-              </a:r>
-              <a:endParaRPr lang="en-US" sz="4800" b="1" spc="600" dirty="0">
-                <a:solidFill>
-                  <a:schemeClr val="tx2"/>
-                </a:solidFill>
-                <a:latin typeface="Montserrat" charset="0"/>
-                <a:ea typeface="Montserrat" charset="0"/>
-                <a:cs typeface="Montserrat" charset="0"/>
-              </a:endParaRPr>
-            </a:p>
-          </p:txBody>
-        </p:sp>
-        <p:sp>
-          <p:nvSpPr>
-            <p:cNvPr id="22" name="TextBox 21"/>
-            <p:cNvSpPr txBox="1"/>
-            <p:nvPr/>
-          </p:nvSpPr>
-          <p:spPr>
-            <a:xfrm>
-              <a:off x="2876953" y="9070486"/>
-              <a:ext cx="4796139" cy="1411669"/>
-            </a:xfrm>
-            <a:prstGeom prst="rect">
-              <a:avLst/>
-            </a:prstGeom>
-            <a:noFill/>
-          </p:spPr>
-          <p:txBody>
-            <a:bodyPr wrap="square" rtlCol="0">
-              <a:spAutoFit/>
-            </a:bodyPr>
-            <a:lstStyle/>
-            <a:p>
-              <a:pPr algn="ctr">
-                <a:lnSpc>
-                  <a:spcPct val="150000"/>
-                </a:lnSpc>
-              </a:pPr>
-              <a:r>
-                <a:rPr lang="en-US" sz="2000" dirty="0">
-                  <a:latin typeface="Montserrat Light" charset="0"/>
-                  <a:ea typeface="Montserrat Light" charset="0"/>
-                  <a:cs typeface="Montserrat Light" charset="0"/>
-                </a:rPr>
-                <a:t>A company is an association or collection of individuals, whether natural persons, legal persons, or a</a:t>
-              </a:r>
-            </a:p>
-          </p:txBody>
-        </p:sp>
-        <p:sp>
-          <p:nvSpPr>
-            <p:cNvPr id="23" name="TextBox 22"/>
-            <p:cNvSpPr txBox="1"/>
-            <p:nvPr/>
-          </p:nvSpPr>
-          <p:spPr>
-            <a:xfrm>
-              <a:off x="2749953" y="8338226"/>
-              <a:ext cx="5054589" cy="584775"/>
-            </a:xfrm>
-            <a:prstGeom prst="rect">
-              <a:avLst/>
-            </a:prstGeom>
-            <a:noFill/>
-          </p:spPr>
-          <p:txBody>
-            <a:bodyPr wrap="none" rtlCol="0">
-              <a:spAutoFit/>
-            </a:bodyPr>
-            <a:lstStyle/>
-            <a:p>
-              <a:pPr algn="ctr"/>
-              <a:r>
-                <a:rPr lang="en-US" sz="3200" b="1" spc="600" dirty="0">
-                  <a:solidFill>
-                    <a:schemeClr val="tx2"/>
-                  </a:solidFill>
-                  <a:latin typeface="Montserrat" charset="0"/>
-                  <a:ea typeface="Montserrat" charset="0"/>
-                  <a:cs typeface="Montserrat" charset="0"/>
-                </a:rPr>
-                <a:t>YOUR TITLE HERE</a:t>
-              </a:r>
-              <a:endParaRPr lang="en-US" sz="4800" b="1" spc="600" dirty="0">
-                <a:solidFill>
-                  <a:schemeClr val="tx2"/>
-                </a:solidFill>
-                <a:latin typeface="Montserrat" charset="0"/>
-                <a:ea typeface="Montserrat" charset="0"/>
-                <a:cs typeface="Montserrat" charset="0"/>
-              </a:endParaRPr>
-            </a:p>
-          </p:txBody>
-        </p:sp>
-        <p:sp>
-          <p:nvSpPr>
-            <p:cNvPr id="24" name="TextBox 23"/>
-            <p:cNvSpPr txBox="1"/>
-            <p:nvPr/>
-          </p:nvSpPr>
-          <p:spPr>
-            <a:xfrm>
-              <a:off x="9725030" y="9070486"/>
-              <a:ext cx="4796139" cy="1411669"/>
-            </a:xfrm>
-            <a:prstGeom prst="rect">
-              <a:avLst/>
-            </a:prstGeom>
-            <a:noFill/>
-          </p:spPr>
-          <p:txBody>
-            <a:bodyPr wrap="square" rtlCol="0">
-              <a:spAutoFit/>
-            </a:bodyPr>
-            <a:lstStyle/>
-            <a:p>
-              <a:pPr algn="ctr">
-                <a:lnSpc>
-                  <a:spcPct val="150000"/>
-                </a:lnSpc>
-              </a:pPr>
-              <a:r>
-                <a:rPr lang="en-US" sz="2000" dirty="0">
-                  <a:latin typeface="Montserrat Light" charset="0"/>
-                  <a:ea typeface="Montserrat Light" charset="0"/>
-                  <a:cs typeface="Montserrat Light" charset="0"/>
-                </a:rPr>
-                <a:t>A company is an association or collection of individuals, whether natural persons, legal persons, or a</a:t>
-              </a:r>
-            </a:p>
-          </p:txBody>
-        </p:sp>
-        <p:sp>
-          <p:nvSpPr>
-            <p:cNvPr id="25" name="TextBox 24"/>
-            <p:cNvSpPr txBox="1"/>
-            <p:nvPr/>
-          </p:nvSpPr>
-          <p:spPr>
-            <a:xfrm>
-              <a:off x="9623430" y="8338226"/>
-              <a:ext cx="5054589" cy="584775"/>
-            </a:xfrm>
-            <a:prstGeom prst="rect">
-              <a:avLst/>
-            </a:prstGeom>
-            <a:noFill/>
-          </p:spPr>
-          <p:txBody>
-            <a:bodyPr wrap="none" rtlCol="0">
-              <a:spAutoFit/>
-            </a:bodyPr>
-            <a:lstStyle/>
-            <a:p>
-              <a:pPr algn="ctr"/>
-              <a:r>
-                <a:rPr lang="en-US" sz="3200" b="1" spc="600" dirty="0">
-                  <a:solidFill>
-                    <a:schemeClr val="tx2"/>
-                  </a:solidFill>
-                  <a:latin typeface="Montserrat" charset="0"/>
-                  <a:ea typeface="Montserrat" charset="0"/>
-                  <a:cs typeface="Montserrat" charset="0"/>
-                </a:rPr>
-                <a:t>YOUR TITLE HERE</a:t>
-              </a:r>
-              <a:endParaRPr lang="en-US" sz="4800" b="1" spc="600" dirty="0">
-                <a:solidFill>
-                  <a:schemeClr val="tx2"/>
-                </a:solidFill>
-                <a:latin typeface="Montserrat" charset="0"/>
-                <a:ea typeface="Montserrat" charset="0"/>
-                <a:cs typeface="Montserrat" charset="0"/>
-              </a:endParaRPr>
-            </a:p>
-          </p:txBody>
-        </p:sp>
-        <p:sp>
-          <p:nvSpPr>
-            <p:cNvPr id="26" name="TextBox 25"/>
-            <p:cNvSpPr txBox="1"/>
-            <p:nvPr/>
-          </p:nvSpPr>
-          <p:spPr>
-            <a:xfrm>
-              <a:off x="16674707" y="9070486"/>
-              <a:ext cx="4796139" cy="1411669"/>
-            </a:xfrm>
-            <a:prstGeom prst="rect">
-              <a:avLst/>
-            </a:prstGeom>
-            <a:noFill/>
-          </p:spPr>
-          <p:txBody>
-            <a:bodyPr wrap="square" rtlCol="0">
-              <a:spAutoFit/>
-            </a:bodyPr>
-            <a:lstStyle/>
-            <a:p>
-              <a:pPr algn="ctr">
-                <a:lnSpc>
-                  <a:spcPct val="150000"/>
-                </a:lnSpc>
-              </a:pPr>
-              <a:r>
-                <a:rPr lang="en-US" sz="2000" dirty="0">
-                  <a:latin typeface="Montserrat Light" charset="0"/>
-                  <a:ea typeface="Montserrat Light" charset="0"/>
-                  <a:cs typeface="Montserrat Light" charset="0"/>
-                </a:rPr>
-                <a:t>A company is an association or collection of individuals, whether natural persons, legal persons, or a</a:t>
-              </a:r>
-            </a:p>
-          </p:txBody>
-        </p:sp>
-        <p:sp>
-          <p:nvSpPr>
-            <p:cNvPr id="27" name="TextBox 26"/>
-            <p:cNvSpPr txBox="1"/>
-            <p:nvPr/>
-          </p:nvSpPr>
-          <p:spPr>
-            <a:xfrm>
-              <a:off x="16573107" y="8338226"/>
-              <a:ext cx="5054589" cy="584775"/>
-            </a:xfrm>
-            <a:prstGeom prst="rect">
-              <a:avLst/>
-            </a:prstGeom>
-            <a:noFill/>
-          </p:spPr>
-          <p:txBody>
-            <a:bodyPr wrap="none" rtlCol="0">
-              <a:spAutoFit/>
-            </a:bodyPr>
-            <a:lstStyle/>
-            <a:p>
-              <a:pPr algn="ctr"/>
-              <a:r>
-                <a:rPr lang="en-US" sz="3200" b="1" spc="600" dirty="0">
-                  <a:solidFill>
-                    <a:schemeClr val="tx2"/>
-                  </a:solidFill>
-                  <a:latin typeface="Montserrat" charset="0"/>
-                  <a:ea typeface="Montserrat" charset="0"/>
-                  <a:cs typeface="Montserrat" charset="0"/>
-                </a:rPr>
-                <a:t>YOUR TITLE HERE</a:t>
-              </a:r>
-              <a:endParaRPr lang="en-US" sz="4800" b="1" spc="600" dirty="0">
-                <a:solidFill>
-                  <a:schemeClr val="tx2"/>
-                </a:solidFill>
-                <a:latin typeface="Montserrat" charset="0"/>
-                <a:ea typeface="Montserrat" charset="0"/>
-                <a:cs typeface="Montserrat" charset="0"/>
-              </a:endParaRPr>
-            </a:p>
-          </p:txBody>
-        </p:sp>
-        <p:sp>
-          <p:nvSpPr>
-            <p:cNvPr id="19" name="Shape 2664"/>
-            <p:cNvSpPr/>
-            <p:nvPr/>
-          </p:nvSpPr>
-          <p:spPr>
-            <a:xfrm>
-              <a:off x="4585585" y="2130309"/>
-              <a:ext cx="1304542" cy="711570"/>
-            </a:xfrm>
-            <a:custGeom>
-              <a:avLst/>
-              <a:gdLst/>
-              <a:ahLst/>
-              <a:cxnLst>
-                <a:cxn ang="0">
-                  <a:pos x="wd2" y="hd2"/>
-                </a:cxn>
-                <a:cxn ang="5400000">
-                  <a:pos x="wd2" y="hd2"/>
-                </a:cxn>
-                <a:cxn ang="10800000">
-                  <a:pos x="wd2" y="hd2"/>
-                </a:cxn>
-                <a:cxn ang="16200000">
-                  <a:pos x="wd2" y="hd2"/>
-                </a:cxn>
-              </a:cxnLst>
-              <a:rect l="0" t="0" r="r" b="b"/>
-              <a:pathLst>
-                <a:path w="21600" h="21600" extrusionOk="0">
-                  <a:moveTo>
-                    <a:pt x="19636" y="18000"/>
-                  </a:moveTo>
-                  <a:cubicBezTo>
-                    <a:pt x="19636" y="18995"/>
-                    <a:pt x="19196" y="19800"/>
-                    <a:pt x="18655" y="19800"/>
-                  </a:cubicBezTo>
-                  <a:lnTo>
-                    <a:pt x="1964" y="19800"/>
-                  </a:lnTo>
-                  <a:cubicBezTo>
-                    <a:pt x="1421" y="19800"/>
-                    <a:pt x="982" y="18995"/>
-                    <a:pt x="982" y="18000"/>
-                  </a:cubicBezTo>
-                  <a:lnTo>
-                    <a:pt x="982" y="3600"/>
-                  </a:lnTo>
-                  <a:cubicBezTo>
-                    <a:pt x="982" y="2607"/>
-                    <a:pt x="1421" y="1800"/>
-                    <a:pt x="1964" y="1800"/>
-                  </a:cubicBezTo>
-                  <a:lnTo>
-                    <a:pt x="18655" y="1800"/>
-                  </a:lnTo>
-                  <a:cubicBezTo>
-                    <a:pt x="19196" y="1800"/>
-                    <a:pt x="19636" y="2607"/>
-                    <a:pt x="19636" y="3600"/>
-                  </a:cubicBezTo>
-                  <a:cubicBezTo>
-                    <a:pt x="19636" y="3600"/>
-                    <a:pt x="19636" y="18000"/>
-                    <a:pt x="19636" y="18000"/>
-                  </a:cubicBezTo>
-                  <a:close/>
-                  <a:moveTo>
-                    <a:pt x="20618" y="7200"/>
-                  </a:moveTo>
-                  <a:lnTo>
-                    <a:pt x="20618" y="3600"/>
-                  </a:lnTo>
-                  <a:cubicBezTo>
-                    <a:pt x="20618" y="1612"/>
-                    <a:pt x="19739" y="0"/>
-                    <a:pt x="18655" y="0"/>
-                  </a:cubicBezTo>
-                  <a:lnTo>
-                    <a:pt x="1964" y="0"/>
-                  </a:lnTo>
-                  <a:cubicBezTo>
-                    <a:pt x="879" y="0"/>
-                    <a:pt x="0" y="1612"/>
-                    <a:pt x="0" y="3600"/>
-                  </a:cubicBezTo>
-                  <a:lnTo>
-                    <a:pt x="0" y="18000"/>
-                  </a:lnTo>
-                  <a:cubicBezTo>
-                    <a:pt x="0" y="19989"/>
-                    <a:pt x="879" y="21600"/>
-                    <a:pt x="1964" y="21600"/>
-                  </a:cubicBezTo>
-                  <a:lnTo>
-                    <a:pt x="18655" y="21600"/>
-                  </a:lnTo>
-                  <a:cubicBezTo>
-                    <a:pt x="19739" y="21600"/>
-                    <a:pt x="20618" y="19989"/>
-                    <a:pt x="20618" y="18000"/>
-                  </a:cubicBezTo>
-                  <a:lnTo>
-                    <a:pt x="20618" y="14400"/>
-                  </a:lnTo>
-                  <a:cubicBezTo>
-                    <a:pt x="21160" y="14400"/>
-                    <a:pt x="21600" y="13595"/>
-                    <a:pt x="21600" y="12600"/>
-                  </a:cubicBezTo>
-                  <a:lnTo>
-                    <a:pt x="21600" y="9000"/>
-                  </a:lnTo>
-                  <a:cubicBezTo>
-                    <a:pt x="21600" y="8007"/>
-                    <a:pt x="21160" y="7200"/>
-                    <a:pt x="20618" y="7200"/>
-                  </a:cubicBezTo>
-                </a:path>
-              </a:pathLst>
-            </a:custGeom>
-            <a:solidFill>
-              <a:schemeClr val="tx2"/>
-            </a:solidFill>
-            <a:ln w="12700">
-              <a:miter lim="400000"/>
-            </a:ln>
-          </p:spPr>
-          <p:txBody>
-            <a:bodyPr lIns="38090" tIns="38090" rIns="38090" bIns="38090" anchor="ctr"/>
-            <a:lstStyle/>
-            <a:p>
-              <a:pPr defTabSz="457063">
-                <a:defRPr sz="3000" cap="none">
-                  <a:solidFill>
-                    <a:srgbClr val="FFFFFF"/>
-                  </a:solidFill>
-                  <a:effectLst>
-                    <a:outerShdw blurRad="38100" dist="12700" dir="5400000" rotWithShape="0">
-                      <a:srgbClr val="000000">
-                        <a:alpha val="50000"/>
-                      </a:srgbClr>
-                    </a:outerShdw>
-                  </a:effectLst>
-                  <a:latin typeface="Gill Sans"/>
-                  <a:ea typeface="Gill Sans"/>
-                  <a:cs typeface="Gill Sans"/>
-                  <a:sym typeface="Gill Sans"/>
-                </a:defRPr>
-              </a:pPr>
-              <a:endParaRPr sz="2999"/>
-            </a:p>
-          </p:txBody>
-        </p:sp>
-        <p:sp>
-          <p:nvSpPr>
-            <p:cNvPr id="31" name="Shape 2674"/>
-            <p:cNvSpPr/>
-            <p:nvPr/>
-          </p:nvSpPr>
-          <p:spPr>
-            <a:xfrm>
-              <a:off x="4644881" y="6588956"/>
-              <a:ext cx="1185949" cy="1304540"/>
-            </a:xfrm>
-            <a:custGeom>
-              <a:avLst/>
-              <a:gdLst/>
-              <a:ahLst/>
-              <a:cxnLst>
-                <a:cxn ang="0">
-                  <a:pos x="wd2" y="hd2"/>
-                </a:cxn>
-                <a:cxn ang="5400000">
-                  <a:pos x="wd2" y="hd2"/>
-                </a:cxn>
-                <a:cxn ang="10800000">
-                  <a:pos x="wd2" y="hd2"/>
-                </a:cxn>
-                <a:cxn ang="16200000">
-                  <a:pos x="wd2" y="hd2"/>
-                </a:cxn>
-              </a:cxnLst>
-              <a:rect l="0" t="0" r="r" b="b"/>
-              <a:pathLst>
-                <a:path w="21600" h="21600" extrusionOk="0">
-                  <a:moveTo>
-                    <a:pt x="11880" y="20121"/>
-                  </a:moveTo>
-                  <a:cubicBezTo>
-                    <a:pt x="11880" y="20393"/>
-                    <a:pt x="11637" y="20612"/>
-                    <a:pt x="11337" y="20612"/>
-                  </a:cubicBezTo>
-                  <a:cubicBezTo>
-                    <a:pt x="11181" y="20612"/>
-                    <a:pt x="11043" y="20552"/>
-                    <a:pt x="10944" y="20457"/>
-                  </a:cubicBezTo>
-                  <a:lnTo>
-                    <a:pt x="10941" y="20459"/>
-                  </a:lnTo>
-                  <a:lnTo>
-                    <a:pt x="10800" y="20342"/>
-                  </a:lnTo>
-                  <a:lnTo>
-                    <a:pt x="10800" y="1256"/>
-                  </a:lnTo>
-                  <a:lnTo>
-                    <a:pt x="10958" y="1126"/>
-                  </a:lnTo>
-                  <a:lnTo>
-                    <a:pt x="10960" y="1127"/>
-                  </a:lnTo>
-                  <a:cubicBezTo>
-                    <a:pt x="11057" y="1042"/>
-                    <a:pt x="11190" y="987"/>
-                    <a:pt x="11337" y="987"/>
-                  </a:cubicBezTo>
-                  <a:cubicBezTo>
-                    <a:pt x="11637" y="987"/>
-                    <a:pt x="11880" y="1208"/>
-                    <a:pt x="11880" y="1479"/>
-                  </a:cubicBezTo>
-                  <a:cubicBezTo>
-                    <a:pt x="11880" y="1479"/>
-                    <a:pt x="11880" y="20121"/>
-                    <a:pt x="11880" y="20121"/>
-                  </a:cubicBezTo>
-                  <a:close/>
-                  <a:moveTo>
-                    <a:pt x="9720" y="19448"/>
-                  </a:moveTo>
-                  <a:lnTo>
-                    <a:pt x="4320" y="14979"/>
-                  </a:lnTo>
-                  <a:lnTo>
-                    <a:pt x="4320" y="6606"/>
-                  </a:lnTo>
-                  <a:lnTo>
-                    <a:pt x="4562" y="6407"/>
-                  </a:lnTo>
-                  <a:lnTo>
-                    <a:pt x="4559" y="6406"/>
-                  </a:lnTo>
-                  <a:lnTo>
-                    <a:pt x="9720" y="2147"/>
-                  </a:lnTo>
-                  <a:cubicBezTo>
-                    <a:pt x="9720" y="2147"/>
-                    <a:pt x="9720" y="19448"/>
-                    <a:pt x="9720" y="19448"/>
-                  </a:cubicBezTo>
-                  <a:close/>
-                  <a:moveTo>
-                    <a:pt x="3240" y="14649"/>
-                  </a:moveTo>
-                  <a:cubicBezTo>
-                    <a:pt x="2008" y="14285"/>
-                    <a:pt x="1080" y="12700"/>
-                    <a:pt x="1080" y="10800"/>
-                  </a:cubicBezTo>
-                  <a:cubicBezTo>
-                    <a:pt x="1080" y="8900"/>
-                    <a:pt x="2008" y="7315"/>
-                    <a:pt x="3240" y="6952"/>
-                  </a:cubicBezTo>
-                  <a:cubicBezTo>
-                    <a:pt x="3240" y="6952"/>
-                    <a:pt x="3240" y="14649"/>
-                    <a:pt x="3240" y="14649"/>
-                  </a:cubicBezTo>
-                  <a:close/>
-                  <a:moveTo>
-                    <a:pt x="12966" y="1472"/>
-                  </a:moveTo>
-                  <a:cubicBezTo>
-                    <a:pt x="12966" y="658"/>
-                    <a:pt x="12238" y="0"/>
-                    <a:pt x="11339" y="0"/>
-                  </a:cubicBezTo>
-                  <a:cubicBezTo>
-                    <a:pt x="10880" y="0"/>
-                    <a:pt x="10467" y="174"/>
-                    <a:pt x="10170" y="451"/>
-                  </a:cubicBezTo>
-                  <a:lnTo>
-                    <a:pt x="3565" y="5905"/>
-                  </a:lnTo>
-                  <a:cubicBezTo>
-                    <a:pt x="1578" y="6050"/>
-                    <a:pt x="0" y="8183"/>
-                    <a:pt x="0" y="10800"/>
-                  </a:cubicBezTo>
-                  <a:cubicBezTo>
-                    <a:pt x="0" y="13425"/>
-                    <a:pt x="1588" y="15563"/>
-                    <a:pt x="3585" y="15696"/>
-                  </a:cubicBezTo>
-                  <a:lnTo>
-                    <a:pt x="10170" y="21149"/>
-                  </a:lnTo>
-                  <a:cubicBezTo>
-                    <a:pt x="10466" y="21426"/>
-                    <a:pt x="10879" y="21600"/>
-                    <a:pt x="11339" y="21600"/>
-                  </a:cubicBezTo>
-                  <a:cubicBezTo>
-                    <a:pt x="12238" y="21600"/>
-                    <a:pt x="12966" y="20941"/>
-                    <a:pt x="12966" y="20129"/>
-                  </a:cubicBezTo>
-                  <a:cubicBezTo>
-                    <a:pt x="12966" y="20110"/>
-                    <a:pt x="12961" y="20092"/>
-                    <a:pt x="12960" y="20073"/>
-                  </a:cubicBezTo>
-                  <a:lnTo>
-                    <a:pt x="12960" y="1527"/>
-                  </a:lnTo>
-                  <a:cubicBezTo>
-                    <a:pt x="12961" y="1508"/>
-                    <a:pt x="12966" y="1490"/>
-                    <a:pt x="12966" y="1472"/>
-                  </a:cubicBezTo>
-                  <a:moveTo>
-                    <a:pt x="19124" y="10800"/>
-                  </a:moveTo>
-                  <a:lnTo>
-                    <a:pt x="21442" y="8693"/>
-                  </a:lnTo>
-                  <a:cubicBezTo>
-                    <a:pt x="21540" y="8604"/>
-                    <a:pt x="21600" y="8481"/>
-                    <a:pt x="21600" y="8345"/>
-                  </a:cubicBezTo>
-                  <a:cubicBezTo>
-                    <a:pt x="21600" y="8074"/>
-                    <a:pt x="21358" y="7855"/>
-                    <a:pt x="21060" y="7855"/>
-                  </a:cubicBezTo>
-                  <a:cubicBezTo>
-                    <a:pt x="20911" y="7855"/>
-                    <a:pt x="20776" y="7909"/>
-                    <a:pt x="20678" y="7998"/>
-                  </a:cubicBezTo>
-                  <a:lnTo>
-                    <a:pt x="18360" y="10106"/>
-                  </a:lnTo>
-                  <a:lnTo>
-                    <a:pt x="16042" y="7998"/>
-                  </a:lnTo>
-                  <a:cubicBezTo>
-                    <a:pt x="15944" y="7909"/>
-                    <a:pt x="15809" y="7855"/>
-                    <a:pt x="15660" y="7855"/>
-                  </a:cubicBezTo>
-                  <a:cubicBezTo>
-                    <a:pt x="15362" y="7855"/>
-                    <a:pt x="15120" y="8074"/>
-                    <a:pt x="15120" y="8345"/>
-                  </a:cubicBezTo>
-                  <a:cubicBezTo>
-                    <a:pt x="15120" y="8481"/>
-                    <a:pt x="15180" y="8604"/>
-                    <a:pt x="15278" y="8693"/>
-                  </a:cubicBezTo>
-                  <a:lnTo>
-                    <a:pt x="17596" y="10800"/>
-                  </a:lnTo>
-                  <a:lnTo>
-                    <a:pt x="15278" y="12907"/>
-                  </a:lnTo>
-                  <a:cubicBezTo>
-                    <a:pt x="15180" y="12996"/>
-                    <a:pt x="15120" y="13119"/>
-                    <a:pt x="15120" y="13255"/>
-                  </a:cubicBezTo>
-                  <a:cubicBezTo>
-                    <a:pt x="15120" y="13526"/>
-                    <a:pt x="15362" y="13745"/>
-                    <a:pt x="15660" y="13745"/>
-                  </a:cubicBezTo>
-                  <a:cubicBezTo>
-                    <a:pt x="15809" y="13745"/>
-                    <a:pt x="15944" y="13691"/>
-                    <a:pt x="16042" y="13602"/>
-                  </a:cubicBezTo>
-                  <a:lnTo>
-                    <a:pt x="18360" y="11494"/>
-                  </a:lnTo>
-                  <a:lnTo>
-                    <a:pt x="20678" y="13602"/>
-                  </a:lnTo>
-                  <a:cubicBezTo>
-                    <a:pt x="20776" y="13691"/>
-                    <a:pt x="20911" y="13745"/>
-                    <a:pt x="21060" y="13745"/>
-                  </a:cubicBezTo>
-                  <a:cubicBezTo>
-                    <a:pt x="21358" y="13745"/>
-                    <a:pt x="21600" y="13526"/>
-                    <a:pt x="21600" y="13255"/>
-                  </a:cubicBezTo>
-                  <a:cubicBezTo>
-                    <a:pt x="21600" y="13119"/>
-                    <a:pt x="21540" y="12996"/>
-                    <a:pt x="21442" y="12907"/>
-                  </a:cubicBezTo>
-                  <a:cubicBezTo>
-                    <a:pt x="21442" y="12907"/>
-                    <a:pt x="19124" y="10800"/>
-                    <a:pt x="19124" y="10800"/>
-                  </a:cubicBezTo>
-                  <a:close/>
-                </a:path>
-              </a:pathLst>
-            </a:custGeom>
-            <a:solidFill>
-              <a:schemeClr val="tx2"/>
-            </a:solidFill>
-            <a:ln w="12700">
-              <a:miter lim="400000"/>
-            </a:ln>
-          </p:spPr>
-          <p:txBody>
-            <a:bodyPr lIns="38090" tIns="38090" rIns="38090" bIns="38090" anchor="ctr"/>
-            <a:lstStyle/>
-            <a:p>
-              <a:pPr defTabSz="457063">
-                <a:defRPr sz="3000" cap="none">
-                  <a:solidFill>
-                    <a:srgbClr val="FFFFFF"/>
-                  </a:solidFill>
-                  <a:effectLst>
-                    <a:outerShdw blurRad="38100" dist="12700" dir="5400000" rotWithShape="0">
-                      <a:srgbClr val="000000">
-                        <a:alpha val="50000"/>
-                      </a:srgbClr>
-                    </a:outerShdw>
-                  </a:effectLst>
-                  <a:latin typeface="Gill Sans"/>
-                  <a:ea typeface="Gill Sans"/>
-                  <a:cs typeface="Gill Sans"/>
-                  <a:sym typeface="Gill Sans"/>
-                </a:defRPr>
-              </a:pPr>
-              <a:endParaRPr sz="2999"/>
-            </a:p>
-          </p:txBody>
-        </p:sp>
-        <p:sp>
-          <p:nvSpPr>
-            <p:cNvPr id="29" name="Shape 2665"/>
-            <p:cNvSpPr/>
-            <p:nvPr/>
-          </p:nvSpPr>
-          <p:spPr>
-            <a:xfrm>
-              <a:off x="11560634" y="2130309"/>
-              <a:ext cx="1304542" cy="711570"/>
-            </a:xfrm>
-            <a:custGeom>
-              <a:avLst/>
-              <a:gdLst/>
-              <a:ahLst/>
-              <a:cxnLst>
-                <a:cxn ang="0">
-                  <a:pos x="wd2" y="hd2"/>
-                </a:cxn>
-                <a:cxn ang="5400000">
-                  <a:pos x="wd2" y="hd2"/>
-                </a:cxn>
-                <a:cxn ang="10800000">
-                  <a:pos x="wd2" y="hd2"/>
-                </a:cxn>
-                <a:cxn ang="16200000">
-                  <a:pos x="wd2" y="hd2"/>
-                </a:cxn>
-              </a:cxnLst>
-              <a:rect l="0" t="0" r="r" b="b"/>
-              <a:pathLst>
-                <a:path w="21600" h="21600" extrusionOk="0">
-                  <a:moveTo>
-                    <a:pt x="19636" y="18000"/>
-                  </a:moveTo>
-                  <a:cubicBezTo>
-                    <a:pt x="19636" y="18995"/>
-                    <a:pt x="19196" y="19800"/>
-                    <a:pt x="18655" y="19800"/>
-                  </a:cubicBezTo>
-                  <a:lnTo>
-                    <a:pt x="1964" y="19800"/>
-                  </a:lnTo>
-                  <a:cubicBezTo>
-                    <a:pt x="1422" y="19800"/>
-                    <a:pt x="982" y="18995"/>
-                    <a:pt x="982" y="18000"/>
-                  </a:cubicBezTo>
-                  <a:lnTo>
-                    <a:pt x="982" y="3600"/>
-                  </a:lnTo>
-                  <a:cubicBezTo>
-                    <a:pt x="982" y="2607"/>
-                    <a:pt x="1422" y="1800"/>
-                    <a:pt x="1964" y="1800"/>
-                  </a:cubicBezTo>
-                  <a:lnTo>
-                    <a:pt x="18655" y="1800"/>
-                  </a:lnTo>
-                  <a:cubicBezTo>
-                    <a:pt x="19196" y="1800"/>
-                    <a:pt x="19636" y="2607"/>
-                    <a:pt x="19636" y="3600"/>
-                  </a:cubicBezTo>
-                  <a:cubicBezTo>
-                    <a:pt x="19636" y="3600"/>
-                    <a:pt x="19636" y="18000"/>
-                    <a:pt x="19636" y="18000"/>
-                  </a:cubicBezTo>
-                  <a:close/>
-                  <a:moveTo>
-                    <a:pt x="20618" y="7200"/>
-                  </a:moveTo>
-                  <a:lnTo>
-                    <a:pt x="20618" y="3600"/>
-                  </a:lnTo>
-                  <a:cubicBezTo>
-                    <a:pt x="20618" y="1612"/>
-                    <a:pt x="19739" y="0"/>
-                    <a:pt x="18655" y="0"/>
-                  </a:cubicBezTo>
-                  <a:lnTo>
-                    <a:pt x="1964" y="0"/>
-                  </a:lnTo>
-                  <a:cubicBezTo>
-                    <a:pt x="879" y="0"/>
-                    <a:pt x="0" y="1612"/>
-                    <a:pt x="0" y="3600"/>
-                  </a:cubicBezTo>
-                  <a:lnTo>
-                    <a:pt x="0" y="18000"/>
-                  </a:lnTo>
-                  <a:cubicBezTo>
-                    <a:pt x="0" y="19989"/>
-                    <a:pt x="879" y="21600"/>
-                    <a:pt x="1964" y="21600"/>
-                  </a:cubicBezTo>
-                  <a:lnTo>
-                    <a:pt x="18655" y="21600"/>
-                  </a:lnTo>
-                  <a:cubicBezTo>
-                    <a:pt x="19739" y="21600"/>
-                    <a:pt x="20618" y="19989"/>
-                    <a:pt x="20618" y="18000"/>
-                  </a:cubicBezTo>
-                  <a:lnTo>
-                    <a:pt x="20618" y="14400"/>
-                  </a:lnTo>
-                  <a:cubicBezTo>
-                    <a:pt x="21160" y="14400"/>
-                    <a:pt x="21600" y="13595"/>
-                    <a:pt x="21600" y="12600"/>
-                  </a:cubicBezTo>
-                  <a:lnTo>
-                    <a:pt x="21600" y="9000"/>
-                  </a:lnTo>
-                  <a:cubicBezTo>
-                    <a:pt x="21600" y="8007"/>
-                    <a:pt x="21160" y="7200"/>
-                    <a:pt x="20618" y="7200"/>
-                  </a:cubicBezTo>
-                  <a:moveTo>
-                    <a:pt x="1964" y="18000"/>
-                  </a:moveTo>
-                  <a:lnTo>
-                    <a:pt x="6873" y="18000"/>
-                  </a:lnTo>
-                  <a:lnTo>
-                    <a:pt x="6873" y="3600"/>
-                  </a:lnTo>
-                  <a:lnTo>
-                    <a:pt x="1964" y="3600"/>
-                  </a:lnTo>
-                  <a:cubicBezTo>
-                    <a:pt x="1964" y="3600"/>
-                    <a:pt x="1964" y="18000"/>
-                    <a:pt x="1964" y="18000"/>
-                  </a:cubicBezTo>
-                  <a:close/>
-                </a:path>
-              </a:pathLst>
-            </a:custGeom>
-            <a:solidFill>
-              <a:schemeClr val="tx2"/>
-            </a:solidFill>
-            <a:ln w="12700">
-              <a:miter lim="400000"/>
-            </a:ln>
-          </p:spPr>
-          <p:txBody>
-            <a:bodyPr lIns="38090" tIns="38090" rIns="38090" bIns="38090" anchor="ctr"/>
-            <a:lstStyle/>
-            <a:p>
-              <a:pPr defTabSz="457063">
-                <a:defRPr sz="3000" cap="none">
-                  <a:solidFill>
-                    <a:srgbClr val="FFFFFF"/>
-                  </a:solidFill>
-                  <a:effectLst>
-                    <a:outerShdw blurRad="38100" dist="12700" dir="5400000" rotWithShape="0">
-                      <a:srgbClr val="000000">
-                        <a:alpha val="50000"/>
-                      </a:srgbClr>
-                    </a:outerShdw>
-                  </a:effectLst>
-                  <a:latin typeface="Gill Sans"/>
-                  <a:ea typeface="Gill Sans"/>
-                  <a:cs typeface="Gill Sans"/>
-                  <a:sym typeface="Gill Sans"/>
-                </a:defRPr>
-              </a:pPr>
-              <a:endParaRPr sz="2999"/>
-            </a:p>
-          </p:txBody>
-        </p:sp>
-        <p:sp>
-          <p:nvSpPr>
-            <p:cNvPr id="30" name="Shape 2666"/>
-            <p:cNvSpPr/>
-            <p:nvPr/>
-          </p:nvSpPr>
-          <p:spPr>
-            <a:xfrm>
-              <a:off x="18475021" y="2130309"/>
-              <a:ext cx="1304542" cy="711570"/>
-            </a:xfrm>
-            <a:custGeom>
-              <a:avLst/>
-              <a:gdLst/>
-              <a:ahLst/>
-              <a:cxnLst>
-                <a:cxn ang="0">
-                  <a:pos x="wd2" y="hd2"/>
-                </a:cxn>
-                <a:cxn ang="5400000">
-                  <a:pos x="wd2" y="hd2"/>
-                </a:cxn>
-                <a:cxn ang="10800000">
-                  <a:pos x="wd2" y="hd2"/>
-                </a:cxn>
-                <a:cxn ang="16200000">
-                  <a:pos x="wd2" y="hd2"/>
-                </a:cxn>
-              </a:cxnLst>
-              <a:rect l="0" t="0" r="r" b="b"/>
-              <a:pathLst>
-                <a:path w="21600" h="21600" extrusionOk="0">
-                  <a:moveTo>
-                    <a:pt x="19636" y="18000"/>
-                  </a:moveTo>
-                  <a:cubicBezTo>
-                    <a:pt x="19636" y="18995"/>
-                    <a:pt x="19196" y="19800"/>
-                    <a:pt x="18655" y="19800"/>
-                  </a:cubicBezTo>
-                  <a:lnTo>
-                    <a:pt x="1964" y="19800"/>
-                  </a:lnTo>
-                  <a:cubicBezTo>
-                    <a:pt x="1422" y="19800"/>
-                    <a:pt x="982" y="18995"/>
-                    <a:pt x="982" y="18000"/>
-                  </a:cubicBezTo>
-                  <a:lnTo>
-                    <a:pt x="982" y="3600"/>
-                  </a:lnTo>
-                  <a:cubicBezTo>
-                    <a:pt x="982" y="2607"/>
-                    <a:pt x="1422" y="1800"/>
-                    <a:pt x="1964" y="1800"/>
-                  </a:cubicBezTo>
-                  <a:lnTo>
-                    <a:pt x="18655" y="1800"/>
-                  </a:lnTo>
-                  <a:cubicBezTo>
-                    <a:pt x="19196" y="1800"/>
-                    <a:pt x="19636" y="2607"/>
-                    <a:pt x="19636" y="3600"/>
-                  </a:cubicBezTo>
-                  <a:cubicBezTo>
-                    <a:pt x="19636" y="3600"/>
-                    <a:pt x="19636" y="18000"/>
-                    <a:pt x="19636" y="18000"/>
-                  </a:cubicBezTo>
-                  <a:close/>
-                  <a:moveTo>
-                    <a:pt x="20618" y="7200"/>
-                  </a:moveTo>
-                  <a:lnTo>
-                    <a:pt x="20618" y="3600"/>
-                  </a:lnTo>
-                  <a:cubicBezTo>
-                    <a:pt x="20618" y="1612"/>
-                    <a:pt x="19739" y="0"/>
-                    <a:pt x="18655" y="0"/>
-                  </a:cubicBezTo>
-                  <a:lnTo>
-                    <a:pt x="1964" y="0"/>
-                  </a:lnTo>
-                  <a:cubicBezTo>
-                    <a:pt x="879" y="0"/>
-                    <a:pt x="0" y="1612"/>
-                    <a:pt x="0" y="3600"/>
-                  </a:cubicBezTo>
-                  <a:lnTo>
-                    <a:pt x="0" y="18000"/>
-                  </a:lnTo>
-                  <a:cubicBezTo>
-                    <a:pt x="0" y="19989"/>
-                    <a:pt x="879" y="21600"/>
-                    <a:pt x="1964" y="21600"/>
-                  </a:cubicBezTo>
-                  <a:lnTo>
-                    <a:pt x="18655" y="21600"/>
-                  </a:lnTo>
-                  <a:cubicBezTo>
-                    <a:pt x="19739" y="21600"/>
-                    <a:pt x="20618" y="19989"/>
-                    <a:pt x="20618" y="18000"/>
-                  </a:cubicBezTo>
-                  <a:lnTo>
-                    <a:pt x="20618" y="14400"/>
-                  </a:lnTo>
-                  <a:cubicBezTo>
-                    <a:pt x="21160" y="14400"/>
-                    <a:pt x="21600" y="13595"/>
-                    <a:pt x="21600" y="12600"/>
-                  </a:cubicBezTo>
-                  <a:lnTo>
-                    <a:pt x="21600" y="9000"/>
-                  </a:lnTo>
-                  <a:cubicBezTo>
-                    <a:pt x="21600" y="8007"/>
-                    <a:pt x="21160" y="7200"/>
-                    <a:pt x="20618" y="7200"/>
-                  </a:cubicBezTo>
-                  <a:moveTo>
-                    <a:pt x="1964" y="18000"/>
-                  </a:moveTo>
-                  <a:lnTo>
-                    <a:pt x="10800" y="18000"/>
-                  </a:lnTo>
-                  <a:lnTo>
-                    <a:pt x="10800" y="3600"/>
-                  </a:lnTo>
-                  <a:lnTo>
-                    <a:pt x="1964" y="3600"/>
-                  </a:lnTo>
-                  <a:cubicBezTo>
-                    <a:pt x="1964" y="3600"/>
-                    <a:pt x="1964" y="18000"/>
-                    <a:pt x="1964" y="18000"/>
-                  </a:cubicBezTo>
-                  <a:close/>
-                </a:path>
-              </a:pathLst>
-            </a:custGeom>
-            <a:solidFill>
-              <a:schemeClr val="tx2"/>
-            </a:solidFill>
-            <a:ln w="12700">
-              <a:miter lim="400000"/>
-            </a:ln>
-          </p:spPr>
-          <p:txBody>
-            <a:bodyPr lIns="38090" tIns="38090" rIns="38090" bIns="38090" anchor="ctr"/>
-            <a:lstStyle/>
-            <a:p>
-              <a:pPr defTabSz="457063">
-                <a:defRPr sz="3000" cap="none">
-                  <a:solidFill>
-                    <a:srgbClr val="FFFFFF"/>
-                  </a:solidFill>
-                  <a:effectLst>
-                    <a:outerShdw blurRad="38100" dist="12700" dir="5400000" rotWithShape="0">
-                      <a:srgbClr val="000000">
-                        <a:alpha val="50000"/>
-                      </a:srgbClr>
-                    </a:outerShdw>
-                  </a:effectLst>
-                  <a:latin typeface="Gill Sans"/>
-                  <a:ea typeface="Gill Sans"/>
-                  <a:cs typeface="Gill Sans"/>
-                  <a:sym typeface="Gill Sans"/>
-                </a:defRPr>
-              </a:pPr>
-              <a:endParaRPr sz="2999"/>
-            </a:p>
-          </p:txBody>
-        </p:sp>
-        <p:sp>
-          <p:nvSpPr>
-            <p:cNvPr id="32" name="Shape 2675"/>
-            <p:cNvSpPr/>
-            <p:nvPr/>
-          </p:nvSpPr>
-          <p:spPr>
-            <a:xfrm>
-              <a:off x="11857118" y="6588956"/>
-              <a:ext cx="711919" cy="1304540"/>
-            </a:xfrm>
-            <a:custGeom>
-              <a:avLst/>
-              <a:gdLst/>
-              <a:ahLst/>
-              <a:cxnLst>
-                <a:cxn ang="0">
-                  <a:pos x="wd2" y="hd2"/>
-                </a:cxn>
-                <a:cxn ang="5400000">
-                  <a:pos x="wd2" y="hd2"/>
-                </a:cxn>
-                <a:cxn ang="10800000">
-                  <a:pos x="wd2" y="hd2"/>
-                </a:cxn>
-                <a:cxn ang="16200000">
-                  <a:pos x="wd2" y="hd2"/>
-                </a:cxn>
-              </a:cxnLst>
-              <a:rect l="0" t="0" r="r" b="b"/>
-              <a:pathLst>
-                <a:path w="21600" h="21600" extrusionOk="0">
-                  <a:moveTo>
-                    <a:pt x="19790" y="20121"/>
-                  </a:moveTo>
-                  <a:cubicBezTo>
-                    <a:pt x="19790" y="20393"/>
-                    <a:pt x="19385" y="20612"/>
-                    <a:pt x="18886" y="20612"/>
-                  </a:cubicBezTo>
-                  <a:cubicBezTo>
-                    <a:pt x="18626" y="20612"/>
-                    <a:pt x="18396" y="20552"/>
-                    <a:pt x="18231" y="20457"/>
-                  </a:cubicBezTo>
-                  <a:lnTo>
-                    <a:pt x="18227" y="20459"/>
-                  </a:lnTo>
-                  <a:lnTo>
-                    <a:pt x="17991" y="20342"/>
-                  </a:lnTo>
-                  <a:lnTo>
-                    <a:pt x="17991" y="1256"/>
-                  </a:lnTo>
-                  <a:lnTo>
-                    <a:pt x="18255" y="1126"/>
-                  </a:lnTo>
-                  <a:lnTo>
-                    <a:pt x="18258" y="1127"/>
-                  </a:lnTo>
-                  <a:cubicBezTo>
-                    <a:pt x="18421" y="1042"/>
-                    <a:pt x="18641" y="987"/>
-                    <a:pt x="18886" y="987"/>
-                  </a:cubicBezTo>
-                  <a:cubicBezTo>
-                    <a:pt x="19385" y="987"/>
-                    <a:pt x="19790" y="1208"/>
-                    <a:pt x="19790" y="1479"/>
-                  </a:cubicBezTo>
-                  <a:cubicBezTo>
-                    <a:pt x="19790" y="1479"/>
-                    <a:pt x="19790" y="20121"/>
-                    <a:pt x="19790" y="20121"/>
-                  </a:cubicBezTo>
-                  <a:close/>
-                  <a:moveTo>
-                    <a:pt x="16192" y="19448"/>
-                  </a:moveTo>
-                  <a:lnTo>
-                    <a:pt x="7196" y="14978"/>
-                  </a:lnTo>
-                  <a:lnTo>
-                    <a:pt x="7196" y="6607"/>
-                  </a:lnTo>
-                  <a:lnTo>
-                    <a:pt x="7599" y="6407"/>
-                  </a:lnTo>
-                  <a:lnTo>
-                    <a:pt x="7595" y="6406"/>
-                  </a:lnTo>
-                  <a:lnTo>
-                    <a:pt x="16192" y="2147"/>
-                  </a:lnTo>
-                  <a:cubicBezTo>
-                    <a:pt x="16192" y="2147"/>
-                    <a:pt x="16192" y="19448"/>
-                    <a:pt x="16192" y="19448"/>
-                  </a:cubicBezTo>
-                  <a:close/>
-                  <a:moveTo>
-                    <a:pt x="5397" y="14648"/>
-                  </a:moveTo>
-                  <a:cubicBezTo>
-                    <a:pt x="3344" y="14284"/>
-                    <a:pt x="1799" y="12700"/>
-                    <a:pt x="1799" y="10800"/>
-                  </a:cubicBezTo>
-                  <a:cubicBezTo>
-                    <a:pt x="1799" y="8900"/>
-                    <a:pt x="3344" y="7315"/>
-                    <a:pt x="5397" y="6952"/>
-                  </a:cubicBezTo>
-                  <a:cubicBezTo>
-                    <a:pt x="5397" y="6952"/>
-                    <a:pt x="5397" y="14648"/>
-                    <a:pt x="5397" y="14648"/>
-                  </a:cubicBezTo>
-                  <a:close/>
-                  <a:moveTo>
-                    <a:pt x="21589" y="1527"/>
-                  </a:moveTo>
-                  <a:cubicBezTo>
-                    <a:pt x="21591" y="1508"/>
-                    <a:pt x="21600" y="1490"/>
-                    <a:pt x="21600" y="1472"/>
-                  </a:cubicBezTo>
-                  <a:cubicBezTo>
-                    <a:pt x="21600" y="658"/>
-                    <a:pt x="20386" y="0"/>
-                    <a:pt x="18889" y="0"/>
-                  </a:cubicBezTo>
-                  <a:cubicBezTo>
-                    <a:pt x="18123" y="0"/>
-                    <a:pt x="17435" y="174"/>
-                    <a:pt x="16942" y="451"/>
-                  </a:cubicBezTo>
-                  <a:lnTo>
-                    <a:pt x="5939" y="5905"/>
-                  </a:lnTo>
-                  <a:cubicBezTo>
-                    <a:pt x="2628" y="6050"/>
-                    <a:pt x="0" y="8183"/>
-                    <a:pt x="0" y="10800"/>
-                  </a:cubicBezTo>
-                  <a:cubicBezTo>
-                    <a:pt x="0" y="13425"/>
-                    <a:pt x="2646" y="15563"/>
-                    <a:pt x="5972" y="15696"/>
-                  </a:cubicBezTo>
-                  <a:lnTo>
-                    <a:pt x="16942" y="21148"/>
-                  </a:lnTo>
-                  <a:cubicBezTo>
-                    <a:pt x="17434" y="21426"/>
-                    <a:pt x="18123" y="21600"/>
-                    <a:pt x="18889" y="21600"/>
-                  </a:cubicBezTo>
-                  <a:cubicBezTo>
-                    <a:pt x="20386" y="21600"/>
-                    <a:pt x="21600" y="20941"/>
-                    <a:pt x="21600" y="20129"/>
-                  </a:cubicBezTo>
-                  <a:cubicBezTo>
-                    <a:pt x="21600" y="20110"/>
-                    <a:pt x="21591" y="20092"/>
-                    <a:pt x="21589" y="20073"/>
-                  </a:cubicBezTo>
-                  <a:cubicBezTo>
-                    <a:pt x="21589" y="20073"/>
-                    <a:pt x="21589" y="1527"/>
-                    <a:pt x="21589" y="1527"/>
-                  </a:cubicBezTo>
-                  <a:close/>
-                </a:path>
-              </a:pathLst>
-            </a:custGeom>
-            <a:solidFill>
-              <a:schemeClr val="tx2"/>
-            </a:solidFill>
-            <a:ln w="12700">
-              <a:miter lim="400000"/>
-            </a:ln>
-          </p:spPr>
-          <p:txBody>
-            <a:bodyPr lIns="38090" tIns="38090" rIns="38090" bIns="38090" anchor="ctr"/>
-            <a:lstStyle/>
-            <a:p>
-              <a:pPr defTabSz="457063">
-                <a:defRPr sz="3000" cap="none">
-                  <a:solidFill>
-                    <a:srgbClr val="FFFFFF"/>
-                  </a:solidFill>
-                  <a:effectLst>
-                    <a:outerShdw blurRad="38100" dist="12700" dir="5400000" rotWithShape="0">
-                      <a:srgbClr val="000000">
-                        <a:alpha val="50000"/>
-                      </a:srgbClr>
-                    </a:outerShdw>
-                  </a:effectLst>
-                  <a:latin typeface="Gill Sans"/>
-                  <a:ea typeface="Gill Sans"/>
-                  <a:cs typeface="Gill Sans"/>
-                  <a:sym typeface="Gill Sans"/>
-                </a:defRPr>
-              </a:pPr>
-              <a:endParaRPr sz="2999"/>
-            </a:p>
-          </p:txBody>
-        </p:sp>
-        <p:sp>
-          <p:nvSpPr>
-            <p:cNvPr id="33" name="Shape 2676"/>
-            <p:cNvSpPr/>
-            <p:nvPr/>
-          </p:nvSpPr>
-          <p:spPr>
-            <a:xfrm>
-              <a:off x="18652913" y="6588956"/>
-              <a:ext cx="948759" cy="1304540"/>
-            </a:xfrm>
-            <a:custGeom>
-              <a:avLst/>
-              <a:gdLst/>
-              <a:ahLst/>
-              <a:cxnLst>
-                <a:cxn ang="0">
-                  <a:pos x="wd2" y="hd2"/>
-                </a:cxn>
-                <a:cxn ang="5400000">
-                  <a:pos x="wd2" y="hd2"/>
-                </a:cxn>
-                <a:cxn ang="10800000">
-                  <a:pos x="wd2" y="hd2"/>
-                </a:cxn>
-                <a:cxn ang="16200000">
-                  <a:pos x="wd2" y="hd2"/>
-                </a:cxn>
-              </a:cxnLst>
-              <a:rect l="0" t="0" r="r" b="b"/>
-              <a:pathLst>
-                <a:path w="21600" h="21600" extrusionOk="0">
-                  <a:moveTo>
-                    <a:pt x="14850" y="20121"/>
-                  </a:moveTo>
-                  <a:cubicBezTo>
-                    <a:pt x="14850" y="20393"/>
-                    <a:pt x="14546" y="20612"/>
-                    <a:pt x="14171" y="20612"/>
-                  </a:cubicBezTo>
-                  <a:cubicBezTo>
-                    <a:pt x="13977" y="20612"/>
-                    <a:pt x="13804" y="20552"/>
-                    <a:pt x="13680" y="20457"/>
-                  </a:cubicBezTo>
-                  <a:lnTo>
-                    <a:pt x="13677" y="20459"/>
-                  </a:lnTo>
-                  <a:lnTo>
-                    <a:pt x="13500" y="20342"/>
-                  </a:lnTo>
-                  <a:lnTo>
-                    <a:pt x="13500" y="1256"/>
-                  </a:lnTo>
-                  <a:lnTo>
-                    <a:pt x="13698" y="1126"/>
-                  </a:lnTo>
-                  <a:lnTo>
-                    <a:pt x="13700" y="1127"/>
-                  </a:lnTo>
-                  <a:cubicBezTo>
-                    <a:pt x="13822" y="1042"/>
-                    <a:pt x="13988" y="987"/>
-                    <a:pt x="14171" y="987"/>
-                  </a:cubicBezTo>
-                  <a:cubicBezTo>
-                    <a:pt x="14546" y="987"/>
-                    <a:pt x="14850" y="1208"/>
-                    <a:pt x="14850" y="1479"/>
-                  </a:cubicBezTo>
-                  <a:cubicBezTo>
-                    <a:pt x="14850" y="1479"/>
-                    <a:pt x="14850" y="20121"/>
-                    <a:pt x="14850" y="20121"/>
-                  </a:cubicBezTo>
-                  <a:close/>
-                  <a:moveTo>
-                    <a:pt x="12150" y="19448"/>
-                  </a:moveTo>
-                  <a:lnTo>
-                    <a:pt x="5400" y="14978"/>
-                  </a:lnTo>
-                  <a:lnTo>
-                    <a:pt x="5400" y="6607"/>
-                  </a:lnTo>
-                  <a:lnTo>
-                    <a:pt x="5702" y="6407"/>
-                  </a:lnTo>
-                  <a:lnTo>
-                    <a:pt x="5699" y="6406"/>
-                  </a:lnTo>
-                  <a:lnTo>
-                    <a:pt x="12150" y="2147"/>
-                  </a:lnTo>
-                  <a:cubicBezTo>
-                    <a:pt x="12150" y="2147"/>
-                    <a:pt x="12150" y="19448"/>
-                    <a:pt x="12150" y="19448"/>
-                  </a:cubicBezTo>
-                  <a:close/>
-                  <a:moveTo>
-                    <a:pt x="4050" y="14648"/>
-                  </a:moveTo>
-                  <a:cubicBezTo>
-                    <a:pt x="2509" y="14284"/>
-                    <a:pt x="1350" y="12700"/>
-                    <a:pt x="1350" y="10800"/>
-                  </a:cubicBezTo>
-                  <a:cubicBezTo>
-                    <a:pt x="1350" y="8900"/>
-                    <a:pt x="2509" y="7315"/>
-                    <a:pt x="4050" y="6952"/>
-                  </a:cubicBezTo>
-                  <a:cubicBezTo>
-                    <a:pt x="4050" y="6952"/>
-                    <a:pt x="4050" y="14648"/>
-                    <a:pt x="4050" y="14648"/>
-                  </a:cubicBezTo>
-                  <a:close/>
-                  <a:moveTo>
-                    <a:pt x="16208" y="1472"/>
-                  </a:moveTo>
-                  <a:cubicBezTo>
-                    <a:pt x="16208" y="658"/>
-                    <a:pt x="15297" y="0"/>
-                    <a:pt x="14174" y="0"/>
-                  </a:cubicBezTo>
-                  <a:cubicBezTo>
-                    <a:pt x="13599" y="0"/>
-                    <a:pt x="13083" y="174"/>
-                    <a:pt x="12713" y="451"/>
-                  </a:cubicBezTo>
-                  <a:lnTo>
-                    <a:pt x="4456" y="5905"/>
-                  </a:lnTo>
-                  <a:cubicBezTo>
-                    <a:pt x="1972" y="6050"/>
-                    <a:pt x="0" y="8183"/>
-                    <a:pt x="0" y="10800"/>
-                  </a:cubicBezTo>
-                  <a:cubicBezTo>
-                    <a:pt x="0" y="13425"/>
-                    <a:pt x="1985" y="15563"/>
-                    <a:pt x="4481" y="15696"/>
-                  </a:cubicBezTo>
-                  <a:lnTo>
-                    <a:pt x="12713" y="21148"/>
-                  </a:lnTo>
-                  <a:cubicBezTo>
-                    <a:pt x="13083" y="21426"/>
-                    <a:pt x="13599" y="21600"/>
-                    <a:pt x="14174" y="21600"/>
-                  </a:cubicBezTo>
-                  <a:cubicBezTo>
-                    <a:pt x="15297" y="21600"/>
-                    <a:pt x="16208" y="20941"/>
-                    <a:pt x="16208" y="20129"/>
-                  </a:cubicBezTo>
-                  <a:cubicBezTo>
-                    <a:pt x="16208" y="20110"/>
-                    <a:pt x="16201" y="20092"/>
-                    <a:pt x="16200" y="20073"/>
-                  </a:cubicBezTo>
-                  <a:lnTo>
-                    <a:pt x="16200" y="1527"/>
-                  </a:lnTo>
-                  <a:cubicBezTo>
-                    <a:pt x="16201" y="1508"/>
-                    <a:pt x="16208" y="1490"/>
-                    <a:pt x="16208" y="1472"/>
-                  </a:cubicBezTo>
-                  <a:moveTo>
-                    <a:pt x="18225" y="7855"/>
-                  </a:moveTo>
-                  <a:cubicBezTo>
-                    <a:pt x="17852" y="7855"/>
-                    <a:pt x="17550" y="8074"/>
-                    <a:pt x="17550" y="8345"/>
-                  </a:cubicBezTo>
-                  <a:cubicBezTo>
-                    <a:pt x="17550" y="8617"/>
-                    <a:pt x="17852" y="8836"/>
-                    <a:pt x="18225" y="8836"/>
-                  </a:cubicBezTo>
-                  <a:cubicBezTo>
-                    <a:pt x="19344" y="8836"/>
-                    <a:pt x="20250" y="9716"/>
-                    <a:pt x="20250" y="10800"/>
-                  </a:cubicBezTo>
-                  <a:cubicBezTo>
-                    <a:pt x="20250" y="11884"/>
-                    <a:pt x="19344" y="12764"/>
-                    <a:pt x="18225" y="12764"/>
-                  </a:cubicBezTo>
-                  <a:cubicBezTo>
-                    <a:pt x="17852" y="12764"/>
-                    <a:pt x="17550" y="12983"/>
-                    <a:pt x="17550" y="13255"/>
-                  </a:cubicBezTo>
-                  <a:cubicBezTo>
-                    <a:pt x="17550" y="13526"/>
-                    <a:pt x="17852" y="13745"/>
-                    <a:pt x="18225" y="13745"/>
-                  </a:cubicBezTo>
-                  <a:cubicBezTo>
-                    <a:pt x="20089" y="13745"/>
-                    <a:pt x="21600" y="12426"/>
-                    <a:pt x="21600" y="10800"/>
-                  </a:cubicBezTo>
-                  <a:cubicBezTo>
-                    <a:pt x="21600" y="9173"/>
-                    <a:pt x="20089" y="7855"/>
-                    <a:pt x="18225" y="7855"/>
-                  </a:cubicBezTo>
-                </a:path>
-              </a:pathLst>
-            </a:custGeom>
-            <a:solidFill>
-              <a:schemeClr val="tx2"/>
-            </a:solidFill>
-            <a:ln w="12700">
-              <a:miter lim="400000"/>
-            </a:ln>
-          </p:spPr>
-          <p:txBody>
-            <a:bodyPr lIns="38090" tIns="38090" rIns="38090" bIns="38090" anchor="ctr"/>
-            <a:lstStyle/>
-            <a:p>
-              <a:pPr defTabSz="457063">
-                <a:defRPr sz="3000" cap="none">
-                  <a:solidFill>
-                    <a:srgbClr val="FFFFFF"/>
-                  </a:solidFill>
-                  <a:effectLst>
-                    <a:outerShdw blurRad="38100" dist="12700" dir="5400000" rotWithShape="0">
-                      <a:srgbClr val="000000">
-                        <a:alpha val="50000"/>
-                      </a:srgbClr>
-                    </a:outerShdw>
-                  </a:effectLst>
-                  <a:latin typeface="Gill Sans"/>
-                  <a:ea typeface="Gill Sans"/>
-                  <a:cs typeface="Gill Sans"/>
-                  <a:sym typeface="Gill Sans"/>
-                </a:defRPr>
-              </a:pPr>
-              <a:endParaRPr sz="2999"/>
-            </a:p>
-          </p:txBody>
-        </p:sp>
-      </p:grpSp>
-    </p:spTree>
-    <p:extLst>
-      <p:ext uri="{BB962C8B-B14F-4D97-AF65-F5344CB8AC3E}">
-        <p14:creationId xmlns:p14="http://schemas.microsoft.com/office/powerpoint/2010/main" val="605105524"/>
-      </p:ext>
-    </p:extLst>
-  </p:cSld>
-  <p:clrMapOvr>
-    <a:masterClrMapping/>
-  </p:clrMapOvr>
-</p:sld>
-</file>
-
-<file path=ppt/slides/slide5.xml><?xml version="1.0" encoding="utf-8"?>
-<p:sld xmlns:a="http://schemas.openxmlformats.org/drawingml/2006/main" xmlns:r="http://schemas.openxmlformats.org/officeDocument/2006/relationships" xmlns:p="http://schemas.openxmlformats.org/presentationml/2006/main">
-  <p:cSld>
-    <p:spTree>
-      <p:nvGrpSpPr>
-        <p:cNvPr id="1" name=""/>
-        <p:cNvGrpSpPr/>
-        <p:nvPr/>
-      </p:nvGrpSpPr>
-      <p:grpSpPr>
-        <a:xfrm>
-          <a:off x="0" y="0"/>
-          <a:ext cx="0" cy="0"/>
-          <a:chOff x="0" y="0"/>
-          <a:chExt cx="0" cy="0"/>
-        </a:xfrm>
-      </p:grpSpPr>
       <p:sp>
         <p:nvSpPr>
           <p:cNvPr id="21" name="TextBox 20"/>
@@ -6146,8 +4479,8 @@
         </p:nvSpPr>
         <p:spPr>
           <a:xfrm>
-            <a:off x="7444698" y="1390006"/>
-            <a:ext cx="9517349" cy="1107996"/>
+            <a:off x="5520301" y="1390006"/>
+            <a:ext cx="13366160" cy="1107996"/>
           </a:xfrm>
           <a:prstGeom prst="rect">
             <a:avLst/>
@@ -6170,7 +4503,7 @@
                 <a:ea typeface="Montserrat" charset="0"/>
                 <a:cs typeface="Montserrat" charset="0"/>
               </a:rPr>
-              <a:t>DIAGRAM SECTION</a:t>
+              <a:t>PARAMETER IMPORTANCE</a:t>
             </a:r>
             <a:endParaRPr lang="en-US" sz="9600" spc="600" dirty="0">
               <a:solidFill>
@@ -8777,7 +7110,926 @@
     </p:spTree>
     <p:extLst>
       <p:ext uri="{BB962C8B-B14F-4D97-AF65-F5344CB8AC3E}">
-        <p14:creationId xmlns:p14="http://schemas.microsoft.com/office/powerpoint/2010/main" val="891029449"/>
+        <p14:creationId xmlns:p14="http://schemas.microsoft.com/office/powerpoint/2010/main" val="2035208088"/>
+      </p:ext>
+    </p:extLst>
+  </p:cSld>
+  <p:clrMapOvr>
+    <a:masterClrMapping/>
+  </p:clrMapOvr>
+</p:sld>
+</file>
+
+<file path=ppt/slides/slide5.xml><?xml version="1.0" encoding="utf-8"?>
+<p:sld xmlns:a="http://schemas.openxmlformats.org/drawingml/2006/main" xmlns:r="http://schemas.openxmlformats.org/officeDocument/2006/relationships" xmlns:p="http://schemas.openxmlformats.org/presentationml/2006/main">
+  <p:cSld>
+    <p:spTree>
+      <p:nvGrpSpPr>
+        <p:cNvPr id="1" name=""/>
+        <p:cNvGrpSpPr/>
+        <p:nvPr/>
+      </p:nvGrpSpPr>
+      <p:grpSpPr>
+        <a:xfrm>
+          <a:off x="0" y="0"/>
+          <a:ext cx="0" cy="0"/>
+          <a:chOff x="0" y="0"/>
+          <a:chExt cx="0" cy="0"/>
+        </a:xfrm>
+      </p:grpSpPr>
+      <p:sp>
+        <p:nvSpPr>
+          <p:cNvPr id="5" name="TextBox 4"/>
+          <p:cNvSpPr txBox="1"/>
+          <p:nvPr/>
+        </p:nvSpPr>
+        <p:spPr>
+          <a:xfrm>
+            <a:off x="6827009" y="1847206"/>
+            <a:ext cx="10723631" cy="1107996"/>
+          </a:xfrm>
+          <a:prstGeom prst="rect">
+            <a:avLst/>
+          </a:prstGeom>
+          <a:noFill/>
+        </p:spPr>
+        <p:txBody>
+          <a:bodyPr wrap="square" rtlCol="0">
+            <a:spAutoFit/>
+          </a:bodyPr>
+          <a:lstStyle/>
+          <a:p>
+            <a:pPr algn="ctr"/>
+            <a:r>
+              <a:rPr lang="en-US" sz="6600" spc="600" dirty="0">
+                <a:solidFill>
+                  <a:schemeClr val="tx2"/>
+                </a:solidFill>
+                <a:latin typeface="Montserrat" charset="0"/>
+                <a:ea typeface="Montserrat" charset="0"/>
+                <a:cs typeface="Montserrat" charset="0"/>
+              </a:rPr>
+              <a:t>BULLETED LIST TEXT</a:t>
+            </a:r>
+            <a:endParaRPr lang="en-US" sz="9600" spc="600" dirty="0">
+              <a:solidFill>
+                <a:schemeClr val="tx2"/>
+              </a:solidFill>
+              <a:latin typeface="Montserrat" charset="0"/>
+              <a:ea typeface="Montserrat" charset="0"/>
+              <a:cs typeface="Montserrat" charset="0"/>
+            </a:endParaRPr>
+          </a:p>
+        </p:txBody>
+      </p:sp>
+      <p:sp>
+        <p:nvSpPr>
+          <p:cNvPr id="8" name="TextBox 7"/>
+          <p:cNvSpPr txBox="1"/>
+          <p:nvPr/>
+        </p:nvSpPr>
+        <p:spPr>
+          <a:xfrm>
+            <a:off x="9054877" y="1387068"/>
+            <a:ext cx="6267894" cy="338554"/>
+          </a:xfrm>
+          <a:prstGeom prst="rect">
+            <a:avLst/>
+          </a:prstGeom>
+          <a:noFill/>
+        </p:spPr>
+        <p:txBody>
+          <a:bodyPr wrap="square" rtlCol="0">
+            <a:spAutoFit/>
+          </a:bodyPr>
+          <a:lstStyle/>
+          <a:p>
+            <a:pPr algn="ctr"/>
+            <a:r>
+              <a:rPr lang="en-US" sz="1600" spc="1200" dirty="0">
+                <a:solidFill>
+                  <a:schemeClr val="tx2"/>
+                </a:solidFill>
+                <a:latin typeface="Montserrat" charset="0"/>
+                <a:ea typeface="Montserrat" charset="0"/>
+                <a:cs typeface="Montserrat" charset="0"/>
+              </a:rPr>
+              <a:t>YOU CAN WRITE HERE</a:t>
+            </a:r>
+          </a:p>
+        </p:txBody>
+      </p:sp>
+      <p:grpSp>
+        <p:nvGrpSpPr>
+          <p:cNvPr id="2" name="Group 1"/>
+          <p:cNvGrpSpPr/>
+          <p:nvPr/>
+        </p:nvGrpSpPr>
+        <p:grpSpPr>
+          <a:xfrm>
+            <a:off x="3695892" y="4309397"/>
+            <a:ext cx="17072722" cy="1747923"/>
+            <a:chOff x="3276792" y="4309397"/>
+            <a:chExt cx="17072722" cy="1747923"/>
+          </a:xfrm>
+        </p:grpSpPr>
+        <p:sp>
+          <p:nvSpPr>
+            <p:cNvPr id="9" name="TextBox 8"/>
+            <p:cNvSpPr txBox="1"/>
+            <p:nvPr/>
+          </p:nvSpPr>
+          <p:spPr>
+            <a:xfrm>
+              <a:off x="4103022" y="5041657"/>
+              <a:ext cx="16246492" cy="1015663"/>
+            </a:xfrm>
+            <a:prstGeom prst="rect">
+              <a:avLst/>
+            </a:prstGeom>
+            <a:noFill/>
+          </p:spPr>
+          <p:txBody>
+            <a:bodyPr wrap="square" rtlCol="0">
+              <a:spAutoFit/>
+            </a:bodyPr>
+            <a:lstStyle/>
+            <a:p>
+              <a:pPr algn="just">
+                <a:lnSpc>
+                  <a:spcPct val="150000"/>
+                </a:lnSpc>
+              </a:pPr>
+              <a:r>
+                <a:rPr lang="en-US" sz="2000" dirty="0">
+                  <a:latin typeface="Montserrat Light" charset="0"/>
+                  <a:ea typeface="Montserrat Light" charset="0"/>
+                  <a:cs typeface="Montserrat Light" charset="0"/>
+                </a:rPr>
+                <a:t>A company is an association or collection of individuals, whether natural persons, legal persons, or a mixture of both. Company members share a common purpose and unite in order to focus their various talents and organize their collectively available skills</a:t>
+              </a:r>
+            </a:p>
+          </p:txBody>
+        </p:sp>
+        <p:sp>
+          <p:nvSpPr>
+            <p:cNvPr id="6" name="TextBox 5"/>
+            <p:cNvSpPr txBox="1"/>
+            <p:nvPr/>
+          </p:nvSpPr>
+          <p:spPr>
+            <a:xfrm>
+              <a:off x="4103022" y="4309397"/>
+              <a:ext cx="5000087" cy="584775"/>
+            </a:xfrm>
+            <a:prstGeom prst="rect">
+              <a:avLst/>
+            </a:prstGeom>
+            <a:noFill/>
+          </p:spPr>
+          <p:txBody>
+            <a:bodyPr wrap="none" rtlCol="0">
+              <a:spAutoFit/>
+            </a:bodyPr>
+            <a:lstStyle/>
+            <a:p>
+              <a:r>
+                <a:rPr lang="en-US" sz="3200" spc="600" dirty="0">
+                  <a:solidFill>
+                    <a:schemeClr val="tx2"/>
+                  </a:solidFill>
+                  <a:latin typeface="Montserrat" charset="0"/>
+                  <a:ea typeface="Montserrat" charset="0"/>
+                  <a:cs typeface="Montserrat" charset="0"/>
+                </a:rPr>
+                <a:t>YOUR TITLE HERE</a:t>
+              </a:r>
+              <a:endParaRPr lang="en-US" sz="4800" spc="600" dirty="0">
+                <a:solidFill>
+                  <a:schemeClr val="tx2"/>
+                </a:solidFill>
+                <a:latin typeface="Montserrat" charset="0"/>
+                <a:ea typeface="Montserrat" charset="0"/>
+                <a:cs typeface="Montserrat" charset="0"/>
+              </a:endParaRPr>
+            </a:p>
+          </p:txBody>
+        </p:sp>
+        <p:sp>
+          <p:nvSpPr>
+            <p:cNvPr id="7" name="Shape 2906"/>
+            <p:cNvSpPr/>
+            <p:nvPr/>
+          </p:nvSpPr>
+          <p:spPr>
+            <a:xfrm>
+              <a:off x="3276792" y="4322456"/>
+              <a:ext cx="558655" cy="558655"/>
+            </a:xfrm>
+            <a:custGeom>
+              <a:avLst/>
+              <a:gdLst/>
+              <a:ahLst/>
+              <a:cxnLst>
+                <a:cxn ang="0">
+                  <a:pos x="wd2" y="hd2"/>
+                </a:cxn>
+                <a:cxn ang="5400000">
+                  <a:pos x="wd2" y="hd2"/>
+                </a:cxn>
+                <a:cxn ang="10800000">
+                  <a:pos x="wd2" y="hd2"/>
+                </a:cxn>
+                <a:cxn ang="16200000">
+                  <a:pos x="wd2" y="hd2"/>
+                </a:cxn>
+              </a:cxnLst>
+              <a:rect l="0" t="0" r="r" b="b"/>
+              <a:pathLst>
+                <a:path w="21600" h="21600" extrusionOk="0">
+                  <a:moveTo>
+                    <a:pt x="10800" y="20618"/>
+                  </a:moveTo>
+                  <a:cubicBezTo>
+                    <a:pt x="5377" y="20618"/>
+                    <a:pt x="982" y="16223"/>
+                    <a:pt x="982" y="10800"/>
+                  </a:cubicBezTo>
+                  <a:cubicBezTo>
+                    <a:pt x="982" y="5378"/>
+                    <a:pt x="5377" y="982"/>
+                    <a:pt x="10800" y="982"/>
+                  </a:cubicBezTo>
+                  <a:cubicBezTo>
+                    <a:pt x="16223" y="982"/>
+                    <a:pt x="20618" y="5378"/>
+                    <a:pt x="20618" y="10800"/>
+                  </a:cubicBezTo>
+                  <a:cubicBezTo>
+                    <a:pt x="20618" y="16223"/>
+                    <a:pt x="16223" y="20618"/>
+                    <a:pt x="10800" y="20618"/>
+                  </a:cubicBezTo>
+                  <a:moveTo>
+                    <a:pt x="10800" y="0"/>
+                  </a:moveTo>
+                  <a:cubicBezTo>
+                    <a:pt x="4836" y="0"/>
+                    <a:pt x="0" y="4835"/>
+                    <a:pt x="0" y="10800"/>
+                  </a:cubicBezTo>
+                  <a:cubicBezTo>
+                    <a:pt x="0" y="16765"/>
+                    <a:pt x="4836" y="21600"/>
+                    <a:pt x="10800" y="21600"/>
+                  </a:cubicBezTo>
+                  <a:cubicBezTo>
+                    <a:pt x="16764" y="21600"/>
+                    <a:pt x="21600" y="16765"/>
+                    <a:pt x="21600" y="10800"/>
+                  </a:cubicBezTo>
+                  <a:cubicBezTo>
+                    <a:pt x="21600" y="4835"/>
+                    <a:pt x="16764" y="0"/>
+                    <a:pt x="10800" y="0"/>
+                  </a:cubicBezTo>
+                  <a:moveTo>
+                    <a:pt x="9674" y="5053"/>
+                  </a:moveTo>
+                  <a:cubicBezTo>
+                    <a:pt x="9585" y="4964"/>
+                    <a:pt x="9463" y="4909"/>
+                    <a:pt x="9327" y="4909"/>
+                  </a:cubicBezTo>
+                  <a:cubicBezTo>
+                    <a:pt x="9056" y="4909"/>
+                    <a:pt x="8836" y="5129"/>
+                    <a:pt x="8836" y="5400"/>
+                  </a:cubicBezTo>
+                  <a:cubicBezTo>
+                    <a:pt x="8836" y="5536"/>
+                    <a:pt x="8891" y="5658"/>
+                    <a:pt x="8980" y="5747"/>
+                  </a:cubicBezTo>
+                  <a:lnTo>
+                    <a:pt x="13574" y="10800"/>
+                  </a:lnTo>
+                  <a:lnTo>
+                    <a:pt x="8980" y="15853"/>
+                  </a:lnTo>
+                  <a:cubicBezTo>
+                    <a:pt x="8891" y="15942"/>
+                    <a:pt x="8836" y="16065"/>
+                    <a:pt x="8836" y="16200"/>
+                  </a:cubicBezTo>
+                  <a:cubicBezTo>
+                    <a:pt x="8836" y="16471"/>
+                    <a:pt x="9056" y="16691"/>
+                    <a:pt x="9327" y="16691"/>
+                  </a:cubicBezTo>
+                  <a:cubicBezTo>
+                    <a:pt x="9463" y="16691"/>
+                    <a:pt x="9585" y="16636"/>
+                    <a:pt x="9674" y="16547"/>
+                  </a:cubicBezTo>
+                  <a:lnTo>
+                    <a:pt x="14583" y="11147"/>
+                  </a:lnTo>
+                  <a:cubicBezTo>
+                    <a:pt x="14672" y="11058"/>
+                    <a:pt x="14727" y="10936"/>
+                    <a:pt x="14727" y="10800"/>
+                  </a:cubicBezTo>
+                  <a:cubicBezTo>
+                    <a:pt x="14727" y="10665"/>
+                    <a:pt x="14672" y="10542"/>
+                    <a:pt x="14583" y="10453"/>
+                  </a:cubicBezTo>
+                  <a:cubicBezTo>
+                    <a:pt x="14583" y="10453"/>
+                    <a:pt x="9674" y="5053"/>
+                    <a:pt x="9674" y="5053"/>
+                  </a:cubicBezTo>
+                  <a:close/>
+                </a:path>
+              </a:pathLst>
+            </a:custGeom>
+            <a:solidFill>
+              <a:schemeClr val="tx2"/>
+            </a:solidFill>
+            <a:ln w="12700">
+              <a:miter lim="400000"/>
+            </a:ln>
+          </p:spPr>
+          <p:txBody>
+            <a:bodyPr lIns="38090" tIns="38090" rIns="38090" bIns="38090" anchor="ctr"/>
+            <a:lstStyle/>
+            <a:p>
+              <a:pPr defTabSz="457063">
+                <a:defRPr sz="3000" cap="none">
+                  <a:solidFill>
+                    <a:srgbClr val="FFFFFF"/>
+                  </a:solidFill>
+                  <a:effectLst>
+                    <a:outerShdw blurRad="38100" dist="12700" dir="5400000" rotWithShape="0">
+                      <a:srgbClr val="000000">
+                        <a:alpha val="50000"/>
+                      </a:srgbClr>
+                    </a:outerShdw>
+                  </a:effectLst>
+                  <a:latin typeface="Gill Sans"/>
+                  <a:ea typeface="Gill Sans"/>
+                  <a:cs typeface="Gill Sans"/>
+                  <a:sym typeface="Gill Sans"/>
+                </a:defRPr>
+              </a:pPr>
+              <a:endParaRPr sz="2999"/>
+            </a:p>
+          </p:txBody>
+        </p:sp>
+      </p:grpSp>
+      <p:grpSp>
+        <p:nvGrpSpPr>
+          <p:cNvPr id="10" name="Group 9"/>
+          <p:cNvGrpSpPr/>
+          <p:nvPr/>
+        </p:nvGrpSpPr>
+        <p:grpSpPr>
+          <a:xfrm>
+            <a:off x="3695892" y="6858000"/>
+            <a:ext cx="17072722" cy="1747923"/>
+            <a:chOff x="3276792" y="4309397"/>
+            <a:chExt cx="17072722" cy="1747923"/>
+          </a:xfrm>
+        </p:grpSpPr>
+        <p:sp>
+          <p:nvSpPr>
+            <p:cNvPr id="11" name="TextBox 10"/>
+            <p:cNvSpPr txBox="1"/>
+            <p:nvPr/>
+          </p:nvSpPr>
+          <p:spPr>
+            <a:xfrm>
+              <a:off x="4103022" y="5041657"/>
+              <a:ext cx="16246492" cy="1015663"/>
+            </a:xfrm>
+            <a:prstGeom prst="rect">
+              <a:avLst/>
+            </a:prstGeom>
+            <a:noFill/>
+          </p:spPr>
+          <p:txBody>
+            <a:bodyPr wrap="square" rtlCol="0">
+              <a:spAutoFit/>
+            </a:bodyPr>
+            <a:lstStyle/>
+            <a:p>
+              <a:pPr algn="just">
+                <a:lnSpc>
+                  <a:spcPct val="150000"/>
+                </a:lnSpc>
+              </a:pPr>
+              <a:r>
+                <a:rPr lang="en-US" sz="2000" dirty="0">
+                  <a:latin typeface="Montserrat Light" charset="0"/>
+                  <a:ea typeface="Montserrat Light" charset="0"/>
+                  <a:cs typeface="Montserrat Light" charset="0"/>
+                </a:rPr>
+                <a:t>A company is an association or collection of individuals, whether natural persons, legal persons, or a mixture of both. Company members share a common purpose and unite in order to focus their various talents and organize their collectively available skills</a:t>
+              </a:r>
+            </a:p>
+          </p:txBody>
+        </p:sp>
+        <p:sp>
+          <p:nvSpPr>
+            <p:cNvPr id="12" name="TextBox 11"/>
+            <p:cNvSpPr txBox="1"/>
+            <p:nvPr/>
+          </p:nvSpPr>
+          <p:spPr>
+            <a:xfrm>
+              <a:off x="4103022" y="4309397"/>
+              <a:ext cx="5000087" cy="584775"/>
+            </a:xfrm>
+            <a:prstGeom prst="rect">
+              <a:avLst/>
+            </a:prstGeom>
+            <a:noFill/>
+          </p:spPr>
+          <p:txBody>
+            <a:bodyPr wrap="none" rtlCol="0">
+              <a:spAutoFit/>
+            </a:bodyPr>
+            <a:lstStyle/>
+            <a:p>
+              <a:r>
+                <a:rPr lang="en-US" sz="3200" spc="600" dirty="0">
+                  <a:solidFill>
+                    <a:schemeClr val="tx2"/>
+                  </a:solidFill>
+                  <a:latin typeface="Montserrat" charset="0"/>
+                  <a:ea typeface="Montserrat" charset="0"/>
+                  <a:cs typeface="Montserrat" charset="0"/>
+                </a:rPr>
+                <a:t>YOUR TITLE HERE</a:t>
+              </a:r>
+              <a:endParaRPr lang="en-US" sz="4800" spc="600" dirty="0">
+                <a:solidFill>
+                  <a:schemeClr val="tx2"/>
+                </a:solidFill>
+                <a:latin typeface="Montserrat" charset="0"/>
+                <a:ea typeface="Montserrat" charset="0"/>
+                <a:cs typeface="Montserrat" charset="0"/>
+              </a:endParaRPr>
+            </a:p>
+          </p:txBody>
+        </p:sp>
+        <p:sp>
+          <p:nvSpPr>
+            <p:cNvPr id="13" name="Shape 2906"/>
+            <p:cNvSpPr/>
+            <p:nvPr/>
+          </p:nvSpPr>
+          <p:spPr>
+            <a:xfrm>
+              <a:off x="3276792" y="4322456"/>
+              <a:ext cx="558655" cy="558655"/>
+            </a:xfrm>
+            <a:custGeom>
+              <a:avLst/>
+              <a:gdLst/>
+              <a:ahLst/>
+              <a:cxnLst>
+                <a:cxn ang="0">
+                  <a:pos x="wd2" y="hd2"/>
+                </a:cxn>
+                <a:cxn ang="5400000">
+                  <a:pos x="wd2" y="hd2"/>
+                </a:cxn>
+                <a:cxn ang="10800000">
+                  <a:pos x="wd2" y="hd2"/>
+                </a:cxn>
+                <a:cxn ang="16200000">
+                  <a:pos x="wd2" y="hd2"/>
+                </a:cxn>
+              </a:cxnLst>
+              <a:rect l="0" t="0" r="r" b="b"/>
+              <a:pathLst>
+                <a:path w="21600" h="21600" extrusionOk="0">
+                  <a:moveTo>
+                    <a:pt x="10800" y="20618"/>
+                  </a:moveTo>
+                  <a:cubicBezTo>
+                    <a:pt x="5377" y="20618"/>
+                    <a:pt x="982" y="16223"/>
+                    <a:pt x="982" y="10800"/>
+                  </a:cubicBezTo>
+                  <a:cubicBezTo>
+                    <a:pt x="982" y="5378"/>
+                    <a:pt x="5377" y="982"/>
+                    <a:pt x="10800" y="982"/>
+                  </a:cubicBezTo>
+                  <a:cubicBezTo>
+                    <a:pt x="16223" y="982"/>
+                    <a:pt x="20618" y="5378"/>
+                    <a:pt x="20618" y="10800"/>
+                  </a:cubicBezTo>
+                  <a:cubicBezTo>
+                    <a:pt x="20618" y="16223"/>
+                    <a:pt x="16223" y="20618"/>
+                    <a:pt x="10800" y="20618"/>
+                  </a:cubicBezTo>
+                  <a:moveTo>
+                    <a:pt x="10800" y="0"/>
+                  </a:moveTo>
+                  <a:cubicBezTo>
+                    <a:pt x="4836" y="0"/>
+                    <a:pt x="0" y="4835"/>
+                    <a:pt x="0" y="10800"/>
+                  </a:cubicBezTo>
+                  <a:cubicBezTo>
+                    <a:pt x="0" y="16765"/>
+                    <a:pt x="4836" y="21600"/>
+                    <a:pt x="10800" y="21600"/>
+                  </a:cubicBezTo>
+                  <a:cubicBezTo>
+                    <a:pt x="16764" y="21600"/>
+                    <a:pt x="21600" y="16765"/>
+                    <a:pt x="21600" y="10800"/>
+                  </a:cubicBezTo>
+                  <a:cubicBezTo>
+                    <a:pt x="21600" y="4835"/>
+                    <a:pt x="16764" y="0"/>
+                    <a:pt x="10800" y="0"/>
+                  </a:cubicBezTo>
+                  <a:moveTo>
+                    <a:pt x="9674" y="5053"/>
+                  </a:moveTo>
+                  <a:cubicBezTo>
+                    <a:pt x="9585" y="4964"/>
+                    <a:pt x="9463" y="4909"/>
+                    <a:pt x="9327" y="4909"/>
+                  </a:cubicBezTo>
+                  <a:cubicBezTo>
+                    <a:pt x="9056" y="4909"/>
+                    <a:pt x="8836" y="5129"/>
+                    <a:pt x="8836" y="5400"/>
+                  </a:cubicBezTo>
+                  <a:cubicBezTo>
+                    <a:pt x="8836" y="5536"/>
+                    <a:pt x="8891" y="5658"/>
+                    <a:pt x="8980" y="5747"/>
+                  </a:cubicBezTo>
+                  <a:lnTo>
+                    <a:pt x="13574" y="10800"/>
+                  </a:lnTo>
+                  <a:lnTo>
+                    <a:pt x="8980" y="15853"/>
+                  </a:lnTo>
+                  <a:cubicBezTo>
+                    <a:pt x="8891" y="15942"/>
+                    <a:pt x="8836" y="16065"/>
+                    <a:pt x="8836" y="16200"/>
+                  </a:cubicBezTo>
+                  <a:cubicBezTo>
+                    <a:pt x="8836" y="16471"/>
+                    <a:pt x="9056" y="16691"/>
+                    <a:pt x="9327" y="16691"/>
+                  </a:cubicBezTo>
+                  <a:cubicBezTo>
+                    <a:pt x="9463" y="16691"/>
+                    <a:pt x="9585" y="16636"/>
+                    <a:pt x="9674" y="16547"/>
+                  </a:cubicBezTo>
+                  <a:lnTo>
+                    <a:pt x="14583" y="11147"/>
+                  </a:lnTo>
+                  <a:cubicBezTo>
+                    <a:pt x="14672" y="11058"/>
+                    <a:pt x="14727" y="10936"/>
+                    <a:pt x="14727" y="10800"/>
+                  </a:cubicBezTo>
+                  <a:cubicBezTo>
+                    <a:pt x="14727" y="10665"/>
+                    <a:pt x="14672" y="10542"/>
+                    <a:pt x="14583" y="10453"/>
+                  </a:cubicBezTo>
+                  <a:cubicBezTo>
+                    <a:pt x="14583" y="10453"/>
+                    <a:pt x="9674" y="5053"/>
+                    <a:pt x="9674" y="5053"/>
+                  </a:cubicBezTo>
+                  <a:close/>
+                </a:path>
+              </a:pathLst>
+            </a:custGeom>
+            <a:solidFill>
+              <a:schemeClr val="tx2"/>
+            </a:solidFill>
+            <a:ln w="12700">
+              <a:miter lim="400000"/>
+            </a:ln>
+          </p:spPr>
+          <p:txBody>
+            <a:bodyPr lIns="38090" tIns="38090" rIns="38090" bIns="38090" anchor="ctr"/>
+            <a:lstStyle/>
+            <a:p>
+              <a:pPr defTabSz="457063">
+                <a:defRPr sz="3000" cap="none">
+                  <a:solidFill>
+                    <a:srgbClr val="FFFFFF"/>
+                  </a:solidFill>
+                  <a:effectLst>
+                    <a:outerShdw blurRad="38100" dist="12700" dir="5400000" rotWithShape="0">
+                      <a:srgbClr val="000000">
+                        <a:alpha val="50000"/>
+                      </a:srgbClr>
+                    </a:outerShdw>
+                  </a:effectLst>
+                  <a:latin typeface="Gill Sans"/>
+                  <a:ea typeface="Gill Sans"/>
+                  <a:cs typeface="Gill Sans"/>
+                  <a:sym typeface="Gill Sans"/>
+                </a:defRPr>
+              </a:pPr>
+              <a:endParaRPr sz="2999"/>
+            </a:p>
+          </p:txBody>
+        </p:sp>
+      </p:grpSp>
+      <p:grpSp>
+        <p:nvGrpSpPr>
+          <p:cNvPr id="14" name="Group 13"/>
+          <p:cNvGrpSpPr/>
+          <p:nvPr/>
+        </p:nvGrpSpPr>
+        <p:grpSpPr>
+          <a:xfrm>
+            <a:off x="3695892" y="9432723"/>
+            <a:ext cx="17072722" cy="1747923"/>
+            <a:chOff x="3276792" y="4309397"/>
+            <a:chExt cx="17072722" cy="1747923"/>
+          </a:xfrm>
+        </p:grpSpPr>
+        <p:sp>
+          <p:nvSpPr>
+            <p:cNvPr id="15" name="TextBox 14"/>
+            <p:cNvSpPr txBox="1"/>
+            <p:nvPr/>
+          </p:nvSpPr>
+          <p:spPr>
+            <a:xfrm>
+              <a:off x="4103022" y="5041657"/>
+              <a:ext cx="16246492" cy="1015663"/>
+            </a:xfrm>
+            <a:prstGeom prst="rect">
+              <a:avLst/>
+            </a:prstGeom>
+            <a:noFill/>
+          </p:spPr>
+          <p:txBody>
+            <a:bodyPr wrap="square" rtlCol="0">
+              <a:spAutoFit/>
+            </a:bodyPr>
+            <a:lstStyle/>
+            <a:p>
+              <a:pPr algn="just">
+                <a:lnSpc>
+                  <a:spcPct val="150000"/>
+                </a:lnSpc>
+              </a:pPr>
+              <a:r>
+                <a:rPr lang="en-US" sz="2000" dirty="0">
+                  <a:latin typeface="Montserrat Light" charset="0"/>
+                  <a:ea typeface="Montserrat Light" charset="0"/>
+                  <a:cs typeface="Montserrat Light" charset="0"/>
+                </a:rPr>
+                <a:t>A company is an association or collection of individuals, whether natural persons, legal persons, or a mixture of both. Company members share a common purpose and unite in order to focus their various talents and organize their collectively available skills</a:t>
+              </a:r>
+            </a:p>
+          </p:txBody>
+        </p:sp>
+        <p:sp>
+          <p:nvSpPr>
+            <p:cNvPr id="16" name="TextBox 15"/>
+            <p:cNvSpPr txBox="1"/>
+            <p:nvPr/>
+          </p:nvSpPr>
+          <p:spPr>
+            <a:xfrm>
+              <a:off x="4103022" y="4309397"/>
+              <a:ext cx="5000087" cy="584775"/>
+            </a:xfrm>
+            <a:prstGeom prst="rect">
+              <a:avLst/>
+            </a:prstGeom>
+            <a:noFill/>
+          </p:spPr>
+          <p:txBody>
+            <a:bodyPr wrap="none" rtlCol="0">
+              <a:spAutoFit/>
+            </a:bodyPr>
+            <a:lstStyle/>
+            <a:p>
+              <a:r>
+                <a:rPr lang="en-US" sz="3200" spc="600" dirty="0">
+                  <a:solidFill>
+                    <a:schemeClr val="tx2"/>
+                  </a:solidFill>
+                  <a:latin typeface="Montserrat" charset="0"/>
+                  <a:ea typeface="Montserrat" charset="0"/>
+                  <a:cs typeface="Montserrat" charset="0"/>
+                </a:rPr>
+                <a:t>YOUR TITLE HERE</a:t>
+              </a:r>
+              <a:endParaRPr lang="en-US" sz="4800" spc="600" dirty="0">
+                <a:solidFill>
+                  <a:schemeClr val="tx2"/>
+                </a:solidFill>
+                <a:latin typeface="Montserrat" charset="0"/>
+                <a:ea typeface="Montserrat" charset="0"/>
+                <a:cs typeface="Montserrat" charset="0"/>
+              </a:endParaRPr>
+            </a:p>
+          </p:txBody>
+        </p:sp>
+        <p:sp>
+          <p:nvSpPr>
+            <p:cNvPr id="17" name="Shape 2906"/>
+            <p:cNvSpPr/>
+            <p:nvPr/>
+          </p:nvSpPr>
+          <p:spPr>
+            <a:xfrm>
+              <a:off x="3276792" y="4322456"/>
+              <a:ext cx="558655" cy="558655"/>
+            </a:xfrm>
+            <a:custGeom>
+              <a:avLst/>
+              <a:gdLst/>
+              <a:ahLst/>
+              <a:cxnLst>
+                <a:cxn ang="0">
+                  <a:pos x="wd2" y="hd2"/>
+                </a:cxn>
+                <a:cxn ang="5400000">
+                  <a:pos x="wd2" y="hd2"/>
+                </a:cxn>
+                <a:cxn ang="10800000">
+                  <a:pos x="wd2" y="hd2"/>
+                </a:cxn>
+                <a:cxn ang="16200000">
+                  <a:pos x="wd2" y="hd2"/>
+                </a:cxn>
+              </a:cxnLst>
+              <a:rect l="0" t="0" r="r" b="b"/>
+              <a:pathLst>
+                <a:path w="21600" h="21600" extrusionOk="0">
+                  <a:moveTo>
+                    <a:pt x="10800" y="20618"/>
+                  </a:moveTo>
+                  <a:cubicBezTo>
+                    <a:pt x="5377" y="20618"/>
+                    <a:pt x="982" y="16223"/>
+                    <a:pt x="982" y="10800"/>
+                  </a:cubicBezTo>
+                  <a:cubicBezTo>
+                    <a:pt x="982" y="5378"/>
+                    <a:pt x="5377" y="982"/>
+                    <a:pt x="10800" y="982"/>
+                  </a:cubicBezTo>
+                  <a:cubicBezTo>
+                    <a:pt x="16223" y="982"/>
+                    <a:pt x="20618" y="5378"/>
+                    <a:pt x="20618" y="10800"/>
+                  </a:cubicBezTo>
+                  <a:cubicBezTo>
+                    <a:pt x="20618" y="16223"/>
+                    <a:pt x="16223" y="20618"/>
+                    <a:pt x="10800" y="20618"/>
+                  </a:cubicBezTo>
+                  <a:moveTo>
+                    <a:pt x="10800" y="0"/>
+                  </a:moveTo>
+                  <a:cubicBezTo>
+                    <a:pt x="4836" y="0"/>
+                    <a:pt x="0" y="4835"/>
+                    <a:pt x="0" y="10800"/>
+                  </a:cubicBezTo>
+                  <a:cubicBezTo>
+                    <a:pt x="0" y="16765"/>
+                    <a:pt x="4836" y="21600"/>
+                    <a:pt x="10800" y="21600"/>
+                  </a:cubicBezTo>
+                  <a:cubicBezTo>
+                    <a:pt x="16764" y="21600"/>
+                    <a:pt x="21600" y="16765"/>
+                    <a:pt x="21600" y="10800"/>
+                  </a:cubicBezTo>
+                  <a:cubicBezTo>
+                    <a:pt x="21600" y="4835"/>
+                    <a:pt x="16764" y="0"/>
+                    <a:pt x="10800" y="0"/>
+                  </a:cubicBezTo>
+                  <a:moveTo>
+                    <a:pt x="9674" y="5053"/>
+                  </a:moveTo>
+                  <a:cubicBezTo>
+                    <a:pt x="9585" y="4964"/>
+                    <a:pt x="9463" y="4909"/>
+                    <a:pt x="9327" y="4909"/>
+                  </a:cubicBezTo>
+                  <a:cubicBezTo>
+                    <a:pt x="9056" y="4909"/>
+                    <a:pt x="8836" y="5129"/>
+                    <a:pt x="8836" y="5400"/>
+                  </a:cubicBezTo>
+                  <a:cubicBezTo>
+                    <a:pt x="8836" y="5536"/>
+                    <a:pt x="8891" y="5658"/>
+                    <a:pt x="8980" y="5747"/>
+                  </a:cubicBezTo>
+                  <a:lnTo>
+                    <a:pt x="13574" y="10800"/>
+                  </a:lnTo>
+                  <a:lnTo>
+                    <a:pt x="8980" y="15853"/>
+                  </a:lnTo>
+                  <a:cubicBezTo>
+                    <a:pt x="8891" y="15942"/>
+                    <a:pt x="8836" y="16065"/>
+                    <a:pt x="8836" y="16200"/>
+                  </a:cubicBezTo>
+                  <a:cubicBezTo>
+                    <a:pt x="8836" y="16471"/>
+                    <a:pt x="9056" y="16691"/>
+                    <a:pt x="9327" y="16691"/>
+                  </a:cubicBezTo>
+                  <a:cubicBezTo>
+                    <a:pt x="9463" y="16691"/>
+                    <a:pt x="9585" y="16636"/>
+                    <a:pt x="9674" y="16547"/>
+                  </a:cubicBezTo>
+                  <a:lnTo>
+                    <a:pt x="14583" y="11147"/>
+                  </a:lnTo>
+                  <a:cubicBezTo>
+                    <a:pt x="14672" y="11058"/>
+                    <a:pt x="14727" y="10936"/>
+                    <a:pt x="14727" y="10800"/>
+                  </a:cubicBezTo>
+                  <a:cubicBezTo>
+                    <a:pt x="14727" y="10665"/>
+                    <a:pt x="14672" y="10542"/>
+                    <a:pt x="14583" y="10453"/>
+                  </a:cubicBezTo>
+                  <a:cubicBezTo>
+                    <a:pt x="14583" y="10453"/>
+                    <a:pt x="9674" y="5053"/>
+                    <a:pt x="9674" y="5053"/>
+                  </a:cubicBezTo>
+                  <a:close/>
+                </a:path>
+              </a:pathLst>
+            </a:custGeom>
+            <a:solidFill>
+              <a:schemeClr val="tx2"/>
+            </a:solidFill>
+            <a:ln w="12700">
+              <a:miter lim="400000"/>
+            </a:ln>
+          </p:spPr>
+          <p:txBody>
+            <a:bodyPr lIns="38090" tIns="38090" rIns="38090" bIns="38090" anchor="ctr"/>
+            <a:lstStyle/>
+            <a:p>
+              <a:pPr defTabSz="457063">
+                <a:defRPr sz="3000" cap="none">
+                  <a:solidFill>
+                    <a:srgbClr val="FFFFFF"/>
+                  </a:solidFill>
+                  <a:effectLst>
+                    <a:outerShdw blurRad="38100" dist="12700" dir="5400000" rotWithShape="0">
+                      <a:srgbClr val="000000">
+                        <a:alpha val="50000"/>
+                      </a:srgbClr>
+                    </a:outerShdw>
+                  </a:effectLst>
+                  <a:latin typeface="Gill Sans"/>
+                  <a:ea typeface="Gill Sans"/>
+                  <a:cs typeface="Gill Sans"/>
+                  <a:sym typeface="Gill Sans"/>
+                </a:defRPr>
+              </a:pPr>
+              <a:endParaRPr sz="2999"/>
+            </a:p>
+          </p:txBody>
+        </p:sp>
+      </p:grpSp>
+    </p:spTree>
+    <p:extLst>
+      <p:ext uri="{BB962C8B-B14F-4D97-AF65-F5344CB8AC3E}">
+        <p14:creationId xmlns:p14="http://schemas.microsoft.com/office/powerpoint/2010/main" val="2805349551"/>
       </p:ext>
     </p:extLst>
   </p:cSld>
@@ -8788,6 +8040,1813 @@
 </file>
 
 <file path=ppt/slides/slide6.xml><?xml version="1.0" encoding="utf-8"?>
+<p:sld xmlns:a="http://schemas.openxmlformats.org/drawingml/2006/main" xmlns:r="http://schemas.openxmlformats.org/officeDocument/2006/relationships" xmlns:p="http://schemas.openxmlformats.org/presentationml/2006/main">
+  <p:cSld>
+    <p:spTree>
+      <p:nvGrpSpPr>
+        <p:cNvPr id="1" name=""/>
+        <p:cNvGrpSpPr/>
+        <p:nvPr/>
+      </p:nvGrpSpPr>
+      <p:grpSpPr>
+        <a:xfrm>
+          <a:off x="0" y="0"/>
+          <a:ext cx="0" cy="0"/>
+          <a:chOff x="0" y="0"/>
+          <a:chExt cx="0" cy="0"/>
+        </a:xfrm>
+      </p:grpSpPr>
+      <p:grpSp>
+        <p:nvGrpSpPr>
+          <p:cNvPr id="6" name="Group 5"/>
+          <p:cNvGrpSpPr/>
+          <p:nvPr/>
+        </p:nvGrpSpPr>
+        <p:grpSpPr>
+          <a:xfrm>
+            <a:off x="2749953" y="2705523"/>
+            <a:ext cx="18877743" cy="8351846"/>
+            <a:chOff x="2749953" y="2130309"/>
+            <a:chExt cx="18877743" cy="8351846"/>
+          </a:xfrm>
+        </p:grpSpPr>
+        <p:sp>
+          <p:nvSpPr>
+            <p:cNvPr id="11" name="TextBox 10"/>
+            <p:cNvSpPr txBox="1"/>
+            <p:nvPr/>
+          </p:nvSpPr>
+          <p:spPr>
+            <a:xfrm>
+              <a:off x="2876953" y="4027064"/>
+              <a:ext cx="4796139" cy="1411669"/>
+            </a:xfrm>
+            <a:prstGeom prst="rect">
+              <a:avLst/>
+            </a:prstGeom>
+            <a:noFill/>
+          </p:spPr>
+          <p:txBody>
+            <a:bodyPr wrap="square" rtlCol="0">
+              <a:spAutoFit/>
+            </a:bodyPr>
+            <a:lstStyle/>
+            <a:p>
+              <a:pPr algn="ctr">
+                <a:lnSpc>
+                  <a:spcPct val="150000"/>
+                </a:lnSpc>
+              </a:pPr>
+              <a:r>
+                <a:rPr lang="en-US" sz="2000" dirty="0">
+                  <a:latin typeface="Montserrat Light" charset="0"/>
+                  <a:ea typeface="Montserrat Light" charset="0"/>
+                  <a:cs typeface="Montserrat Light" charset="0"/>
+                </a:rPr>
+                <a:t>A company is an association or collection of individuals, whether natural persons, legal persons, or a</a:t>
+              </a:r>
+            </a:p>
+          </p:txBody>
+        </p:sp>
+        <p:sp>
+          <p:nvSpPr>
+            <p:cNvPr id="14" name="TextBox 13"/>
+            <p:cNvSpPr txBox="1"/>
+            <p:nvPr/>
+          </p:nvSpPr>
+          <p:spPr>
+            <a:xfrm>
+              <a:off x="2749953" y="3294804"/>
+              <a:ext cx="5054589" cy="584775"/>
+            </a:xfrm>
+            <a:prstGeom prst="rect">
+              <a:avLst/>
+            </a:prstGeom>
+            <a:noFill/>
+          </p:spPr>
+          <p:txBody>
+            <a:bodyPr wrap="none" rtlCol="0">
+              <a:spAutoFit/>
+            </a:bodyPr>
+            <a:lstStyle/>
+            <a:p>
+              <a:pPr algn="ctr"/>
+              <a:r>
+                <a:rPr lang="en-US" sz="3200" b="1" spc="600" dirty="0">
+                  <a:solidFill>
+                    <a:schemeClr val="tx2"/>
+                  </a:solidFill>
+                  <a:latin typeface="Montserrat" charset="0"/>
+                  <a:ea typeface="Montserrat" charset="0"/>
+                  <a:cs typeface="Montserrat" charset="0"/>
+                </a:rPr>
+                <a:t>YOUR TITLE HERE</a:t>
+              </a:r>
+              <a:endParaRPr lang="en-US" sz="4800" b="1" spc="600" dirty="0">
+                <a:solidFill>
+                  <a:schemeClr val="tx2"/>
+                </a:solidFill>
+                <a:latin typeface="Montserrat" charset="0"/>
+                <a:ea typeface="Montserrat" charset="0"/>
+                <a:cs typeface="Montserrat" charset="0"/>
+              </a:endParaRPr>
+            </a:p>
+          </p:txBody>
+        </p:sp>
+        <p:sp>
+          <p:nvSpPr>
+            <p:cNvPr id="15" name="TextBox 14"/>
+            <p:cNvSpPr txBox="1"/>
+            <p:nvPr/>
+          </p:nvSpPr>
+          <p:spPr>
+            <a:xfrm>
+              <a:off x="9725030" y="4027064"/>
+              <a:ext cx="4796139" cy="1411669"/>
+            </a:xfrm>
+            <a:prstGeom prst="rect">
+              <a:avLst/>
+            </a:prstGeom>
+            <a:noFill/>
+          </p:spPr>
+          <p:txBody>
+            <a:bodyPr wrap="square" rtlCol="0">
+              <a:spAutoFit/>
+            </a:bodyPr>
+            <a:lstStyle/>
+            <a:p>
+              <a:pPr algn="ctr">
+                <a:lnSpc>
+                  <a:spcPct val="150000"/>
+                </a:lnSpc>
+              </a:pPr>
+              <a:r>
+                <a:rPr lang="en-US" sz="2000" dirty="0">
+                  <a:latin typeface="Montserrat Light" charset="0"/>
+                  <a:ea typeface="Montserrat Light" charset="0"/>
+                  <a:cs typeface="Montserrat Light" charset="0"/>
+                </a:rPr>
+                <a:t>A company is an association or collection of individuals, whether natural persons, legal persons, or a</a:t>
+              </a:r>
+            </a:p>
+          </p:txBody>
+        </p:sp>
+        <p:sp>
+          <p:nvSpPr>
+            <p:cNvPr id="16" name="TextBox 15"/>
+            <p:cNvSpPr txBox="1"/>
+            <p:nvPr/>
+          </p:nvSpPr>
+          <p:spPr>
+            <a:xfrm>
+              <a:off x="9623430" y="3294804"/>
+              <a:ext cx="5054589" cy="584775"/>
+            </a:xfrm>
+            <a:prstGeom prst="rect">
+              <a:avLst/>
+            </a:prstGeom>
+            <a:noFill/>
+          </p:spPr>
+          <p:txBody>
+            <a:bodyPr wrap="none" rtlCol="0">
+              <a:spAutoFit/>
+            </a:bodyPr>
+            <a:lstStyle/>
+            <a:p>
+              <a:pPr algn="ctr"/>
+              <a:r>
+                <a:rPr lang="en-US" sz="3200" b="1" spc="600" dirty="0">
+                  <a:solidFill>
+                    <a:schemeClr val="tx2"/>
+                  </a:solidFill>
+                  <a:latin typeface="Montserrat" charset="0"/>
+                  <a:ea typeface="Montserrat" charset="0"/>
+                  <a:cs typeface="Montserrat" charset="0"/>
+                </a:rPr>
+                <a:t>YOUR TITLE HERE</a:t>
+              </a:r>
+              <a:endParaRPr lang="en-US" sz="4800" b="1" spc="600" dirty="0">
+                <a:solidFill>
+                  <a:schemeClr val="tx2"/>
+                </a:solidFill>
+                <a:latin typeface="Montserrat" charset="0"/>
+                <a:ea typeface="Montserrat" charset="0"/>
+                <a:cs typeface="Montserrat" charset="0"/>
+              </a:endParaRPr>
+            </a:p>
+          </p:txBody>
+        </p:sp>
+        <p:sp>
+          <p:nvSpPr>
+            <p:cNvPr id="17" name="TextBox 16"/>
+            <p:cNvSpPr txBox="1"/>
+            <p:nvPr/>
+          </p:nvSpPr>
+          <p:spPr>
+            <a:xfrm>
+              <a:off x="16674707" y="4027064"/>
+              <a:ext cx="4796139" cy="1411669"/>
+            </a:xfrm>
+            <a:prstGeom prst="rect">
+              <a:avLst/>
+            </a:prstGeom>
+            <a:noFill/>
+          </p:spPr>
+          <p:txBody>
+            <a:bodyPr wrap="square" rtlCol="0">
+              <a:spAutoFit/>
+            </a:bodyPr>
+            <a:lstStyle/>
+            <a:p>
+              <a:pPr algn="ctr">
+                <a:lnSpc>
+                  <a:spcPct val="150000"/>
+                </a:lnSpc>
+              </a:pPr>
+              <a:r>
+                <a:rPr lang="en-US" sz="2000" dirty="0">
+                  <a:latin typeface="Montserrat Light" charset="0"/>
+                  <a:ea typeface="Montserrat Light" charset="0"/>
+                  <a:cs typeface="Montserrat Light" charset="0"/>
+                </a:rPr>
+                <a:t>A company is an association or collection of individuals, whether natural persons, legal persons, or a</a:t>
+              </a:r>
+            </a:p>
+          </p:txBody>
+        </p:sp>
+        <p:sp>
+          <p:nvSpPr>
+            <p:cNvPr id="21" name="TextBox 20"/>
+            <p:cNvSpPr txBox="1"/>
+            <p:nvPr/>
+          </p:nvSpPr>
+          <p:spPr>
+            <a:xfrm>
+              <a:off x="16573107" y="3294804"/>
+              <a:ext cx="5054589" cy="584775"/>
+            </a:xfrm>
+            <a:prstGeom prst="rect">
+              <a:avLst/>
+            </a:prstGeom>
+            <a:noFill/>
+          </p:spPr>
+          <p:txBody>
+            <a:bodyPr wrap="none" rtlCol="0">
+              <a:spAutoFit/>
+            </a:bodyPr>
+            <a:lstStyle/>
+            <a:p>
+              <a:pPr algn="ctr"/>
+              <a:r>
+                <a:rPr lang="en-US" sz="3200" b="1" spc="600" dirty="0">
+                  <a:solidFill>
+                    <a:schemeClr val="tx2"/>
+                  </a:solidFill>
+                  <a:latin typeface="Montserrat" charset="0"/>
+                  <a:ea typeface="Montserrat" charset="0"/>
+                  <a:cs typeface="Montserrat" charset="0"/>
+                </a:rPr>
+                <a:t>YOUR TITLE HERE</a:t>
+              </a:r>
+              <a:endParaRPr lang="en-US" sz="4800" b="1" spc="600" dirty="0">
+                <a:solidFill>
+                  <a:schemeClr val="tx2"/>
+                </a:solidFill>
+                <a:latin typeface="Montserrat" charset="0"/>
+                <a:ea typeface="Montserrat" charset="0"/>
+                <a:cs typeface="Montserrat" charset="0"/>
+              </a:endParaRPr>
+            </a:p>
+          </p:txBody>
+        </p:sp>
+        <p:sp>
+          <p:nvSpPr>
+            <p:cNvPr id="22" name="TextBox 21"/>
+            <p:cNvSpPr txBox="1"/>
+            <p:nvPr/>
+          </p:nvSpPr>
+          <p:spPr>
+            <a:xfrm>
+              <a:off x="2876953" y="9070486"/>
+              <a:ext cx="4796139" cy="1411669"/>
+            </a:xfrm>
+            <a:prstGeom prst="rect">
+              <a:avLst/>
+            </a:prstGeom>
+            <a:noFill/>
+          </p:spPr>
+          <p:txBody>
+            <a:bodyPr wrap="square" rtlCol="0">
+              <a:spAutoFit/>
+            </a:bodyPr>
+            <a:lstStyle/>
+            <a:p>
+              <a:pPr algn="ctr">
+                <a:lnSpc>
+                  <a:spcPct val="150000"/>
+                </a:lnSpc>
+              </a:pPr>
+              <a:r>
+                <a:rPr lang="en-US" sz="2000" dirty="0">
+                  <a:latin typeface="Montserrat Light" charset="0"/>
+                  <a:ea typeface="Montserrat Light" charset="0"/>
+                  <a:cs typeface="Montserrat Light" charset="0"/>
+                </a:rPr>
+                <a:t>A company is an association or collection of individuals, whether natural persons, legal persons, or a</a:t>
+              </a:r>
+            </a:p>
+          </p:txBody>
+        </p:sp>
+        <p:sp>
+          <p:nvSpPr>
+            <p:cNvPr id="23" name="TextBox 22"/>
+            <p:cNvSpPr txBox="1"/>
+            <p:nvPr/>
+          </p:nvSpPr>
+          <p:spPr>
+            <a:xfrm>
+              <a:off x="2749953" y="8338226"/>
+              <a:ext cx="5054589" cy="584775"/>
+            </a:xfrm>
+            <a:prstGeom prst="rect">
+              <a:avLst/>
+            </a:prstGeom>
+            <a:noFill/>
+          </p:spPr>
+          <p:txBody>
+            <a:bodyPr wrap="none" rtlCol="0">
+              <a:spAutoFit/>
+            </a:bodyPr>
+            <a:lstStyle/>
+            <a:p>
+              <a:pPr algn="ctr"/>
+              <a:r>
+                <a:rPr lang="en-US" sz="3200" b="1" spc="600" dirty="0">
+                  <a:solidFill>
+                    <a:schemeClr val="tx2"/>
+                  </a:solidFill>
+                  <a:latin typeface="Montserrat" charset="0"/>
+                  <a:ea typeface="Montserrat" charset="0"/>
+                  <a:cs typeface="Montserrat" charset="0"/>
+                </a:rPr>
+                <a:t>YOUR TITLE HERE</a:t>
+              </a:r>
+              <a:endParaRPr lang="en-US" sz="4800" b="1" spc="600" dirty="0">
+                <a:solidFill>
+                  <a:schemeClr val="tx2"/>
+                </a:solidFill>
+                <a:latin typeface="Montserrat" charset="0"/>
+                <a:ea typeface="Montserrat" charset="0"/>
+                <a:cs typeface="Montserrat" charset="0"/>
+              </a:endParaRPr>
+            </a:p>
+          </p:txBody>
+        </p:sp>
+        <p:sp>
+          <p:nvSpPr>
+            <p:cNvPr id="24" name="TextBox 23"/>
+            <p:cNvSpPr txBox="1"/>
+            <p:nvPr/>
+          </p:nvSpPr>
+          <p:spPr>
+            <a:xfrm>
+              <a:off x="9725030" y="9070486"/>
+              <a:ext cx="4796139" cy="1411669"/>
+            </a:xfrm>
+            <a:prstGeom prst="rect">
+              <a:avLst/>
+            </a:prstGeom>
+            <a:noFill/>
+          </p:spPr>
+          <p:txBody>
+            <a:bodyPr wrap="square" rtlCol="0">
+              <a:spAutoFit/>
+            </a:bodyPr>
+            <a:lstStyle/>
+            <a:p>
+              <a:pPr algn="ctr">
+                <a:lnSpc>
+                  <a:spcPct val="150000"/>
+                </a:lnSpc>
+              </a:pPr>
+              <a:r>
+                <a:rPr lang="en-US" sz="2000" dirty="0">
+                  <a:latin typeface="Montserrat Light" charset="0"/>
+                  <a:ea typeface="Montserrat Light" charset="0"/>
+                  <a:cs typeface="Montserrat Light" charset="0"/>
+                </a:rPr>
+                <a:t>A company is an association or collection of individuals, whether natural persons, legal persons, or a</a:t>
+              </a:r>
+            </a:p>
+          </p:txBody>
+        </p:sp>
+        <p:sp>
+          <p:nvSpPr>
+            <p:cNvPr id="25" name="TextBox 24"/>
+            <p:cNvSpPr txBox="1"/>
+            <p:nvPr/>
+          </p:nvSpPr>
+          <p:spPr>
+            <a:xfrm>
+              <a:off x="9623430" y="8338226"/>
+              <a:ext cx="5054589" cy="584775"/>
+            </a:xfrm>
+            <a:prstGeom prst="rect">
+              <a:avLst/>
+            </a:prstGeom>
+            <a:noFill/>
+          </p:spPr>
+          <p:txBody>
+            <a:bodyPr wrap="none" rtlCol="0">
+              <a:spAutoFit/>
+            </a:bodyPr>
+            <a:lstStyle/>
+            <a:p>
+              <a:pPr algn="ctr"/>
+              <a:r>
+                <a:rPr lang="en-US" sz="3200" b="1" spc="600" dirty="0">
+                  <a:solidFill>
+                    <a:schemeClr val="tx2"/>
+                  </a:solidFill>
+                  <a:latin typeface="Montserrat" charset="0"/>
+                  <a:ea typeface="Montserrat" charset="0"/>
+                  <a:cs typeface="Montserrat" charset="0"/>
+                </a:rPr>
+                <a:t>YOUR TITLE HERE</a:t>
+              </a:r>
+              <a:endParaRPr lang="en-US" sz="4800" b="1" spc="600" dirty="0">
+                <a:solidFill>
+                  <a:schemeClr val="tx2"/>
+                </a:solidFill>
+                <a:latin typeface="Montserrat" charset="0"/>
+                <a:ea typeface="Montserrat" charset="0"/>
+                <a:cs typeface="Montserrat" charset="0"/>
+              </a:endParaRPr>
+            </a:p>
+          </p:txBody>
+        </p:sp>
+        <p:sp>
+          <p:nvSpPr>
+            <p:cNvPr id="26" name="TextBox 25"/>
+            <p:cNvSpPr txBox="1"/>
+            <p:nvPr/>
+          </p:nvSpPr>
+          <p:spPr>
+            <a:xfrm>
+              <a:off x="16674707" y="9070486"/>
+              <a:ext cx="4796139" cy="1411669"/>
+            </a:xfrm>
+            <a:prstGeom prst="rect">
+              <a:avLst/>
+            </a:prstGeom>
+            <a:noFill/>
+          </p:spPr>
+          <p:txBody>
+            <a:bodyPr wrap="square" rtlCol="0">
+              <a:spAutoFit/>
+            </a:bodyPr>
+            <a:lstStyle/>
+            <a:p>
+              <a:pPr algn="ctr">
+                <a:lnSpc>
+                  <a:spcPct val="150000"/>
+                </a:lnSpc>
+              </a:pPr>
+              <a:r>
+                <a:rPr lang="en-US" sz="2000" dirty="0">
+                  <a:latin typeface="Montserrat Light" charset="0"/>
+                  <a:ea typeface="Montserrat Light" charset="0"/>
+                  <a:cs typeface="Montserrat Light" charset="0"/>
+                </a:rPr>
+                <a:t>A company is an association or collection of individuals, whether natural persons, legal persons, or a</a:t>
+              </a:r>
+            </a:p>
+          </p:txBody>
+        </p:sp>
+        <p:sp>
+          <p:nvSpPr>
+            <p:cNvPr id="27" name="TextBox 26"/>
+            <p:cNvSpPr txBox="1"/>
+            <p:nvPr/>
+          </p:nvSpPr>
+          <p:spPr>
+            <a:xfrm>
+              <a:off x="16573107" y="8338226"/>
+              <a:ext cx="5054589" cy="584775"/>
+            </a:xfrm>
+            <a:prstGeom prst="rect">
+              <a:avLst/>
+            </a:prstGeom>
+            <a:noFill/>
+          </p:spPr>
+          <p:txBody>
+            <a:bodyPr wrap="none" rtlCol="0">
+              <a:spAutoFit/>
+            </a:bodyPr>
+            <a:lstStyle/>
+            <a:p>
+              <a:pPr algn="ctr"/>
+              <a:r>
+                <a:rPr lang="en-US" sz="3200" b="1" spc="600" dirty="0">
+                  <a:solidFill>
+                    <a:schemeClr val="tx2"/>
+                  </a:solidFill>
+                  <a:latin typeface="Montserrat" charset="0"/>
+                  <a:ea typeface="Montserrat" charset="0"/>
+                  <a:cs typeface="Montserrat" charset="0"/>
+                </a:rPr>
+                <a:t>YOUR TITLE HERE</a:t>
+              </a:r>
+              <a:endParaRPr lang="en-US" sz="4800" b="1" spc="600" dirty="0">
+                <a:solidFill>
+                  <a:schemeClr val="tx2"/>
+                </a:solidFill>
+                <a:latin typeface="Montserrat" charset="0"/>
+                <a:ea typeface="Montserrat" charset="0"/>
+                <a:cs typeface="Montserrat" charset="0"/>
+              </a:endParaRPr>
+            </a:p>
+          </p:txBody>
+        </p:sp>
+        <p:sp>
+          <p:nvSpPr>
+            <p:cNvPr id="19" name="Shape 2664"/>
+            <p:cNvSpPr/>
+            <p:nvPr/>
+          </p:nvSpPr>
+          <p:spPr>
+            <a:xfrm>
+              <a:off x="4585585" y="2130309"/>
+              <a:ext cx="1304542" cy="711570"/>
+            </a:xfrm>
+            <a:custGeom>
+              <a:avLst/>
+              <a:gdLst/>
+              <a:ahLst/>
+              <a:cxnLst>
+                <a:cxn ang="0">
+                  <a:pos x="wd2" y="hd2"/>
+                </a:cxn>
+                <a:cxn ang="5400000">
+                  <a:pos x="wd2" y="hd2"/>
+                </a:cxn>
+                <a:cxn ang="10800000">
+                  <a:pos x="wd2" y="hd2"/>
+                </a:cxn>
+                <a:cxn ang="16200000">
+                  <a:pos x="wd2" y="hd2"/>
+                </a:cxn>
+              </a:cxnLst>
+              <a:rect l="0" t="0" r="r" b="b"/>
+              <a:pathLst>
+                <a:path w="21600" h="21600" extrusionOk="0">
+                  <a:moveTo>
+                    <a:pt x="19636" y="18000"/>
+                  </a:moveTo>
+                  <a:cubicBezTo>
+                    <a:pt x="19636" y="18995"/>
+                    <a:pt x="19196" y="19800"/>
+                    <a:pt x="18655" y="19800"/>
+                  </a:cubicBezTo>
+                  <a:lnTo>
+                    <a:pt x="1964" y="19800"/>
+                  </a:lnTo>
+                  <a:cubicBezTo>
+                    <a:pt x="1421" y="19800"/>
+                    <a:pt x="982" y="18995"/>
+                    <a:pt x="982" y="18000"/>
+                  </a:cubicBezTo>
+                  <a:lnTo>
+                    <a:pt x="982" y="3600"/>
+                  </a:lnTo>
+                  <a:cubicBezTo>
+                    <a:pt x="982" y="2607"/>
+                    <a:pt x="1421" y="1800"/>
+                    <a:pt x="1964" y="1800"/>
+                  </a:cubicBezTo>
+                  <a:lnTo>
+                    <a:pt x="18655" y="1800"/>
+                  </a:lnTo>
+                  <a:cubicBezTo>
+                    <a:pt x="19196" y="1800"/>
+                    <a:pt x="19636" y="2607"/>
+                    <a:pt x="19636" y="3600"/>
+                  </a:cubicBezTo>
+                  <a:cubicBezTo>
+                    <a:pt x="19636" y="3600"/>
+                    <a:pt x="19636" y="18000"/>
+                    <a:pt x="19636" y="18000"/>
+                  </a:cubicBezTo>
+                  <a:close/>
+                  <a:moveTo>
+                    <a:pt x="20618" y="7200"/>
+                  </a:moveTo>
+                  <a:lnTo>
+                    <a:pt x="20618" y="3600"/>
+                  </a:lnTo>
+                  <a:cubicBezTo>
+                    <a:pt x="20618" y="1612"/>
+                    <a:pt x="19739" y="0"/>
+                    <a:pt x="18655" y="0"/>
+                  </a:cubicBezTo>
+                  <a:lnTo>
+                    <a:pt x="1964" y="0"/>
+                  </a:lnTo>
+                  <a:cubicBezTo>
+                    <a:pt x="879" y="0"/>
+                    <a:pt x="0" y="1612"/>
+                    <a:pt x="0" y="3600"/>
+                  </a:cubicBezTo>
+                  <a:lnTo>
+                    <a:pt x="0" y="18000"/>
+                  </a:lnTo>
+                  <a:cubicBezTo>
+                    <a:pt x="0" y="19989"/>
+                    <a:pt x="879" y="21600"/>
+                    <a:pt x="1964" y="21600"/>
+                  </a:cubicBezTo>
+                  <a:lnTo>
+                    <a:pt x="18655" y="21600"/>
+                  </a:lnTo>
+                  <a:cubicBezTo>
+                    <a:pt x="19739" y="21600"/>
+                    <a:pt x="20618" y="19989"/>
+                    <a:pt x="20618" y="18000"/>
+                  </a:cubicBezTo>
+                  <a:lnTo>
+                    <a:pt x="20618" y="14400"/>
+                  </a:lnTo>
+                  <a:cubicBezTo>
+                    <a:pt x="21160" y="14400"/>
+                    <a:pt x="21600" y="13595"/>
+                    <a:pt x="21600" y="12600"/>
+                  </a:cubicBezTo>
+                  <a:lnTo>
+                    <a:pt x="21600" y="9000"/>
+                  </a:lnTo>
+                  <a:cubicBezTo>
+                    <a:pt x="21600" y="8007"/>
+                    <a:pt x="21160" y="7200"/>
+                    <a:pt x="20618" y="7200"/>
+                  </a:cubicBezTo>
+                </a:path>
+              </a:pathLst>
+            </a:custGeom>
+            <a:solidFill>
+              <a:schemeClr val="tx2"/>
+            </a:solidFill>
+            <a:ln w="12700">
+              <a:miter lim="400000"/>
+            </a:ln>
+          </p:spPr>
+          <p:txBody>
+            <a:bodyPr lIns="38090" tIns="38090" rIns="38090" bIns="38090" anchor="ctr"/>
+            <a:lstStyle/>
+            <a:p>
+              <a:pPr defTabSz="457063">
+                <a:defRPr sz="3000" cap="none">
+                  <a:solidFill>
+                    <a:srgbClr val="FFFFFF"/>
+                  </a:solidFill>
+                  <a:effectLst>
+                    <a:outerShdw blurRad="38100" dist="12700" dir="5400000" rotWithShape="0">
+                      <a:srgbClr val="000000">
+                        <a:alpha val="50000"/>
+                      </a:srgbClr>
+                    </a:outerShdw>
+                  </a:effectLst>
+                  <a:latin typeface="Gill Sans"/>
+                  <a:ea typeface="Gill Sans"/>
+                  <a:cs typeface="Gill Sans"/>
+                  <a:sym typeface="Gill Sans"/>
+                </a:defRPr>
+              </a:pPr>
+              <a:endParaRPr sz="2999"/>
+            </a:p>
+          </p:txBody>
+        </p:sp>
+        <p:sp>
+          <p:nvSpPr>
+            <p:cNvPr id="31" name="Shape 2674"/>
+            <p:cNvSpPr/>
+            <p:nvPr/>
+          </p:nvSpPr>
+          <p:spPr>
+            <a:xfrm>
+              <a:off x="4644881" y="6588956"/>
+              <a:ext cx="1185949" cy="1304540"/>
+            </a:xfrm>
+            <a:custGeom>
+              <a:avLst/>
+              <a:gdLst/>
+              <a:ahLst/>
+              <a:cxnLst>
+                <a:cxn ang="0">
+                  <a:pos x="wd2" y="hd2"/>
+                </a:cxn>
+                <a:cxn ang="5400000">
+                  <a:pos x="wd2" y="hd2"/>
+                </a:cxn>
+                <a:cxn ang="10800000">
+                  <a:pos x="wd2" y="hd2"/>
+                </a:cxn>
+                <a:cxn ang="16200000">
+                  <a:pos x="wd2" y="hd2"/>
+                </a:cxn>
+              </a:cxnLst>
+              <a:rect l="0" t="0" r="r" b="b"/>
+              <a:pathLst>
+                <a:path w="21600" h="21600" extrusionOk="0">
+                  <a:moveTo>
+                    <a:pt x="11880" y="20121"/>
+                  </a:moveTo>
+                  <a:cubicBezTo>
+                    <a:pt x="11880" y="20393"/>
+                    <a:pt x="11637" y="20612"/>
+                    <a:pt x="11337" y="20612"/>
+                  </a:cubicBezTo>
+                  <a:cubicBezTo>
+                    <a:pt x="11181" y="20612"/>
+                    <a:pt x="11043" y="20552"/>
+                    <a:pt x="10944" y="20457"/>
+                  </a:cubicBezTo>
+                  <a:lnTo>
+                    <a:pt x="10941" y="20459"/>
+                  </a:lnTo>
+                  <a:lnTo>
+                    <a:pt x="10800" y="20342"/>
+                  </a:lnTo>
+                  <a:lnTo>
+                    <a:pt x="10800" y="1256"/>
+                  </a:lnTo>
+                  <a:lnTo>
+                    <a:pt x="10958" y="1126"/>
+                  </a:lnTo>
+                  <a:lnTo>
+                    <a:pt x="10960" y="1127"/>
+                  </a:lnTo>
+                  <a:cubicBezTo>
+                    <a:pt x="11057" y="1042"/>
+                    <a:pt x="11190" y="987"/>
+                    <a:pt x="11337" y="987"/>
+                  </a:cubicBezTo>
+                  <a:cubicBezTo>
+                    <a:pt x="11637" y="987"/>
+                    <a:pt x="11880" y="1208"/>
+                    <a:pt x="11880" y="1479"/>
+                  </a:cubicBezTo>
+                  <a:cubicBezTo>
+                    <a:pt x="11880" y="1479"/>
+                    <a:pt x="11880" y="20121"/>
+                    <a:pt x="11880" y="20121"/>
+                  </a:cubicBezTo>
+                  <a:close/>
+                  <a:moveTo>
+                    <a:pt x="9720" y="19448"/>
+                  </a:moveTo>
+                  <a:lnTo>
+                    <a:pt x="4320" y="14979"/>
+                  </a:lnTo>
+                  <a:lnTo>
+                    <a:pt x="4320" y="6606"/>
+                  </a:lnTo>
+                  <a:lnTo>
+                    <a:pt x="4562" y="6407"/>
+                  </a:lnTo>
+                  <a:lnTo>
+                    <a:pt x="4559" y="6406"/>
+                  </a:lnTo>
+                  <a:lnTo>
+                    <a:pt x="9720" y="2147"/>
+                  </a:lnTo>
+                  <a:cubicBezTo>
+                    <a:pt x="9720" y="2147"/>
+                    <a:pt x="9720" y="19448"/>
+                    <a:pt x="9720" y="19448"/>
+                  </a:cubicBezTo>
+                  <a:close/>
+                  <a:moveTo>
+                    <a:pt x="3240" y="14649"/>
+                  </a:moveTo>
+                  <a:cubicBezTo>
+                    <a:pt x="2008" y="14285"/>
+                    <a:pt x="1080" y="12700"/>
+                    <a:pt x="1080" y="10800"/>
+                  </a:cubicBezTo>
+                  <a:cubicBezTo>
+                    <a:pt x="1080" y="8900"/>
+                    <a:pt x="2008" y="7315"/>
+                    <a:pt x="3240" y="6952"/>
+                  </a:cubicBezTo>
+                  <a:cubicBezTo>
+                    <a:pt x="3240" y="6952"/>
+                    <a:pt x="3240" y="14649"/>
+                    <a:pt x="3240" y="14649"/>
+                  </a:cubicBezTo>
+                  <a:close/>
+                  <a:moveTo>
+                    <a:pt x="12966" y="1472"/>
+                  </a:moveTo>
+                  <a:cubicBezTo>
+                    <a:pt x="12966" y="658"/>
+                    <a:pt x="12238" y="0"/>
+                    <a:pt x="11339" y="0"/>
+                  </a:cubicBezTo>
+                  <a:cubicBezTo>
+                    <a:pt x="10880" y="0"/>
+                    <a:pt x="10467" y="174"/>
+                    <a:pt x="10170" y="451"/>
+                  </a:cubicBezTo>
+                  <a:lnTo>
+                    <a:pt x="3565" y="5905"/>
+                  </a:lnTo>
+                  <a:cubicBezTo>
+                    <a:pt x="1578" y="6050"/>
+                    <a:pt x="0" y="8183"/>
+                    <a:pt x="0" y="10800"/>
+                  </a:cubicBezTo>
+                  <a:cubicBezTo>
+                    <a:pt x="0" y="13425"/>
+                    <a:pt x="1588" y="15563"/>
+                    <a:pt x="3585" y="15696"/>
+                  </a:cubicBezTo>
+                  <a:lnTo>
+                    <a:pt x="10170" y="21149"/>
+                  </a:lnTo>
+                  <a:cubicBezTo>
+                    <a:pt x="10466" y="21426"/>
+                    <a:pt x="10879" y="21600"/>
+                    <a:pt x="11339" y="21600"/>
+                  </a:cubicBezTo>
+                  <a:cubicBezTo>
+                    <a:pt x="12238" y="21600"/>
+                    <a:pt x="12966" y="20941"/>
+                    <a:pt x="12966" y="20129"/>
+                  </a:cubicBezTo>
+                  <a:cubicBezTo>
+                    <a:pt x="12966" y="20110"/>
+                    <a:pt x="12961" y="20092"/>
+                    <a:pt x="12960" y="20073"/>
+                  </a:cubicBezTo>
+                  <a:lnTo>
+                    <a:pt x="12960" y="1527"/>
+                  </a:lnTo>
+                  <a:cubicBezTo>
+                    <a:pt x="12961" y="1508"/>
+                    <a:pt x="12966" y="1490"/>
+                    <a:pt x="12966" y="1472"/>
+                  </a:cubicBezTo>
+                  <a:moveTo>
+                    <a:pt x="19124" y="10800"/>
+                  </a:moveTo>
+                  <a:lnTo>
+                    <a:pt x="21442" y="8693"/>
+                  </a:lnTo>
+                  <a:cubicBezTo>
+                    <a:pt x="21540" y="8604"/>
+                    <a:pt x="21600" y="8481"/>
+                    <a:pt x="21600" y="8345"/>
+                  </a:cubicBezTo>
+                  <a:cubicBezTo>
+                    <a:pt x="21600" y="8074"/>
+                    <a:pt x="21358" y="7855"/>
+                    <a:pt x="21060" y="7855"/>
+                  </a:cubicBezTo>
+                  <a:cubicBezTo>
+                    <a:pt x="20911" y="7855"/>
+                    <a:pt x="20776" y="7909"/>
+                    <a:pt x="20678" y="7998"/>
+                  </a:cubicBezTo>
+                  <a:lnTo>
+                    <a:pt x="18360" y="10106"/>
+                  </a:lnTo>
+                  <a:lnTo>
+                    <a:pt x="16042" y="7998"/>
+                  </a:lnTo>
+                  <a:cubicBezTo>
+                    <a:pt x="15944" y="7909"/>
+                    <a:pt x="15809" y="7855"/>
+                    <a:pt x="15660" y="7855"/>
+                  </a:cubicBezTo>
+                  <a:cubicBezTo>
+                    <a:pt x="15362" y="7855"/>
+                    <a:pt x="15120" y="8074"/>
+                    <a:pt x="15120" y="8345"/>
+                  </a:cubicBezTo>
+                  <a:cubicBezTo>
+                    <a:pt x="15120" y="8481"/>
+                    <a:pt x="15180" y="8604"/>
+                    <a:pt x="15278" y="8693"/>
+                  </a:cubicBezTo>
+                  <a:lnTo>
+                    <a:pt x="17596" y="10800"/>
+                  </a:lnTo>
+                  <a:lnTo>
+                    <a:pt x="15278" y="12907"/>
+                  </a:lnTo>
+                  <a:cubicBezTo>
+                    <a:pt x="15180" y="12996"/>
+                    <a:pt x="15120" y="13119"/>
+                    <a:pt x="15120" y="13255"/>
+                  </a:cubicBezTo>
+                  <a:cubicBezTo>
+                    <a:pt x="15120" y="13526"/>
+                    <a:pt x="15362" y="13745"/>
+                    <a:pt x="15660" y="13745"/>
+                  </a:cubicBezTo>
+                  <a:cubicBezTo>
+                    <a:pt x="15809" y="13745"/>
+                    <a:pt x="15944" y="13691"/>
+                    <a:pt x="16042" y="13602"/>
+                  </a:cubicBezTo>
+                  <a:lnTo>
+                    <a:pt x="18360" y="11494"/>
+                  </a:lnTo>
+                  <a:lnTo>
+                    <a:pt x="20678" y="13602"/>
+                  </a:lnTo>
+                  <a:cubicBezTo>
+                    <a:pt x="20776" y="13691"/>
+                    <a:pt x="20911" y="13745"/>
+                    <a:pt x="21060" y="13745"/>
+                  </a:cubicBezTo>
+                  <a:cubicBezTo>
+                    <a:pt x="21358" y="13745"/>
+                    <a:pt x="21600" y="13526"/>
+                    <a:pt x="21600" y="13255"/>
+                  </a:cubicBezTo>
+                  <a:cubicBezTo>
+                    <a:pt x="21600" y="13119"/>
+                    <a:pt x="21540" y="12996"/>
+                    <a:pt x="21442" y="12907"/>
+                  </a:cubicBezTo>
+                  <a:cubicBezTo>
+                    <a:pt x="21442" y="12907"/>
+                    <a:pt x="19124" y="10800"/>
+                    <a:pt x="19124" y="10800"/>
+                  </a:cubicBezTo>
+                  <a:close/>
+                </a:path>
+              </a:pathLst>
+            </a:custGeom>
+            <a:solidFill>
+              <a:schemeClr val="tx2"/>
+            </a:solidFill>
+            <a:ln w="12700">
+              <a:miter lim="400000"/>
+            </a:ln>
+          </p:spPr>
+          <p:txBody>
+            <a:bodyPr lIns="38090" tIns="38090" rIns="38090" bIns="38090" anchor="ctr"/>
+            <a:lstStyle/>
+            <a:p>
+              <a:pPr defTabSz="457063">
+                <a:defRPr sz="3000" cap="none">
+                  <a:solidFill>
+                    <a:srgbClr val="FFFFFF"/>
+                  </a:solidFill>
+                  <a:effectLst>
+                    <a:outerShdw blurRad="38100" dist="12700" dir="5400000" rotWithShape="0">
+                      <a:srgbClr val="000000">
+                        <a:alpha val="50000"/>
+                      </a:srgbClr>
+                    </a:outerShdw>
+                  </a:effectLst>
+                  <a:latin typeface="Gill Sans"/>
+                  <a:ea typeface="Gill Sans"/>
+                  <a:cs typeface="Gill Sans"/>
+                  <a:sym typeface="Gill Sans"/>
+                </a:defRPr>
+              </a:pPr>
+              <a:endParaRPr sz="2999"/>
+            </a:p>
+          </p:txBody>
+        </p:sp>
+        <p:sp>
+          <p:nvSpPr>
+            <p:cNvPr id="29" name="Shape 2665"/>
+            <p:cNvSpPr/>
+            <p:nvPr/>
+          </p:nvSpPr>
+          <p:spPr>
+            <a:xfrm>
+              <a:off x="11560634" y="2130309"/>
+              <a:ext cx="1304542" cy="711570"/>
+            </a:xfrm>
+            <a:custGeom>
+              <a:avLst/>
+              <a:gdLst/>
+              <a:ahLst/>
+              <a:cxnLst>
+                <a:cxn ang="0">
+                  <a:pos x="wd2" y="hd2"/>
+                </a:cxn>
+                <a:cxn ang="5400000">
+                  <a:pos x="wd2" y="hd2"/>
+                </a:cxn>
+                <a:cxn ang="10800000">
+                  <a:pos x="wd2" y="hd2"/>
+                </a:cxn>
+                <a:cxn ang="16200000">
+                  <a:pos x="wd2" y="hd2"/>
+                </a:cxn>
+              </a:cxnLst>
+              <a:rect l="0" t="0" r="r" b="b"/>
+              <a:pathLst>
+                <a:path w="21600" h="21600" extrusionOk="0">
+                  <a:moveTo>
+                    <a:pt x="19636" y="18000"/>
+                  </a:moveTo>
+                  <a:cubicBezTo>
+                    <a:pt x="19636" y="18995"/>
+                    <a:pt x="19196" y="19800"/>
+                    <a:pt x="18655" y="19800"/>
+                  </a:cubicBezTo>
+                  <a:lnTo>
+                    <a:pt x="1964" y="19800"/>
+                  </a:lnTo>
+                  <a:cubicBezTo>
+                    <a:pt x="1422" y="19800"/>
+                    <a:pt x="982" y="18995"/>
+                    <a:pt x="982" y="18000"/>
+                  </a:cubicBezTo>
+                  <a:lnTo>
+                    <a:pt x="982" y="3600"/>
+                  </a:lnTo>
+                  <a:cubicBezTo>
+                    <a:pt x="982" y="2607"/>
+                    <a:pt x="1422" y="1800"/>
+                    <a:pt x="1964" y="1800"/>
+                  </a:cubicBezTo>
+                  <a:lnTo>
+                    <a:pt x="18655" y="1800"/>
+                  </a:lnTo>
+                  <a:cubicBezTo>
+                    <a:pt x="19196" y="1800"/>
+                    <a:pt x="19636" y="2607"/>
+                    <a:pt x="19636" y="3600"/>
+                  </a:cubicBezTo>
+                  <a:cubicBezTo>
+                    <a:pt x="19636" y="3600"/>
+                    <a:pt x="19636" y="18000"/>
+                    <a:pt x="19636" y="18000"/>
+                  </a:cubicBezTo>
+                  <a:close/>
+                  <a:moveTo>
+                    <a:pt x="20618" y="7200"/>
+                  </a:moveTo>
+                  <a:lnTo>
+                    <a:pt x="20618" y="3600"/>
+                  </a:lnTo>
+                  <a:cubicBezTo>
+                    <a:pt x="20618" y="1612"/>
+                    <a:pt x="19739" y="0"/>
+                    <a:pt x="18655" y="0"/>
+                  </a:cubicBezTo>
+                  <a:lnTo>
+                    <a:pt x="1964" y="0"/>
+                  </a:lnTo>
+                  <a:cubicBezTo>
+                    <a:pt x="879" y="0"/>
+                    <a:pt x="0" y="1612"/>
+                    <a:pt x="0" y="3600"/>
+                  </a:cubicBezTo>
+                  <a:lnTo>
+                    <a:pt x="0" y="18000"/>
+                  </a:lnTo>
+                  <a:cubicBezTo>
+                    <a:pt x="0" y="19989"/>
+                    <a:pt x="879" y="21600"/>
+                    <a:pt x="1964" y="21600"/>
+                  </a:cubicBezTo>
+                  <a:lnTo>
+                    <a:pt x="18655" y="21600"/>
+                  </a:lnTo>
+                  <a:cubicBezTo>
+                    <a:pt x="19739" y="21600"/>
+                    <a:pt x="20618" y="19989"/>
+                    <a:pt x="20618" y="18000"/>
+                  </a:cubicBezTo>
+                  <a:lnTo>
+                    <a:pt x="20618" y="14400"/>
+                  </a:lnTo>
+                  <a:cubicBezTo>
+                    <a:pt x="21160" y="14400"/>
+                    <a:pt x="21600" y="13595"/>
+                    <a:pt x="21600" y="12600"/>
+                  </a:cubicBezTo>
+                  <a:lnTo>
+                    <a:pt x="21600" y="9000"/>
+                  </a:lnTo>
+                  <a:cubicBezTo>
+                    <a:pt x="21600" y="8007"/>
+                    <a:pt x="21160" y="7200"/>
+                    <a:pt x="20618" y="7200"/>
+                  </a:cubicBezTo>
+                  <a:moveTo>
+                    <a:pt x="1964" y="18000"/>
+                  </a:moveTo>
+                  <a:lnTo>
+                    <a:pt x="6873" y="18000"/>
+                  </a:lnTo>
+                  <a:lnTo>
+                    <a:pt x="6873" y="3600"/>
+                  </a:lnTo>
+                  <a:lnTo>
+                    <a:pt x="1964" y="3600"/>
+                  </a:lnTo>
+                  <a:cubicBezTo>
+                    <a:pt x="1964" y="3600"/>
+                    <a:pt x="1964" y="18000"/>
+                    <a:pt x="1964" y="18000"/>
+                  </a:cubicBezTo>
+                  <a:close/>
+                </a:path>
+              </a:pathLst>
+            </a:custGeom>
+            <a:solidFill>
+              <a:schemeClr val="tx2"/>
+            </a:solidFill>
+            <a:ln w="12700">
+              <a:miter lim="400000"/>
+            </a:ln>
+          </p:spPr>
+          <p:txBody>
+            <a:bodyPr lIns="38090" tIns="38090" rIns="38090" bIns="38090" anchor="ctr"/>
+            <a:lstStyle/>
+            <a:p>
+              <a:pPr defTabSz="457063">
+                <a:defRPr sz="3000" cap="none">
+                  <a:solidFill>
+                    <a:srgbClr val="FFFFFF"/>
+                  </a:solidFill>
+                  <a:effectLst>
+                    <a:outerShdw blurRad="38100" dist="12700" dir="5400000" rotWithShape="0">
+                      <a:srgbClr val="000000">
+                        <a:alpha val="50000"/>
+                      </a:srgbClr>
+                    </a:outerShdw>
+                  </a:effectLst>
+                  <a:latin typeface="Gill Sans"/>
+                  <a:ea typeface="Gill Sans"/>
+                  <a:cs typeface="Gill Sans"/>
+                  <a:sym typeface="Gill Sans"/>
+                </a:defRPr>
+              </a:pPr>
+              <a:endParaRPr sz="2999"/>
+            </a:p>
+          </p:txBody>
+        </p:sp>
+        <p:sp>
+          <p:nvSpPr>
+            <p:cNvPr id="30" name="Shape 2666"/>
+            <p:cNvSpPr/>
+            <p:nvPr/>
+          </p:nvSpPr>
+          <p:spPr>
+            <a:xfrm>
+              <a:off x="18475021" y="2130309"/>
+              <a:ext cx="1304542" cy="711570"/>
+            </a:xfrm>
+            <a:custGeom>
+              <a:avLst/>
+              <a:gdLst/>
+              <a:ahLst/>
+              <a:cxnLst>
+                <a:cxn ang="0">
+                  <a:pos x="wd2" y="hd2"/>
+                </a:cxn>
+                <a:cxn ang="5400000">
+                  <a:pos x="wd2" y="hd2"/>
+                </a:cxn>
+                <a:cxn ang="10800000">
+                  <a:pos x="wd2" y="hd2"/>
+                </a:cxn>
+                <a:cxn ang="16200000">
+                  <a:pos x="wd2" y="hd2"/>
+                </a:cxn>
+              </a:cxnLst>
+              <a:rect l="0" t="0" r="r" b="b"/>
+              <a:pathLst>
+                <a:path w="21600" h="21600" extrusionOk="0">
+                  <a:moveTo>
+                    <a:pt x="19636" y="18000"/>
+                  </a:moveTo>
+                  <a:cubicBezTo>
+                    <a:pt x="19636" y="18995"/>
+                    <a:pt x="19196" y="19800"/>
+                    <a:pt x="18655" y="19800"/>
+                  </a:cubicBezTo>
+                  <a:lnTo>
+                    <a:pt x="1964" y="19800"/>
+                  </a:lnTo>
+                  <a:cubicBezTo>
+                    <a:pt x="1422" y="19800"/>
+                    <a:pt x="982" y="18995"/>
+                    <a:pt x="982" y="18000"/>
+                  </a:cubicBezTo>
+                  <a:lnTo>
+                    <a:pt x="982" y="3600"/>
+                  </a:lnTo>
+                  <a:cubicBezTo>
+                    <a:pt x="982" y="2607"/>
+                    <a:pt x="1422" y="1800"/>
+                    <a:pt x="1964" y="1800"/>
+                  </a:cubicBezTo>
+                  <a:lnTo>
+                    <a:pt x="18655" y="1800"/>
+                  </a:lnTo>
+                  <a:cubicBezTo>
+                    <a:pt x="19196" y="1800"/>
+                    <a:pt x="19636" y="2607"/>
+                    <a:pt x="19636" y="3600"/>
+                  </a:cubicBezTo>
+                  <a:cubicBezTo>
+                    <a:pt x="19636" y="3600"/>
+                    <a:pt x="19636" y="18000"/>
+                    <a:pt x="19636" y="18000"/>
+                  </a:cubicBezTo>
+                  <a:close/>
+                  <a:moveTo>
+                    <a:pt x="20618" y="7200"/>
+                  </a:moveTo>
+                  <a:lnTo>
+                    <a:pt x="20618" y="3600"/>
+                  </a:lnTo>
+                  <a:cubicBezTo>
+                    <a:pt x="20618" y="1612"/>
+                    <a:pt x="19739" y="0"/>
+                    <a:pt x="18655" y="0"/>
+                  </a:cubicBezTo>
+                  <a:lnTo>
+                    <a:pt x="1964" y="0"/>
+                  </a:lnTo>
+                  <a:cubicBezTo>
+                    <a:pt x="879" y="0"/>
+                    <a:pt x="0" y="1612"/>
+                    <a:pt x="0" y="3600"/>
+                  </a:cubicBezTo>
+                  <a:lnTo>
+                    <a:pt x="0" y="18000"/>
+                  </a:lnTo>
+                  <a:cubicBezTo>
+                    <a:pt x="0" y="19989"/>
+                    <a:pt x="879" y="21600"/>
+                    <a:pt x="1964" y="21600"/>
+                  </a:cubicBezTo>
+                  <a:lnTo>
+                    <a:pt x="18655" y="21600"/>
+                  </a:lnTo>
+                  <a:cubicBezTo>
+                    <a:pt x="19739" y="21600"/>
+                    <a:pt x="20618" y="19989"/>
+                    <a:pt x="20618" y="18000"/>
+                  </a:cubicBezTo>
+                  <a:lnTo>
+                    <a:pt x="20618" y="14400"/>
+                  </a:lnTo>
+                  <a:cubicBezTo>
+                    <a:pt x="21160" y="14400"/>
+                    <a:pt x="21600" y="13595"/>
+                    <a:pt x="21600" y="12600"/>
+                  </a:cubicBezTo>
+                  <a:lnTo>
+                    <a:pt x="21600" y="9000"/>
+                  </a:lnTo>
+                  <a:cubicBezTo>
+                    <a:pt x="21600" y="8007"/>
+                    <a:pt x="21160" y="7200"/>
+                    <a:pt x="20618" y="7200"/>
+                  </a:cubicBezTo>
+                  <a:moveTo>
+                    <a:pt x="1964" y="18000"/>
+                  </a:moveTo>
+                  <a:lnTo>
+                    <a:pt x="10800" y="18000"/>
+                  </a:lnTo>
+                  <a:lnTo>
+                    <a:pt x="10800" y="3600"/>
+                  </a:lnTo>
+                  <a:lnTo>
+                    <a:pt x="1964" y="3600"/>
+                  </a:lnTo>
+                  <a:cubicBezTo>
+                    <a:pt x="1964" y="3600"/>
+                    <a:pt x="1964" y="18000"/>
+                    <a:pt x="1964" y="18000"/>
+                  </a:cubicBezTo>
+                  <a:close/>
+                </a:path>
+              </a:pathLst>
+            </a:custGeom>
+            <a:solidFill>
+              <a:schemeClr val="tx2"/>
+            </a:solidFill>
+            <a:ln w="12700">
+              <a:miter lim="400000"/>
+            </a:ln>
+          </p:spPr>
+          <p:txBody>
+            <a:bodyPr lIns="38090" tIns="38090" rIns="38090" bIns="38090" anchor="ctr"/>
+            <a:lstStyle/>
+            <a:p>
+              <a:pPr defTabSz="457063">
+                <a:defRPr sz="3000" cap="none">
+                  <a:solidFill>
+                    <a:srgbClr val="FFFFFF"/>
+                  </a:solidFill>
+                  <a:effectLst>
+                    <a:outerShdw blurRad="38100" dist="12700" dir="5400000" rotWithShape="0">
+                      <a:srgbClr val="000000">
+                        <a:alpha val="50000"/>
+                      </a:srgbClr>
+                    </a:outerShdw>
+                  </a:effectLst>
+                  <a:latin typeface="Gill Sans"/>
+                  <a:ea typeface="Gill Sans"/>
+                  <a:cs typeface="Gill Sans"/>
+                  <a:sym typeface="Gill Sans"/>
+                </a:defRPr>
+              </a:pPr>
+              <a:endParaRPr sz="2999"/>
+            </a:p>
+          </p:txBody>
+        </p:sp>
+        <p:sp>
+          <p:nvSpPr>
+            <p:cNvPr id="32" name="Shape 2675"/>
+            <p:cNvSpPr/>
+            <p:nvPr/>
+          </p:nvSpPr>
+          <p:spPr>
+            <a:xfrm>
+              <a:off x="11857118" y="6588956"/>
+              <a:ext cx="711919" cy="1304540"/>
+            </a:xfrm>
+            <a:custGeom>
+              <a:avLst/>
+              <a:gdLst/>
+              <a:ahLst/>
+              <a:cxnLst>
+                <a:cxn ang="0">
+                  <a:pos x="wd2" y="hd2"/>
+                </a:cxn>
+                <a:cxn ang="5400000">
+                  <a:pos x="wd2" y="hd2"/>
+                </a:cxn>
+                <a:cxn ang="10800000">
+                  <a:pos x="wd2" y="hd2"/>
+                </a:cxn>
+                <a:cxn ang="16200000">
+                  <a:pos x="wd2" y="hd2"/>
+                </a:cxn>
+              </a:cxnLst>
+              <a:rect l="0" t="0" r="r" b="b"/>
+              <a:pathLst>
+                <a:path w="21600" h="21600" extrusionOk="0">
+                  <a:moveTo>
+                    <a:pt x="19790" y="20121"/>
+                  </a:moveTo>
+                  <a:cubicBezTo>
+                    <a:pt x="19790" y="20393"/>
+                    <a:pt x="19385" y="20612"/>
+                    <a:pt x="18886" y="20612"/>
+                  </a:cubicBezTo>
+                  <a:cubicBezTo>
+                    <a:pt x="18626" y="20612"/>
+                    <a:pt x="18396" y="20552"/>
+                    <a:pt x="18231" y="20457"/>
+                  </a:cubicBezTo>
+                  <a:lnTo>
+                    <a:pt x="18227" y="20459"/>
+                  </a:lnTo>
+                  <a:lnTo>
+                    <a:pt x="17991" y="20342"/>
+                  </a:lnTo>
+                  <a:lnTo>
+                    <a:pt x="17991" y="1256"/>
+                  </a:lnTo>
+                  <a:lnTo>
+                    <a:pt x="18255" y="1126"/>
+                  </a:lnTo>
+                  <a:lnTo>
+                    <a:pt x="18258" y="1127"/>
+                  </a:lnTo>
+                  <a:cubicBezTo>
+                    <a:pt x="18421" y="1042"/>
+                    <a:pt x="18641" y="987"/>
+                    <a:pt x="18886" y="987"/>
+                  </a:cubicBezTo>
+                  <a:cubicBezTo>
+                    <a:pt x="19385" y="987"/>
+                    <a:pt x="19790" y="1208"/>
+                    <a:pt x="19790" y="1479"/>
+                  </a:cubicBezTo>
+                  <a:cubicBezTo>
+                    <a:pt x="19790" y="1479"/>
+                    <a:pt x="19790" y="20121"/>
+                    <a:pt x="19790" y="20121"/>
+                  </a:cubicBezTo>
+                  <a:close/>
+                  <a:moveTo>
+                    <a:pt x="16192" y="19448"/>
+                  </a:moveTo>
+                  <a:lnTo>
+                    <a:pt x="7196" y="14978"/>
+                  </a:lnTo>
+                  <a:lnTo>
+                    <a:pt x="7196" y="6607"/>
+                  </a:lnTo>
+                  <a:lnTo>
+                    <a:pt x="7599" y="6407"/>
+                  </a:lnTo>
+                  <a:lnTo>
+                    <a:pt x="7595" y="6406"/>
+                  </a:lnTo>
+                  <a:lnTo>
+                    <a:pt x="16192" y="2147"/>
+                  </a:lnTo>
+                  <a:cubicBezTo>
+                    <a:pt x="16192" y="2147"/>
+                    <a:pt x="16192" y="19448"/>
+                    <a:pt x="16192" y="19448"/>
+                  </a:cubicBezTo>
+                  <a:close/>
+                  <a:moveTo>
+                    <a:pt x="5397" y="14648"/>
+                  </a:moveTo>
+                  <a:cubicBezTo>
+                    <a:pt x="3344" y="14284"/>
+                    <a:pt x="1799" y="12700"/>
+                    <a:pt x="1799" y="10800"/>
+                  </a:cubicBezTo>
+                  <a:cubicBezTo>
+                    <a:pt x="1799" y="8900"/>
+                    <a:pt x="3344" y="7315"/>
+                    <a:pt x="5397" y="6952"/>
+                  </a:cubicBezTo>
+                  <a:cubicBezTo>
+                    <a:pt x="5397" y="6952"/>
+                    <a:pt x="5397" y="14648"/>
+                    <a:pt x="5397" y="14648"/>
+                  </a:cubicBezTo>
+                  <a:close/>
+                  <a:moveTo>
+                    <a:pt x="21589" y="1527"/>
+                  </a:moveTo>
+                  <a:cubicBezTo>
+                    <a:pt x="21591" y="1508"/>
+                    <a:pt x="21600" y="1490"/>
+                    <a:pt x="21600" y="1472"/>
+                  </a:cubicBezTo>
+                  <a:cubicBezTo>
+                    <a:pt x="21600" y="658"/>
+                    <a:pt x="20386" y="0"/>
+                    <a:pt x="18889" y="0"/>
+                  </a:cubicBezTo>
+                  <a:cubicBezTo>
+                    <a:pt x="18123" y="0"/>
+                    <a:pt x="17435" y="174"/>
+                    <a:pt x="16942" y="451"/>
+                  </a:cubicBezTo>
+                  <a:lnTo>
+                    <a:pt x="5939" y="5905"/>
+                  </a:lnTo>
+                  <a:cubicBezTo>
+                    <a:pt x="2628" y="6050"/>
+                    <a:pt x="0" y="8183"/>
+                    <a:pt x="0" y="10800"/>
+                  </a:cubicBezTo>
+                  <a:cubicBezTo>
+                    <a:pt x="0" y="13425"/>
+                    <a:pt x="2646" y="15563"/>
+                    <a:pt x="5972" y="15696"/>
+                  </a:cubicBezTo>
+                  <a:lnTo>
+                    <a:pt x="16942" y="21148"/>
+                  </a:lnTo>
+                  <a:cubicBezTo>
+                    <a:pt x="17434" y="21426"/>
+                    <a:pt x="18123" y="21600"/>
+                    <a:pt x="18889" y="21600"/>
+                  </a:cubicBezTo>
+                  <a:cubicBezTo>
+                    <a:pt x="20386" y="21600"/>
+                    <a:pt x="21600" y="20941"/>
+                    <a:pt x="21600" y="20129"/>
+                  </a:cubicBezTo>
+                  <a:cubicBezTo>
+                    <a:pt x="21600" y="20110"/>
+                    <a:pt x="21591" y="20092"/>
+                    <a:pt x="21589" y="20073"/>
+                  </a:cubicBezTo>
+                  <a:cubicBezTo>
+                    <a:pt x="21589" y="20073"/>
+                    <a:pt x="21589" y="1527"/>
+                    <a:pt x="21589" y="1527"/>
+                  </a:cubicBezTo>
+                  <a:close/>
+                </a:path>
+              </a:pathLst>
+            </a:custGeom>
+            <a:solidFill>
+              <a:schemeClr val="tx2"/>
+            </a:solidFill>
+            <a:ln w="12700">
+              <a:miter lim="400000"/>
+            </a:ln>
+          </p:spPr>
+          <p:txBody>
+            <a:bodyPr lIns="38090" tIns="38090" rIns="38090" bIns="38090" anchor="ctr"/>
+            <a:lstStyle/>
+            <a:p>
+              <a:pPr defTabSz="457063">
+                <a:defRPr sz="3000" cap="none">
+                  <a:solidFill>
+                    <a:srgbClr val="FFFFFF"/>
+                  </a:solidFill>
+                  <a:effectLst>
+                    <a:outerShdw blurRad="38100" dist="12700" dir="5400000" rotWithShape="0">
+                      <a:srgbClr val="000000">
+                        <a:alpha val="50000"/>
+                      </a:srgbClr>
+                    </a:outerShdw>
+                  </a:effectLst>
+                  <a:latin typeface="Gill Sans"/>
+                  <a:ea typeface="Gill Sans"/>
+                  <a:cs typeface="Gill Sans"/>
+                  <a:sym typeface="Gill Sans"/>
+                </a:defRPr>
+              </a:pPr>
+              <a:endParaRPr sz="2999"/>
+            </a:p>
+          </p:txBody>
+        </p:sp>
+        <p:sp>
+          <p:nvSpPr>
+            <p:cNvPr id="33" name="Shape 2676"/>
+            <p:cNvSpPr/>
+            <p:nvPr/>
+          </p:nvSpPr>
+          <p:spPr>
+            <a:xfrm>
+              <a:off x="18652913" y="6588956"/>
+              <a:ext cx="948759" cy="1304540"/>
+            </a:xfrm>
+            <a:custGeom>
+              <a:avLst/>
+              <a:gdLst/>
+              <a:ahLst/>
+              <a:cxnLst>
+                <a:cxn ang="0">
+                  <a:pos x="wd2" y="hd2"/>
+                </a:cxn>
+                <a:cxn ang="5400000">
+                  <a:pos x="wd2" y="hd2"/>
+                </a:cxn>
+                <a:cxn ang="10800000">
+                  <a:pos x="wd2" y="hd2"/>
+                </a:cxn>
+                <a:cxn ang="16200000">
+                  <a:pos x="wd2" y="hd2"/>
+                </a:cxn>
+              </a:cxnLst>
+              <a:rect l="0" t="0" r="r" b="b"/>
+              <a:pathLst>
+                <a:path w="21600" h="21600" extrusionOk="0">
+                  <a:moveTo>
+                    <a:pt x="14850" y="20121"/>
+                  </a:moveTo>
+                  <a:cubicBezTo>
+                    <a:pt x="14850" y="20393"/>
+                    <a:pt x="14546" y="20612"/>
+                    <a:pt x="14171" y="20612"/>
+                  </a:cubicBezTo>
+                  <a:cubicBezTo>
+                    <a:pt x="13977" y="20612"/>
+                    <a:pt x="13804" y="20552"/>
+                    <a:pt x="13680" y="20457"/>
+                  </a:cubicBezTo>
+                  <a:lnTo>
+                    <a:pt x="13677" y="20459"/>
+                  </a:lnTo>
+                  <a:lnTo>
+                    <a:pt x="13500" y="20342"/>
+                  </a:lnTo>
+                  <a:lnTo>
+                    <a:pt x="13500" y="1256"/>
+                  </a:lnTo>
+                  <a:lnTo>
+                    <a:pt x="13698" y="1126"/>
+                  </a:lnTo>
+                  <a:lnTo>
+                    <a:pt x="13700" y="1127"/>
+                  </a:lnTo>
+                  <a:cubicBezTo>
+                    <a:pt x="13822" y="1042"/>
+                    <a:pt x="13988" y="987"/>
+                    <a:pt x="14171" y="987"/>
+                  </a:cubicBezTo>
+                  <a:cubicBezTo>
+                    <a:pt x="14546" y="987"/>
+                    <a:pt x="14850" y="1208"/>
+                    <a:pt x="14850" y="1479"/>
+                  </a:cubicBezTo>
+                  <a:cubicBezTo>
+                    <a:pt x="14850" y="1479"/>
+                    <a:pt x="14850" y="20121"/>
+                    <a:pt x="14850" y="20121"/>
+                  </a:cubicBezTo>
+                  <a:close/>
+                  <a:moveTo>
+                    <a:pt x="12150" y="19448"/>
+                  </a:moveTo>
+                  <a:lnTo>
+                    <a:pt x="5400" y="14978"/>
+                  </a:lnTo>
+                  <a:lnTo>
+                    <a:pt x="5400" y="6607"/>
+                  </a:lnTo>
+                  <a:lnTo>
+                    <a:pt x="5702" y="6407"/>
+                  </a:lnTo>
+                  <a:lnTo>
+                    <a:pt x="5699" y="6406"/>
+                  </a:lnTo>
+                  <a:lnTo>
+                    <a:pt x="12150" y="2147"/>
+                  </a:lnTo>
+                  <a:cubicBezTo>
+                    <a:pt x="12150" y="2147"/>
+                    <a:pt x="12150" y="19448"/>
+                    <a:pt x="12150" y="19448"/>
+                  </a:cubicBezTo>
+                  <a:close/>
+                  <a:moveTo>
+                    <a:pt x="4050" y="14648"/>
+                  </a:moveTo>
+                  <a:cubicBezTo>
+                    <a:pt x="2509" y="14284"/>
+                    <a:pt x="1350" y="12700"/>
+                    <a:pt x="1350" y="10800"/>
+                  </a:cubicBezTo>
+                  <a:cubicBezTo>
+                    <a:pt x="1350" y="8900"/>
+                    <a:pt x="2509" y="7315"/>
+                    <a:pt x="4050" y="6952"/>
+                  </a:cubicBezTo>
+                  <a:cubicBezTo>
+                    <a:pt x="4050" y="6952"/>
+                    <a:pt x="4050" y="14648"/>
+                    <a:pt x="4050" y="14648"/>
+                  </a:cubicBezTo>
+                  <a:close/>
+                  <a:moveTo>
+                    <a:pt x="16208" y="1472"/>
+                  </a:moveTo>
+                  <a:cubicBezTo>
+                    <a:pt x="16208" y="658"/>
+                    <a:pt x="15297" y="0"/>
+                    <a:pt x="14174" y="0"/>
+                  </a:cubicBezTo>
+                  <a:cubicBezTo>
+                    <a:pt x="13599" y="0"/>
+                    <a:pt x="13083" y="174"/>
+                    <a:pt x="12713" y="451"/>
+                  </a:cubicBezTo>
+                  <a:lnTo>
+                    <a:pt x="4456" y="5905"/>
+                  </a:lnTo>
+                  <a:cubicBezTo>
+                    <a:pt x="1972" y="6050"/>
+                    <a:pt x="0" y="8183"/>
+                    <a:pt x="0" y="10800"/>
+                  </a:cubicBezTo>
+                  <a:cubicBezTo>
+                    <a:pt x="0" y="13425"/>
+                    <a:pt x="1985" y="15563"/>
+                    <a:pt x="4481" y="15696"/>
+                  </a:cubicBezTo>
+                  <a:lnTo>
+                    <a:pt x="12713" y="21148"/>
+                  </a:lnTo>
+                  <a:cubicBezTo>
+                    <a:pt x="13083" y="21426"/>
+                    <a:pt x="13599" y="21600"/>
+                    <a:pt x="14174" y="21600"/>
+                  </a:cubicBezTo>
+                  <a:cubicBezTo>
+                    <a:pt x="15297" y="21600"/>
+                    <a:pt x="16208" y="20941"/>
+                    <a:pt x="16208" y="20129"/>
+                  </a:cubicBezTo>
+                  <a:cubicBezTo>
+                    <a:pt x="16208" y="20110"/>
+                    <a:pt x="16201" y="20092"/>
+                    <a:pt x="16200" y="20073"/>
+                  </a:cubicBezTo>
+                  <a:lnTo>
+                    <a:pt x="16200" y="1527"/>
+                  </a:lnTo>
+                  <a:cubicBezTo>
+                    <a:pt x="16201" y="1508"/>
+                    <a:pt x="16208" y="1490"/>
+                    <a:pt x="16208" y="1472"/>
+                  </a:cubicBezTo>
+                  <a:moveTo>
+                    <a:pt x="18225" y="7855"/>
+                  </a:moveTo>
+                  <a:cubicBezTo>
+                    <a:pt x="17852" y="7855"/>
+                    <a:pt x="17550" y="8074"/>
+                    <a:pt x="17550" y="8345"/>
+                  </a:cubicBezTo>
+                  <a:cubicBezTo>
+                    <a:pt x="17550" y="8617"/>
+                    <a:pt x="17852" y="8836"/>
+                    <a:pt x="18225" y="8836"/>
+                  </a:cubicBezTo>
+                  <a:cubicBezTo>
+                    <a:pt x="19344" y="8836"/>
+                    <a:pt x="20250" y="9716"/>
+                    <a:pt x="20250" y="10800"/>
+                  </a:cubicBezTo>
+                  <a:cubicBezTo>
+                    <a:pt x="20250" y="11884"/>
+                    <a:pt x="19344" y="12764"/>
+                    <a:pt x="18225" y="12764"/>
+                  </a:cubicBezTo>
+                  <a:cubicBezTo>
+                    <a:pt x="17852" y="12764"/>
+                    <a:pt x="17550" y="12983"/>
+                    <a:pt x="17550" y="13255"/>
+                  </a:cubicBezTo>
+                  <a:cubicBezTo>
+                    <a:pt x="17550" y="13526"/>
+                    <a:pt x="17852" y="13745"/>
+                    <a:pt x="18225" y="13745"/>
+                  </a:cubicBezTo>
+                  <a:cubicBezTo>
+                    <a:pt x="20089" y="13745"/>
+                    <a:pt x="21600" y="12426"/>
+                    <a:pt x="21600" y="10800"/>
+                  </a:cubicBezTo>
+                  <a:cubicBezTo>
+                    <a:pt x="21600" y="9173"/>
+                    <a:pt x="20089" y="7855"/>
+                    <a:pt x="18225" y="7855"/>
+                  </a:cubicBezTo>
+                </a:path>
+              </a:pathLst>
+            </a:custGeom>
+            <a:solidFill>
+              <a:schemeClr val="tx2"/>
+            </a:solidFill>
+            <a:ln w="12700">
+              <a:miter lim="400000"/>
+            </a:ln>
+          </p:spPr>
+          <p:txBody>
+            <a:bodyPr lIns="38090" tIns="38090" rIns="38090" bIns="38090" anchor="ctr"/>
+            <a:lstStyle/>
+            <a:p>
+              <a:pPr defTabSz="457063">
+                <a:defRPr sz="3000" cap="none">
+                  <a:solidFill>
+                    <a:srgbClr val="FFFFFF"/>
+                  </a:solidFill>
+                  <a:effectLst>
+                    <a:outerShdw blurRad="38100" dist="12700" dir="5400000" rotWithShape="0">
+                      <a:srgbClr val="000000">
+                        <a:alpha val="50000"/>
+                      </a:srgbClr>
+                    </a:outerShdw>
+                  </a:effectLst>
+                  <a:latin typeface="Gill Sans"/>
+                  <a:ea typeface="Gill Sans"/>
+                  <a:cs typeface="Gill Sans"/>
+                  <a:sym typeface="Gill Sans"/>
+                </a:defRPr>
+              </a:pPr>
+              <a:endParaRPr sz="2999"/>
+            </a:p>
+          </p:txBody>
+        </p:sp>
+      </p:grpSp>
+    </p:spTree>
+    <p:extLst>
+      <p:ext uri="{BB962C8B-B14F-4D97-AF65-F5344CB8AC3E}">
+        <p14:creationId xmlns:p14="http://schemas.microsoft.com/office/powerpoint/2010/main" val="605105524"/>
+      </p:ext>
+    </p:extLst>
+  </p:cSld>
+  <p:clrMapOvr>
+    <a:masterClrMapping/>
+  </p:clrMapOvr>
+</p:sld>
+</file>
+
+<file path=ppt/slides/slide7.xml><?xml version="1.0" encoding="utf-8"?>
 <p:sld xmlns:a="http://schemas.openxmlformats.org/drawingml/2006/main" xmlns:r="http://schemas.openxmlformats.org/officeDocument/2006/relationships" xmlns:p="http://schemas.openxmlformats.org/presentationml/2006/main">
   <p:cSld>
     <p:spTree>
@@ -54260,7 +55319,7 @@
 </p:sld>
 </file>
 
-<file path=ppt/slides/slide7.xml><?xml version="1.0" encoding="utf-8"?>
+<file path=ppt/slides/slide8.xml><?xml version="1.0" encoding="utf-8"?>
 <p:sld xmlns:a="http://schemas.openxmlformats.org/drawingml/2006/main" xmlns:r="http://schemas.openxmlformats.org/officeDocument/2006/relationships" xmlns:p="http://schemas.openxmlformats.org/presentationml/2006/main">
   <p:cSld>
     <p:spTree>
@@ -55142,7 +56201,7 @@
 </p:sld>
 </file>
 
-<file path=ppt/slides/slide8.xml><?xml version="1.0" encoding="utf-8"?>
+<file path=ppt/slides/slide9.xml><?xml version="1.0" encoding="utf-8"?>
 <p:sld xmlns:a="http://schemas.openxmlformats.org/drawingml/2006/main" xmlns:r="http://schemas.openxmlformats.org/officeDocument/2006/relationships" xmlns:p="http://schemas.openxmlformats.org/presentationml/2006/main">
   <p:cSld>
     <p:spTree>
